--- a/RollYourOwnSso.pptx
+++ b/RollYourOwnSso.pptx
@@ -7,16 +7,15 @@
   <p:sldIdLst>
     <p:sldId id="256" r:id="rId2"/>
     <p:sldId id="257" r:id="rId3"/>
-    <p:sldId id="258" r:id="rId4"/>
-    <p:sldId id="264" r:id="rId5"/>
-    <p:sldId id="265" r:id="rId6"/>
-    <p:sldId id="266" r:id="rId7"/>
-    <p:sldId id="267" r:id="rId8"/>
-    <p:sldId id="259" r:id="rId9"/>
-    <p:sldId id="262" r:id="rId10"/>
-    <p:sldId id="260" r:id="rId11"/>
-    <p:sldId id="261" r:id="rId12"/>
-    <p:sldId id="263" r:id="rId13"/>
+    <p:sldId id="268" r:id="rId4"/>
+    <p:sldId id="269" r:id="rId5"/>
+    <p:sldId id="270" r:id="rId6"/>
+    <p:sldId id="258" r:id="rId7"/>
+    <p:sldId id="264" r:id="rId8"/>
+    <p:sldId id="265" r:id="rId9"/>
+    <p:sldId id="266" r:id="rId10"/>
+    <p:sldId id="271" r:id="rId11"/>
+    <p:sldId id="259" r:id="rId12"/>
   </p:sldIdLst>
   <p:sldSz cx="12192000" cy="6858000"/>
   <p:notesSz cx="6858000" cy="9144000"/>
@@ -115,6 +114,11 @@
       </a:defRPr>
     </a:lvl9pPr>
   </p:defaultTextStyle>
+  <p:extLst>
+    <p:ext uri="{EFAFB233-063F-42B5-8137-9DF3F51BA10A}">
+      <p15:sldGuideLst xmlns:p15="http://schemas.microsoft.com/office/powerpoint/2012/main"/>
+    </p:ext>
+  </p:extLst>
 </p:presentation>
 </file>
 
@@ -269,7 +273,7 @@
           <a:p>
             <a:fld id="{0288457B-959D-43F4-9E0C-CCE59916D419}" type="datetimeFigureOut">
               <a:rPr lang="en-US" smtClean="0"/>
-              <a:t>1/16/2018</a:t>
+              <a:t>1/18/2018</a:t>
             </a:fld>
             <a:endParaRPr lang="en-US"/>
           </a:p>
@@ -467,7 +471,7 @@
           <a:p>
             <a:fld id="{0288457B-959D-43F4-9E0C-CCE59916D419}" type="datetimeFigureOut">
               <a:rPr lang="en-US" smtClean="0"/>
-              <a:t>1/16/2018</a:t>
+              <a:t>1/18/2018</a:t>
             </a:fld>
             <a:endParaRPr lang="en-US"/>
           </a:p>
@@ -675,7 +679,7 @@
           <a:p>
             <a:fld id="{0288457B-959D-43F4-9E0C-CCE59916D419}" type="datetimeFigureOut">
               <a:rPr lang="en-US" smtClean="0"/>
-              <a:t>1/16/2018</a:t>
+              <a:t>1/18/2018</a:t>
             </a:fld>
             <a:endParaRPr lang="en-US"/>
           </a:p>
@@ -873,7 +877,7 @@
           <a:p>
             <a:fld id="{0288457B-959D-43F4-9E0C-CCE59916D419}" type="datetimeFigureOut">
               <a:rPr lang="en-US" smtClean="0"/>
-              <a:t>1/16/2018</a:t>
+              <a:t>1/18/2018</a:t>
             </a:fld>
             <a:endParaRPr lang="en-US"/>
           </a:p>
@@ -1148,7 +1152,7 @@
           <a:p>
             <a:fld id="{0288457B-959D-43F4-9E0C-CCE59916D419}" type="datetimeFigureOut">
               <a:rPr lang="en-US" smtClean="0"/>
-              <a:t>1/16/2018</a:t>
+              <a:t>1/18/2018</a:t>
             </a:fld>
             <a:endParaRPr lang="en-US"/>
           </a:p>
@@ -1413,7 +1417,7 @@
           <a:p>
             <a:fld id="{0288457B-959D-43F4-9E0C-CCE59916D419}" type="datetimeFigureOut">
               <a:rPr lang="en-US" smtClean="0"/>
-              <a:t>1/16/2018</a:t>
+              <a:t>1/18/2018</a:t>
             </a:fld>
             <a:endParaRPr lang="en-US"/>
           </a:p>
@@ -1825,7 +1829,7 @@
           <a:p>
             <a:fld id="{0288457B-959D-43F4-9E0C-CCE59916D419}" type="datetimeFigureOut">
               <a:rPr lang="en-US" smtClean="0"/>
-              <a:t>1/16/2018</a:t>
+              <a:t>1/18/2018</a:t>
             </a:fld>
             <a:endParaRPr lang="en-US"/>
           </a:p>
@@ -1966,7 +1970,7 @@
           <a:p>
             <a:fld id="{0288457B-959D-43F4-9E0C-CCE59916D419}" type="datetimeFigureOut">
               <a:rPr lang="en-US" smtClean="0"/>
-              <a:t>1/16/2018</a:t>
+              <a:t>1/18/2018</a:t>
             </a:fld>
             <a:endParaRPr lang="en-US"/>
           </a:p>
@@ -2079,7 +2083,7 @@
           <a:p>
             <a:fld id="{0288457B-959D-43F4-9E0C-CCE59916D419}" type="datetimeFigureOut">
               <a:rPr lang="en-US" smtClean="0"/>
-              <a:t>1/16/2018</a:t>
+              <a:t>1/18/2018</a:t>
             </a:fld>
             <a:endParaRPr lang="en-US"/>
           </a:p>
@@ -2390,7 +2394,7 @@
           <a:p>
             <a:fld id="{0288457B-959D-43F4-9E0C-CCE59916D419}" type="datetimeFigureOut">
               <a:rPr lang="en-US" smtClean="0"/>
-              <a:t>1/16/2018</a:t>
+              <a:t>1/18/2018</a:t>
             </a:fld>
             <a:endParaRPr lang="en-US"/>
           </a:p>
@@ -2678,7 +2682,7 @@
           <a:p>
             <a:fld id="{0288457B-959D-43F4-9E0C-CCE59916D419}" type="datetimeFigureOut">
               <a:rPr lang="en-US" smtClean="0"/>
-              <a:t>1/16/2018</a:t>
+              <a:t>1/18/2018</a:t>
             </a:fld>
             <a:endParaRPr lang="en-US"/>
           </a:p>
@@ -2919,7 +2923,7 @@
           <a:p>
             <a:fld id="{0288457B-959D-43F4-9E0C-CCE59916D419}" type="datetimeFigureOut">
               <a:rPr lang="en-US" smtClean="0"/>
-              <a:t>1/16/2018</a:t>
+              <a:t>1/18/2018</a:t>
             </a:fld>
             <a:endParaRPr lang="en-US"/>
           </a:p>
@@ -3354,7 +3358,7 @@
         </p:nvSpPr>
         <p:spPr>
           <a:xfrm>
-            <a:off x="1524000" y="597159"/>
+            <a:off x="1524000" y="1226334"/>
             <a:ext cx="9144000" cy="2912804"/>
           </a:xfrm>
         </p:spPr>
@@ -3413,7 +3417,7 @@
         </p:blipFill>
         <p:spPr>
           <a:xfrm>
-            <a:off x="7134289" y="1748750"/>
+            <a:off x="7134289" y="2377925"/>
             <a:ext cx="1188088" cy="1188088"/>
           </a:xfrm>
           <a:prstGeom prst="rect">
@@ -3449,7 +3453,7 @@
         </p:blipFill>
         <p:spPr>
           <a:xfrm>
-            <a:off x="3452327" y="1748750"/>
+            <a:off x="3452327" y="2377925"/>
             <a:ext cx="1753635" cy="1188088"/>
           </a:xfrm>
           <a:prstGeom prst="rect">
@@ -3471,7 +3475,7 @@
         </p:nvSpPr>
         <p:spPr>
           <a:xfrm>
-            <a:off x="2393517" y="3028913"/>
+            <a:off x="2393517" y="3658088"/>
             <a:ext cx="3871253" cy="307777"/>
           </a:xfrm>
           <a:prstGeom prst="rect">
@@ -3509,7 +3513,7 @@
         </p:nvSpPr>
         <p:spPr>
           <a:xfrm>
-            <a:off x="6469078" y="3028912"/>
+            <a:off x="6469078" y="3658087"/>
             <a:ext cx="2518510" cy="307777"/>
           </a:xfrm>
           <a:prstGeom prst="rect">
@@ -3549,12 +3553,35 @@
             <p:ph type="subTitle" idx="1"/>
           </p:nvPr>
         </p:nvSpPr>
-        <p:spPr/>
+        <p:spPr>
+          <a:xfrm>
+            <a:off x="1524000" y="4231213"/>
+            <a:ext cx="9144000" cy="1655762"/>
+          </a:xfrm>
+        </p:spPr>
         <p:txBody>
           <a:bodyPr/>
           <a:lstStyle/>
           <a:p>
-            <a:endParaRPr lang="en-US" dirty="0"/>
+            <a:r>
+              <a:rPr lang="en-US" dirty="0"/>
+              <a:t>C Daniel Waddell</a:t>
+            </a:r>
+          </a:p>
+          <a:p>
+            <a:r>
+              <a:rPr lang="en-US" sz="1400" dirty="0"/>
+              <a:t>With lots of help from document by Brock Allen &amp; Dominick Baier</a:t>
+            </a:r>
+          </a:p>
+          <a:p>
+            <a:r>
+              <a:rPr lang="en-US" sz="1400" dirty="0">
+                <a:hlinkClick r:id="rId6"/>
+              </a:rPr>
+              <a:t>https://identityserver4.readthedocs.io/en/release/</a:t>
+            </a:r>
+            <a:endParaRPr lang="en-US" sz="1400" dirty="0"/>
           </a:p>
         </p:txBody>
       </p:sp>
@@ -3593,7 +3620,7 @@
           <p:cNvPr id="2" name="Title 1">
             <a:extLst>
               <a:ext uri="{FF2B5EF4-FFF2-40B4-BE49-F238E27FC236}">
-                <a16:creationId xmlns:a16="http://schemas.microsoft.com/office/drawing/2014/main" id="{C818C574-D5D9-46BB-9CE6-AE204840B68F}"/>
+                <a16:creationId xmlns:a16="http://schemas.microsoft.com/office/drawing/2014/main" id="{BF87F571-C343-4D77-8560-1DBB249014C0}"/>
               </a:ext>
             </a:extLst>
           </p:cNvPr>
@@ -3611,7 +3638,7 @@
           <a:p>
             <a:r>
               <a:rPr lang="en-US" dirty="0"/>
-              <a:t>Adding ASP.NET Identity</a:t>
+              <a:t>Grant Types</a:t>
             </a:r>
           </a:p>
         </p:txBody>
@@ -3621,7 +3648,7 @@
           <p:cNvPr id="3" name="Content Placeholder 2">
             <a:extLst>
               <a:ext uri="{FF2B5EF4-FFF2-40B4-BE49-F238E27FC236}">
-                <a16:creationId xmlns:a16="http://schemas.microsoft.com/office/drawing/2014/main" id="{2F33B1BD-63B4-4C88-B588-BFC00EF8228B}"/>
+                <a16:creationId xmlns:a16="http://schemas.microsoft.com/office/drawing/2014/main" id="{7C0D11C2-1054-4E68-8930-490AA2F0E11C}"/>
               </a:ext>
             </a:extLst>
           </p:cNvPr>
@@ -3634,23 +3661,620 @@
         </p:nvSpPr>
         <p:spPr/>
         <p:txBody>
-          <a:bodyPr/>
+          <a:bodyPr>
+            <a:normAutofit fontScale="55000" lnSpcReduction="20000"/>
+          </a:bodyPr>
           <a:lstStyle/>
           <a:p>
-            <a:endParaRPr lang="en-US" dirty="0"/>
+            <a:pPr marL="0" indent="0">
+              <a:buNone/>
+            </a:pPr>
+            <a:r>
+              <a:rPr lang="en-US" sz="3300" b="1" dirty="0"/>
+              <a:t>Authorization Code Flow</a:t>
+            </a:r>
+          </a:p>
+          <a:p>
+            <a:r>
+              <a:rPr lang="en-US" dirty="0"/>
+              <a:t>The authorization code flow returns an authorization code that can then be exchanged for an identity token and/or access token. This requires client authentication using a client id and secret to retrieve the tokens from the back end and has the benefit of not exposing tokens to the user agent (i.e. a web browser). This flow allows for long lived access through the use of refresh tokens. Clients using this flow must be able to maintain a secret.</a:t>
+            </a:r>
+          </a:p>
+          <a:p>
+            <a:pPr marL="0" indent="0">
+              <a:buNone/>
+            </a:pPr>
+            <a:r>
+              <a:rPr lang="en-US" sz="3300" b="1" dirty="0"/>
+              <a:t>Implicit Flow</a:t>
+            </a:r>
+          </a:p>
+          <a:p>
+            <a:r>
+              <a:rPr lang="en-US" dirty="0"/>
+              <a:t>The implicit flow requests tokens without explicit client authentication, instead using the redirect URI to verify the client identity. Because of this, refresh tokens are not allowed, nor is this flow suitable for long lived access tokens. From the client application's point of view, this is the simplest to implement, as there is only one round trip to the OpenID Connect Provider.</a:t>
+            </a:r>
+          </a:p>
+          <a:p>
+            <a:pPr marL="0" indent="0">
+              <a:buNone/>
+            </a:pPr>
+            <a:r>
+              <a:rPr lang="en-US" sz="3300" b="1" dirty="0"/>
+              <a:t>Hybrid Flow</a:t>
+            </a:r>
+          </a:p>
+          <a:p>
+            <a:r>
+              <a:rPr lang="en-US" dirty="0"/>
+              <a:t>The hybrid flow is a combination of aspects from the previous two. This flow allows the client to make immediate use of an identity token and optionally retrieve an authorization code via one round trip to the authentication server. This can be used for long lived access (again, through the use of refresh tokens). Clients using this flow must be able to maintain a secret.</a:t>
+            </a:r>
+          </a:p>
+          <a:p>
+            <a:pPr marL="0" indent="0">
+              <a:buNone/>
+            </a:pPr>
+            <a:r>
+              <a:rPr lang="en-US" sz="3300" b="1" dirty="0"/>
+              <a:t>Client Credential</a:t>
+            </a:r>
+          </a:p>
+          <a:p>
+            <a:r>
+              <a:rPr lang="en-US" dirty="0"/>
+              <a:t>Get an access token based on client id and secret</a:t>
+            </a:r>
+          </a:p>
+          <a:p>
+            <a:pPr marL="0" indent="0">
+              <a:buNone/>
+            </a:pPr>
+            <a:r>
+              <a:rPr lang="en-US" sz="3300" b="1" dirty="0"/>
+              <a:t>Password</a:t>
+            </a:r>
+          </a:p>
+          <a:p>
+            <a:r>
+              <a:rPr lang="en-US" dirty="0"/>
+              <a:t>Get an access token and id token based on a user’s username and password an client id and secret</a:t>
+            </a:r>
           </a:p>
         </p:txBody>
       </p:sp>
     </p:spTree>
     <p:extLst>
       <p:ext uri="{BB962C8B-B14F-4D97-AF65-F5344CB8AC3E}">
-        <p14:creationId xmlns:p14="http://schemas.microsoft.com/office/powerpoint/2010/main" val="3325181268"/>
+        <p14:creationId xmlns:p14="http://schemas.microsoft.com/office/powerpoint/2010/main" val="3368215698"/>
       </p:ext>
     </p:extLst>
   </p:cSld>
   <p:clrMapOvr>
     <a:masterClrMapping/>
   </p:clrMapOvr>
+  <p:timing>
+    <p:tnLst>
+      <p:par>
+        <p:cTn id="1" dur="indefinite" restart="never" nodeType="tmRoot">
+          <p:childTnLst>
+            <p:seq concurrent="1" nextAc="seek">
+              <p:cTn id="2" dur="indefinite" nodeType="mainSeq">
+                <p:childTnLst>
+                  <p:par>
+                    <p:cTn id="3" fill="hold">
+                      <p:stCondLst>
+                        <p:cond delay="indefinite"/>
+                      </p:stCondLst>
+                      <p:childTnLst>
+                        <p:par>
+                          <p:cTn id="4" fill="hold">
+                            <p:stCondLst>
+                              <p:cond delay="0"/>
+                            </p:stCondLst>
+                            <p:childTnLst>
+                              <p:par>
+                                <p:cTn id="5" presetID="1" presetClass="entr" presetSubtype="0" fill="hold" grpId="0" nodeType="clickEffect">
+                                  <p:stCondLst>
+                                    <p:cond delay="0"/>
+                                  </p:stCondLst>
+                                  <p:childTnLst>
+                                    <p:set>
+                                      <p:cBhvr>
+                                        <p:cTn id="6" dur="1" fill="hold">
+                                          <p:stCondLst>
+                                            <p:cond delay="0"/>
+                                          </p:stCondLst>
+                                        </p:cTn>
+                                        <p:tgtEl>
+                                          <p:spTgt spid="3">
+                                            <p:txEl>
+                                              <p:pRg st="0" end="0"/>
+                                            </p:txEl>
+                                          </p:spTgt>
+                                        </p:tgtEl>
+                                        <p:attrNameLst>
+                                          <p:attrName>style.visibility</p:attrName>
+                                        </p:attrNameLst>
+                                      </p:cBhvr>
+                                      <p:to>
+                                        <p:strVal val="visible"/>
+                                      </p:to>
+                                    </p:set>
+                                  </p:childTnLst>
+                                </p:cTn>
+                              </p:par>
+                            </p:childTnLst>
+                          </p:cTn>
+                        </p:par>
+                      </p:childTnLst>
+                    </p:cTn>
+                  </p:par>
+                  <p:par>
+                    <p:cTn id="7" fill="hold">
+                      <p:stCondLst>
+                        <p:cond delay="indefinite"/>
+                      </p:stCondLst>
+                      <p:childTnLst>
+                        <p:par>
+                          <p:cTn id="8" fill="hold">
+                            <p:stCondLst>
+                              <p:cond delay="0"/>
+                            </p:stCondLst>
+                            <p:childTnLst>
+                              <p:par>
+                                <p:cTn id="9" presetID="1" presetClass="entr" presetSubtype="0" fill="hold" grpId="0" nodeType="clickEffect">
+                                  <p:stCondLst>
+                                    <p:cond delay="0"/>
+                                  </p:stCondLst>
+                                  <p:childTnLst>
+                                    <p:set>
+                                      <p:cBhvr>
+                                        <p:cTn id="10" dur="1" fill="hold">
+                                          <p:stCondLst>
+                                            <p:cond delay="0"/>
+                                          </p:stCondLst>
+                                        </p:cTn>
+                                        <p:tgtEl>
+                                          <p:spTgt spid="3">
+                                            <p:txEl>
+                                              <p:pRg st="1" end="1"/>
+                                            </p:txEl>
+                                          </p:spTgt>
+                                        </p:tgtEl>
+                                        <p:attrNameLst>
+                                          <p:attrName>style.visibility</p:attrName>
+                                        </p:attrNameLst>
+                                      </p:cBhvr>
+                                      <p:to>
+                                        <p:strVal val="visible"/>
+                                      </p:to>
+                                    </p:set>
+                                  </p:childTnLst>
+                                </p:cTn>
+                              </p:par>
+                            </p:childTnLst>
+                          </p:cTn>
+                        </p:par>
+                      </p:childTnLst>
+                    </p:cTn>
+                  </p:par>
+                  <p:par>
+                    <p:cTn id="11" fill="hold">
+                      <p:stCondLst>
+                        <p:cond delay="indefinite"/>
+                      </p:stCondLst>
+                      <p:childTnLst>
+                        <p:par>
+                          <p:cTn id="12" fill="hold">
+                            <p:stCondLst>
+                              <p:cond delay="0"/>
+                            </p:stCondLst>
+                            <p:childTnLst>
+                              <p:par>
+                                <p:cTn id="13" presetID="1" presetClass="entr" presetSubtype="0" fill="hold" grpId="0" nodeType="clickEffect">
+                                  <p:stCondLst>
+                                    <p:cond delay="0"/>
+                                  </p:stCondLst>
+                                  <p:childTnLst>
+                                    <p:set>
+                                      <p:cBhvr>
+                                        <p:cTn id="14" dur="1" fill="hold">
+                                          <p:stCondLst>
+                                            <p:cond delay="0"/>
+                                          </p:stCondLst>
+                                        </p:cTn>
+                                        <p:tgtEl>
+                                          <p:spTgt spid="3">
+                                            <p:txEl>
+                                              <p:pRg st="2" end="2"/>
+                                            </p:txEl>
+                                          </p:spTgt>
+                                        </p:tgtEl>
+                                        <p:attrNameLst>
+                                          <p:attrName>style.visibility</p:attrName>
+                                        </p:attrNameLst>
+                                      </p:cBhvr>
+                                      <p:to>
+                                        <p:strVal val="visible"/>
+                                      </p:to>
+                                    </p:set>
+                                  </p:childTnLst>
+                                </p:cTn>
+                              </p:par>
+                            </p:childTnLst>
+                          </p:cTn>
+                        </p:par>
+                      </p:childTnLst>
+                    </p:cTn>
+                  </p:par>
+                  <p:par>
+                    <p:cTn id="15" fill="hold">
+                      <p:stCondLst>
+                        <p:cond delay="indefinite"/>
+                      </p:stCondLst>
+                      <p:childTnLst>
+                        <p:par>
+                          <p:cTn id="16" fill="hold">
+                            <p:stCondLst>
+                              <p:cond delay="0"/>
+                            </p:stCondLst>
+                            <p:childTnLst>
+                              <p:par>
+                                <p:cTn id="17" presetID="1" presetClass="entr" presetSubtype="0" fill="hold" grpId="0" nodeType="clickEffect">
+                                  <p:stCondLst>
+                                    <p:cond delay="0"/>
+                                  </p:stCondLst>
+                                  <p:childTnLst>
+                                    <p:set>
+                                      <p:cBhvr>
+                                        <p:cTn id="18" dur="1" fill="hold">
+                                          <p:stCondLst>
+                                            <p:cond delay="0"/>
+                                          </p:stCondLst>
+                                        </p:cTn>
+                                        <p:tgtEl>
+                                          <p:spTgt spid="3">
+                                            <p:txEl>
+                                              <p:pRg st="3" end="3"/>
+                                            </p:txEl>
+                                          </p:spTgt>
+                                        </p:tgtEl>
+                                        <p:attrNameLst>
+                                          <p:attrName>style.visibility</p:attrName>
+                                        </p:attrNameLst>
+                                      </p:cBhvr>
+                                      <p:to>
+                                        <p:strVal val="visible"/>
+                                      </p:to>
+                                    </p:set>
+                                  </p:childTnLst>
+                                </p:cTn>
+                              </p:par>
+                            </p:childTnLst>
+                          </p:cTn>
+                        </p:par>
+                      </p:childTnLst>
+                    </p:cTn>
+                  </p:par>
+                  <p:par>
+                    <p:cTn id="19" fill="hold">
+                      <p:stCondLst>
+                        <p:cond delay="indefinite"/>
+                      </p:stCondLst>
+                      <p:childTnLst>
+                        <p:par>
+                          <p:cTn id="20" fill="hold">
+                            <p:stCondLst>
+                              <p:cond delay="0"/>
+                            </p:stCondLst>
+                            <p:childTnLst>
+                              <p:par>
+                                <p:cTn id="21" presetID="1" presetClass="entr" presetSubtype="0" fill="hold" grpId="0" nodeType="clickEffect">
+                                  <p:stCondLst>
+                                    <p:cond delay="0"/>
+                                  </p:stCondLst>
+                                  <p:childTnLst>
+                                    <p:set>
+                                      <p:cBhvr>
+                                        <p:cTn id="22" dur="1" fill="hold">
+                                          <p:stCondLst>
+                                            <p:cond delay="0"/>
+                                          </p:stCondLst>
+                                        </p:cTn>
+                                        <p:tgtEl>
+                                          <p:spTgt spid="3">
+                                            <p:txEl>
+                                              <p:pRg st="4" end="4"/>
+                                            </p:txEl>
+                                          </p:spTgt>
+                                        </p:tgtEl>
+                                        <p:attrNameLst>
+                                          <p:attrName>style.visibility</p:attrName>
+                                        </p:attrNameLst>
+                                      </p:cBhvr>
+                                      <p:to>
+                                        <p:strVal val="visible"/>
+                                      </p:to>
+                                    </p:set>
+                                  </p:childTnLst>
+                                </p:cTn>
+                              </p:par>
+                            </p:childTnLst>
+                          </p:cTn>
+                        </p:par>
+                      </p:childTnLst>
+                    </p:cTn>
+                  </p:par>
+                  <p:par>
+                    <p:cTn id="23" fill="hold">
+                      <p:stCondLst>
+                        <p:cond delay="indefinite"/>
+                      </p:stCondLst>
+                      <p:childTnLst>
+                        <p:par>
+                          <p:cTn id="24" fill="hold">
+                            <p:stCondLst>
+                              <p:cond delay="0"/>
+                            </p:stCondLst>
+                            <p:childTnLst>
+                              <p:par>
+                                <p:cTn id="25" presetID="1" presetClass="entr" presetSubtype="0" fill="hold" grpId="0" nodeType="clickEffect">
+                                  <p:stCondLst>
+                                    <p:cond delay="0"/>
+                                  </p:stCondLst>
+                                  <p:childTnLst>
+                                    <p:set>
+                                      <p:cBhvr>
+                                        <p:cTn id="26" dur="1" fill="hold">
+                                          <p:stCondLst>
+                                            <p:cond delay="0"/>
+                                          </p:stCondLst>
+                                        </p:cTn>
+                                        <p:tgtEl>
+                                          <p:spTgt spid="3">
+                                            <p:txEl>
+                                              <p:pRg st="5" end="5"/>
+                                            </p:txEl>
+                                          </p:spTgt>
+                                        </p:tgtEl>
+                                        <p:attrNameLst>
+                                          <p:attrName>style.visibility</p:attrName>
+                                        </p:attrNameLst>
+                                      </p:cBhvr>
+                                      <p:to>
+                                        <p:strVal val="visible"/>
+                                      </p:to>
+                                    </p:set>
+                                  </p:childTnLst>
+                                </p:cTn>
+                              </p:par>
+                            </p:childTnLst>
+                          </p:cTn>
+                        </p:par>
+                      </p:childTnLst>
+                    </p:cTn>
+                  </p:par>
+                  <p:par>
+                    <p:cTn id="27" fill="hold">
+                      <p:stCondLst>
+                        <p:cond delay="indefinite"/>
+                      </p:stCondLst>
+                      <p:childTnLst>
+                        <p:par>
+                          <p:cTn id="28" fill="hold">
+                            <p:stCondLst>
+                              <p:cond delay="0"/>
+                            </p:stCondLst>
+                            <p:childTnLst>
+                              <p:par>
+                                <p:cTn id="29" presetID="1" presetClass="entr" presetSubtype="0" fill="hold" grpId="0" nodeType="clickEffect">
+                                  <p:stCondLst>
+                                    <p:cond delay="0"/>
+                                  </p:stCondLst>
+                                  <p:childTnLst>
+                                    <p:set>
+                                      <p:cBhvr>
+                                        <p:cTn id="30" dur="1" fill="hold">
+                                          <p:stCondLst>
+                                            <p:cond delay="0"/>
+                                          </p:stCondLst>
+                                        </p:cTn>
+                                        <p:tgtEl>
+                                          <p:spTgt spid="3">
+                                            <p:txEl>
+                                              <p:pRg st="6" end="6"/>
+                                            </p:txEl>
+                                          </p:spTgt>
+                                        </p:tgtEl>
+                                        <p:attrNameLst>
+                                          <p:attrName>style.visibility</p:attrName>
+                                        </p:attrNameLst>
+                                      </p:cBhvr>
+                                      <p:to>
+                                        <p:strVal val="visible"/>
+                                      </p:to>
+                                    </p:set>
+                                  </p:childTnLst>
+                                </p:cTn>
+                              </p:par>
+                            </p:childTnLst>
+                          </p:cTn>
+                        </p:par>
+                      </p:childTnLst>
+                    </p:cTn>
+                  </p:par>
+                  <p:par>
+                    <p:cTn id="31" fill="hold">
+                      <p:stCondLst>
+                        <p:cond delay="indefinite"/>
+                      </p:stCondLst>
+                      <p:childTnLst>
+                        <p:par>
+                          <p:cTn id="32" fill="hold">
+                            <p:stCondLst>
+                              <p:cond delay="0"/>
+                            </p:stCondLst>
+                            <p:childTnLst>
+                              <p:par>
+                                <p:cTn id="33" presetID="1" presetClass="entr" presetSubtype="0" fill="hold" grpId="0" nodeType="clickEffect">
+                                  <p:stCondLst>
+                                    <p:cond delay="0"/>
+                                  </p:stCondLst>
+                                  <p:childTnLst>
+                                    <p:set>
+                                      <p:cBhvr>
+                                        <p:cTn id="34" dur="1" fill="hold">
+                                          <p:stCondLst>
+                                            <p:cond delay="0"/>
+                                          </p:stCondLst>
+                                        </p:cTn>
+                                        <p:tgtEl>
+                                          <p:spTgt spid="3">
+                                            <p:txEl>
+                                              <p:pRg st="7" end="7"/>
+                                            </p:txEl>
+                                          </p:spTgt>
+                                        </p:tgtEl>
+                                        <p:attrNameLst>
+                                          <p:attrName>style.visibility</p:attrName>
+                                        </p:attrNameLst>
+                                      </p:cBhvr>
+                                      <p:to>
+                                        <p:strVal val="visible"/>
+                                      </p:to>
+                                    </p:set>
+                                  </p:childTnLst>
+                                </p:cTn>
+                              </p:par>
+                            </p:childTnLst>
+                          </p:cTn>
+                        </p:par>
+                      </p:childTnLst>
+                    </p:cTn>
+                  </p:par>
+                  <p:par>
+                    <p:cTn id="35" fill="hold">
+                      <p:stCondLst>
+                        <p:cond delay="indefinite"/>
+                      </p:stCondLst>
+                      <p:childTnLst>
+                        <p:par>
+                          <p:cTn id="36" fill="hold">
+                            <p:stCondLst>
+                              <p:cond delay="0"/>
+                            </p:stCondLst>
+                            <p:childTnLst>
+                              <p:par>
+                                <p:cTn id="37" presetID="1" presetClass="entr" presetSubtype="0" fill="hold" grpId="0" nodeType="clickEffect">
+                                  <p:stCondLst>
+                                    <p:cond delay="0"/>
+                                  </p:stCondLst>
+                                  <p:childTnLst>
+                                    <p:set>
+                                      <p:cBhvr>
+                                        <p:cTn id="38" dur="1" fill="hold">
+                                          <p:stCondLst>
+                                            <p:cond delay="0"/>
+                                          </p:stCondLst>
+                                        </p:cTn>
+                                        <p:tgtEl>
+                                          <p:spTgt spid="3">
+                                            <p:txEl>
+                                              <p:pRg st="8" end="8"/>
+                                            </p:txEl>
+                                          </p:spTgt>
+                                        </p:tgtEl>
+                                        <p:attrNameLst>
+                                          <p:attrName>style.visibility</p:attrName>
+                                        </p:attrNameLst>
+                                      </p:cBhvr>
+                                      <p:to>
+                                        <p:strVal val="visible"/>
+                                      </p:to>
+                                    </p:set>
+                                  </p:childTnLst>
+                                </p:cTn>
+                              </p:par>
+                            </p:childTnLst>
+                          </p:cTn>
+                        </p:par>
+                      </p:childTnLst>
+                    </p:cTn>
+                  </p:par>
+                  <p:par>
+                    <p:cTn id="39" fill="hold">
+                      <p:stCondLst>
+                        <p:cond delay="indefinite"/>
+                      </p:stCondLst>
+                      <p:childTnLst>
+                        <p:par>
+                          <p:cTn id="40" fill="hold">
+                            <p:stCondLst>
+                              <p:cond delay="0"/>
+                            </p:stCondLst>
+                            <p:childTnLst>
+                              <p:par>
+                                <p:cTn id="41" presetID="1" presetClass="entr" presetSubtype="0" fill="hold" grpId="0" nodeType="clickEffect">
+                                  <p:stCondLst>
+                                    <p:cond delay="0"/>
+                                  </p:stCondLst>
+                                  <p:childTnLst>
+                                    <p:set>
+                                      <p:cBhvr>
+                                        <p:cTn id="42" dur="1" fill="hold">
+                                          <p:stCondLst>
+                                            <p:cond delay="0"/>
+                                          </p:stCondLst>
+                                        </p:cTn>
+                                        <p:tgtEl>
+                                          <p:spTgt spid="3">
+                                            <p:txEl>
+                                              <p:pRg st="9" end="9"/>
+                                            </p:txEl>
+                                          </p:spTgt>
+                                        </p:tgtEl>
+                                        <p:attrNameLst>
+                                          <p:attrName>style.visibility</p:attrName>
+                                        </p:attrNameLst>
+                                      </p:cBhvr>
+                                      <p:to>
+                                        <p:strVal val="visible"/>
+                                      </p:to>
+                                    </p:set>
+                                  </p:childTnLst>
+                                </p:cTn>
+                              </p:par>
+                            </p:childTnLst>
+                          </p:cTn>
+                        </p:par>
+                      </p:childTnLst>
+                    </p:cTn>
+                  </p:par>
+                </p:childTnLst>
+              </p:cTn>
+              <p:prevCondLst>
+                <p:cond evt="onPrev" delay="0">
+                  <p:tgtEl>
+                    <p:sldTgt/>
+                  </p:tgtEl>
+                </p:cond>
+              </p:prevCondLst>
+              <p:nextCondLst>
+                <p:cond evt="onNext" delay="0">
+                  <p:tgtEl>
+                    <p:sldTgt/>
+                  </p:tgtEl>
+                </p:cond>
+              </p:nextCondLst>
+            </p:seq>
+          </p:childTnLst>
+        </p:cTn>
+      </p:par>
+    </p:tnLst>
+    <p:bldLst>
+      <p:bldP spid="3" grpId="0" build="p"/>
+    </p:bldLst>
+  </p:timing>
 </p:sld>
 </file>
 
@@ -3676,7 +4300,7 @@
           <p:cNvPr id="2" name="Title 1">
             <a:extLst>
               <a:ext uri="{FF2B5EF4-FFF2-40B4-BE49-F238E27FC236}">
-                <a16:creationId xmlns:a16="http://schemas.microsoft.com/office/drawing/2014/main" id="{9C66142C-9B36-42D9-8CF1-D5B2C30AECAC}"/>
+                <a16:creationId xmlns:a16="http://schemas.microsoft.com/office/drawing/2014/main" id="{3B1DE7A7-F17A-44FB-9C2F-7808F6C0618B}"/>
               </a:ext>
             </a:extLst>
           </p:cNvPr>
@@ -3687,130 +4311,28 @@
             <p:ph type="title"/>
           </p:nvPr>
         </p:nvSpPr>
-        <p:spPr/>
+        <p:spPr>
+          <a:xfrm>
+            <a:off x="838200" y="2301502"/>
+            <a:ext cx="10515600" cy="1325563"/>
+          </a:xfrm>
+        </p:spPr>
         <p:txBody>
           <a:bodyPr/>
           <a:lstStyle/>
           <a:p>
+            <a:pPr algn="ctr"/>
             <a:r>
               <a:rPr lang="en-US" dirty="0"/>
-              <a:t>Adding Entity Framework</a:t>
-            </a:r>
-          </a:p>
-        </p:txBody>
-      </p:sp>
-      <p:sp>
-        <p:nvSpPr>
-          <p:cNvPr id="3" name="Content Placeholder 2">
-            <a:extLst>
-              <a:ext uri="{FF2B5EF4-FFF2-40B4-BE49-F238E27FC236}">
-                <a16:creationId xmlns:a16="http://schemas.microsoft.com/office/drawing/2014/main" id="{399F7DB5-61E5-4D14-BD2E-5B79F4FCD224}"/>
-              </a:ext>
-            </a:extLst>
-          </p:cNvPr>
-          <p:cNvSpPr>
-            <a:spLocks noGrp="1"/>
-          </p:cNvSpPr>
-          <p:nvPr>
-            <p:ph idx="1"/>
-          </p:nvPr>
-        </p:nvSpPr>
-        <p:spPr/>
-        <p:txBody>
-          <a:bodyPr/>
-          <a:lstStyle/>
-          <a:p>
-            <a:endParaRPr lang="en-US"/>
+              <a:t>Lets look at some code</a:t>
+            </a:r>
           </a:p>
         </p:txBody>
       </p:sp>
     </p:spTree>
     <p:extLst>
       <p:ext uri="{BB962C8B-B14F-4D97-AF65-F5344CB8AC3E}">
-        <p14:creationId xmlns:p14="http://schemas.microsoft.com/office/powerpoint/2010/main" val="1858658220"/>
-      </p:ext>
-    </p:extLst>
-  </p:cSld>
-  <p:clrMapOvr>
-    <a:masterClrMapping/>
-  </p:clrMapOvr>
-</p:sld>
-</file>
-
-<file path=ppt/slides/slide12.xml><?xml version="1.0" encoding="utf-8"?>
-<p:sld xmlns:a="http://schemas.openxmlformats.org/drawingml/2006/main" xmlns:r="http://schemas.openxmlformats.org/officeDocument/2006/relationships" xmlns:p="http://schemas.openxmlformats.org/presentationml/2006/main">
-  <p:cSld>
-    <p:spTree>
-      <p:nvGrpSpPr>
-        <p:cNvPr id="1" name=""/>
-        <p:cNvGrpSpPr/>
-        <p:nvPr/>
-      </p:nvGrpSpPr>
-      <p:grpSpPr>
-        <a:xfrm>
-          <a:off x="0" y="0"/>
-          <a:ext cx="0" cy="0"/>
-          <a:chOff x="0" y="0"/>
-          <a:chExt cx="0" cy="0"/>
-        </a:xfrm>
-      </p:grpSpPr>
-      <p:sp>
-        <p:nvSpPr>
-          <p:cNvPr id="2" name="Title 1">
-            <a:extLst>
-              <a:ext uri="{FF2B5EF4-FFF2-40B4-BE49-F238E27FC236}">
-                <a16:creationId xmlns:a16="http://schemas.microsoft.com/office/drawing/2014/main" id="{AA3C4636-EE6F-412F-BB73-F8934FD4521D}"/>
-              </a:ext>
-            </a:extLst>
-          </p:cNvPr>
-          <p:cNvSpPr>
-            <a:spLocks noGrp="1"/>
-          </p:cNvSpPr>
-          <p:nvPr>
-            <p:ph type="title"/>
-          </p:nvPr>
-        </p:nvSpPr>
-        <p:spPr/>
-        <p:txBody>
-          <a:bodyPr/>
-          <a:lstStyle/>
-          <a:p>
-            <a:r>
-              <a:rPr lang="en-US" dirty="0"/>
-              <a:t>Customize the User Interface</a:t>
-            </a:r>
-          </a:p>
-        </p:txBody>
-      </p:sp>
-      <p:sp>
-        <p:nvSpPr>
-          <p:cNvPr id="3" name="Content Placeholder 2">
-            <a:extLst>
-              <a:ext uri="{FF2B5EF4-FFF2-40B4-BE49-F238E27FC236}">
-                <a16:creationId xmlns:a16="http://schemas.microsoft.com/office/drawing/2014/main" id="{8776616E-FEBE-49B6-8F4C-F1B247085E98}"/>
-              </a:ext>
-            </a:extLst>
-          </p:cNvPr>
-          <p:cNvSpPr>
-            <a:spLocks noGrp="1"/>
-          </p:cNvSpPr>
-          <p:nvPr>
-            <p:ph idx="1"/>
-          </p:nvPr>
-        </p:nvSpPr>
-        <p:spPr/>
-        <p:txBody>
-          <a:bodyPr/>
-          <a:lstStyle/>
-          <a:p>
-            <a:endParaRPr lang="en-US"/>
-          </a:p>
-        </p:txBody>
-      </p:sp>
-    </p:spTree>
-    <p:extLst>
-      <p:ext uri="{BB962C8B-B14F-4D97-AF65-F5344CB8AC3E}">
-        <p14:creationId xmlns:p14="http://schemas.microsoft.com/office/powerpoint/2010/main" val="2606779759"/>
+        <p14:creationId xmlns:p14="http://schemas.microsoft.com/office/powerpoint/2010/main" val="628306040"/>
       </p:ext>
     </p:extLst>
   </p:cSld>
@@ -3837,6 +4359,45 @@
           <a:chExt cx="0" cy="0"/>
         </a:xfrm>
       </p:grpSpPr>
+      <p:pic>
+        <p:nvPicPr>
+          <p:cNvPr id="48" name="Picture 47">
+            <a:extLst>
+              <a:ext uri="{FF2B5EF4-FFF2-40B4-BE49-F238E27FC236}">
+                <a16:creationId xmlns:a16="http://schemas.microsoft.com/office/drawing/2014/main" id="{33E76E85-8444-4FD8-8892-71808A701F53}"/>
+              </a:ext>
+            </a:extLst>
+          </p:cNvPr>
+          <p:cNvPicPr>
+            <a:picLocks noChangeAspect="1"/>
+          </p:cNvPicPr>
+          <p:nvPr/>
+        </p:nvPicPr>
+        <p:blipFill>
+          <a:blip r:embed="rId2">
+            <a:extLst>
+              <a:ext uri="{28A0092B-C50C-407E-A947-70E740481C1C}">
+                <a14:useLocalDpi xmlns:a14="http://schemas.microsoft.com/office/drawing/2010/main" val="0"/>
+              </a:ext>
+              <a:ext uri="{837473B0-CC2E-450A-ABE3-18F120FF3D39}">
+                <a1611:picAttrSrcUrl xmlns:a1611="http://schemas.microsoft.com/office/drawing/2016/11/main" r:id="rId3"/>
+              </a:ext>
+            </a:extLst>
+          </a:blip>
+          <a:stretch>
+            <a:fillRect/>
+          </a:stretch>
+        </p:blipFill>
+        <p:spPr>
+          <a:xfrm>
+            <a:off x="2823275" y="1555228"/>
+            <a:ext cx="1603584" cy="1603584"/>
+          </a:xfrm>
+          <a:prstGeom prst="rect">
+            <a:avLst/>
+          </a:prstGeom>
+        </p:spPr>
+      </p:pic>
       <p:sp>
         <p:nvSpPr>
           <p:cNvPr id="2" name="Title 1">
@@ -3865,31 +4426,839 @@
           </a:p>
         </p:txBody>
       </p:sp>
-      <p:sp>
-        <p:nvSpPr>
-          <p:cNvPr id="3" name="Content Placeholder 2">
-            <a:extLst>
-              <a:ext uri="{FF2B5EF4-FFF2-40B4-BE49-F238E27FC236}">
-                <a16:creationId xmlns:a16="http://schemas.microsoft.com/office/drawing/2014/main" id="{72D49CAA-77CE-4A47-913B-7960BD8B10C6}"/>
-              </a:ext>
-            </a:extLst>
-          </p:cNvPr>
-          <p:cNvSpPr>
-            <a:spLocks noGrp="1"/>
-          </p:cNvSpPr>
+      <p:pic>
+        <p:nvPicPr>
+          <p:cNvPr id="5" name="Content Placeholder 4">
+            <a:extLst>
+              <a:ext uri="{FF2B5EF4-FFF2-40B4-BE49-F238E27FC236}">
+                <a16:creationId xmlns:a16="http://schemas.microsoft.com/office/drawing/2014/main" id="{7C17B0E0-42EE-4711-984E-B275B0EE817F}"/>
+              </a:ext>
+            </a:extLst>
+          </p:cNvPr>
+          <p:cNvPicPr>
+            <a:picLocks noGrp="1" noChangeAspect="1"/>
+          </p:cNvPicPr>
           <p:nvPr>
             <p:ph idx="1"/>
           </p:nvPr>
+        </p:nvPicPr>
+        <p:blipFill>
+          <a:blip r:embed="rId4">
+            <a:extLst>
+              <a:ext uri="{28A0092B-C50C-407E-A947-70E740481C1C}">
+                <a14:useLocalDpi xmlns:a14="http://schemas.microsoft.com/office/drawing/2010/main" val="0"/>
+              </a:ext>
+            </a:extLst>
+          </a:blip>
+          <a:stretch>
+            <a:fillRect/>
+          </a:stretch>
+        </p:blipFill>
+        <p:spPr>
+          <a:xfrm>
+            <a:off x="6811347" y="1825625"/>
+            <a:ext cx="900086" cy="1212238"/>
+          </a:xfrm>
+        </p:spPr>
+      </p:pic>
+      <p:pic>
+        <p:nvPicPr>
+          <p:cNvPr id="6" name="Content Placeholder 4">
+            <a:extLst>
+              <a:ext uri="{FF2B5EF4-FFF2-40B4-BE49-F238E27FC236}">
+                <a16:creationId xmlns:a16="http://schemas.microsoft.com/office/drawing/2014/main" id="{0E8A8448-94E5-4609-A23F-7E99FCA9BF7F}"/>
+              </a:ext>
+            </a:extLst>
+          </p:cNvPr>
+          <p:cNvPicPr>
+            <a:picLocks noChangeAspect="1"/>
+          </p:cNvPicPr>
+          <p:nvPr/>
+        </p:nvPicPr>
+        <p:blipFill>
+          <a:blip r:embed="rId4">
+            <a:extLst>
+              <a:ext uri="{28A0092B-C50C-407E-A947-70E740481C1C}">
+                <a14:useLocalDpi xmlns:a14="http://schemas.microsoft.com/office/drawing/2010/main" val="0"/>
+              </a:ext>
+            </a:extLst>
+          </a:blip>
+          <a:stretch>
+            <a:fillRect/>
+          </a:stretch>
+        </p:blipFill>
+        <p:spPr>
+          <a:xfrm>
+            <a:off x="6811347" y="3405609"/>
+            <a:ext cx="900086" cy="1212238"/>
+          </a:xfrm>
+          <a:prstGeom prst="rect">
+            <a:avLst/>
+          </a:prstGeom>
+        </p:spPr>
+      </p:pic>
+      <p:pic>
+        <p:nvPicPr>
+          <p:cNvPr id="7" name="Content Placeholder 4">
+            <a:extLst>
+              <a:ext uri="{FF2B5EF4-FFF2-40B4-BE49-F238E27FC236}">
+                <a16:creationId xmlns:a16="http://schemas.microsoft.com/office/drawing/2014/main" id="{7D18288F-0E95-46BA-8491-F9E0870F0CCA}"/>
+              </a:ext>
+            </a:extLst>
+          </p:cNvPr>
+          <p:cNvPicPr>
+            <a:picLocks noChangeAspect="1"/>
+          </p:cNvPicPr>
+          <p:nvPr/>
+        </p:nvPicPr>
+        <p:blipFill>
+          <a:blip r:embed="rId4">
+            <a:extLst>
+              <a:ext uri="{28A0092B-C50C-407E-A947-70E740481C1C}">
+                <a14:useLocalDpi xmlns:a14="http://schemas.microsoft.com/office/drawing/2010/main" val="0"/>
+              </a:ext>
+            </a:extLst>
+          </a:blip>
+          <a:stretch>
+            <a:fillRect/>
+          </a:stretch>
+        </p:blipFill>
+        <p:spPr>
+          <a:xfrm>
+            <a:off x="6811347" y="4985593"/>
+            <a:ext cx="900086" cy="1212238"/>
+          </a:xfrm>
+          <a:prstGeom prst="rect">
+            <a:avLst/>
+          </a:prstGeom>
+        </p:spPr>
+      </p:pic>
+      <p:pic>
+        <p:nvPicPr>
+          <p:cNvPr id="9" name="Picture 8">
+            <a:extLst>
+              <a:ext uri="{FF2B5EF4-FFF2-40B4-BE49-F238E27FC236}">
+                <a16:creationId xmlns:a16="http://schemas.microsoft.com/office/drawing/2014/main" id="{511BCEB6-C01F-4005-AD37-C4A7CA6CD420}"/>
+              </a:ext>
+            </a:extLst>
+          </p:cNvPr>
+          <p:cNvPicPr>
+            <a:picLocks noChangeAspect="1"/>
+          </p:cNvPicPr>
+          <p:nvPr/>
+        </p:nvPicPr>
+        <p:blipFill>
+          <a:blip r:embed="rId5">
+            <a:extLst>
+              <a:ext uri="{28A0092B-C50C-407E-A947-70E740481C1C}">
+                <a14:useLocalDpi xmlns:a14="http://schemas.microsoft.com/office/drawing/2010/main" val="0"/>
+              </a:ext>
+            </a:extLst>
+          </a:blip>
+          <a:stretch>
+            <a:fillRect/>
+          </a:stretch>
+        </p:blipFill>
+        <p:spPr>
+          <a:xfrm>
+            <a:off x="9925596" y="3023351"/>
+            <a:ext cx="1428204" cy="1976753"/>
+          </a:xfrm>
+          <a:prstGeom prst="rect">
+            <a:avLst/>
+          </a:prstGeom>
+        </p:spPr>
+      </p:pic>
+      <p:cxnSp>
+        <p:nvCxnSpPr>
+          <p:cNvPr id="14" name="Connector: Curved 13">
+            <a:extLst>
+              <a:ext uri="{FF2B5EF4-FFF2-40B4-BE49-F238E27FC236}">
+                <a16:creationId xmlns:a16="http://schemas.microsoft.com/office/drawing/2014/main" id="{C848F354-EAFC-4100-8171-373106D15987}"/>
+              </a:ext>
+            </a:extLst>
+          </p:cNvPr>
+          <p:cNvCxnSpPr/>
+          <p:nvPr/>
+        </p:nvCxnSpPr>
+        <p:spPr>
+          <a:xfrm>
+            <a:off x="7868873" y="2226721"/>
+            <a:ext cx="1828800" cy="1227824"/>
+          </a:xfrm>
+          <a:prstGeom prst="curvedConnector3">
+            <a:avLst/>
+          </a:prstGeom>
+          <a:ln>
+            <a:tailEnd type="triangle"/>
+          </a:ln>
+        </p:spPr>
+        <p:style>
+          <a:lnRef idx="1">
+            <a:schemeClr val="accent1"/>
+          </a:lnRef>
+          <a:fillRef idx="0">
+            <a:schemeClr val="accent1"/>
+          </a:fillRef>
+          <a:effectRef idx="0">
+            <a:schemeClr val="accent1"/>
+          </a:effectRef>
+          <a:fontRef idx="minor">
+            <a:schemeClr val="tx1"/>
+          </a:fontRef>
+        </p:style>
+      </p:cxnSp>
+      <p:cxnSp>
+        <p:nvCxnSpPr>
+          <p:cNvPr id="16" name="Connector: Curved 15">
+            <a:extLst>
+              <a:ext uri="{FF2B5EF4-FFF2-40B4-BE49-F238E27FC236}">
+                <a16:creationId xmlns:a16="http://schemas.microsoft.com/office/drawing/2014/main" id="{FD91EA60-1488-4763-A4F4-B2FBEA9B6ABE}"/>
+              </a:ext>
+            </a:extLst>
+          </p:cNvPr>
+          <p:cNvCxnSpPr/>
+          <p:nvPr/>
+        </p:nvCxnSpPr>
+        <p:spPr>
+          <a:xfrm flipV="1">
+            <a:off x="7927596" y="4320330"/>
+            <a:ext cx="1753299" cy="1057013"/>
+          </a:xfrm>
+          <a:prstGeom prst="curvedConnector3">
+            <a:avLst/>
+          </a:prstGeom>
+          <a:ln>
+            <a:tailEnd type="triangle"/>
+          </a:ln>
+        </p:spPr>
+        <p:style>
+          <a:lnRef idx="1">
+            <a:schemeClr val="accent1"/>
+          </a:lnRef>
+          <a:fillRef idx="0">
+            <a:schemeClr val="accent1"/>
+          </a:fillRef>
+          <a:effectRef idx="0">
+            <a:schemeClr val="accent1"/>
+          </a:effectRef>
+          <a:fontRef idx="minor">
+            <a:schemeClr val="tx1"/>
+          </a:fontRef>
+        </p:style>
+      </p:cxnSp>
+      <p:cxnSp>
+        <p:nvCxnSpPr>
+          <p:cNvPr id="18" name="Straight Arrow Connector 17">
+            <a:extLst>
+              <a:ext uri="{FF2B5EF4-FFF2-40B4-BE49-F238E27FC236}">
+                <a16:creationId xmlns:a16="http://schemas.microsoft.com/office/drawing/2014/main" id="{EB4FF117-550F-4303-8F00-CCA72042CDED}"/>
+              </a:ext>
+            </a:extLst>
+          </p:cNvPr>
+          <p:cNvCxnSpPr/>
+          <p:nvPr/>
+        </p:nvCxnSpPr>
+        <p:spPr>
+          <a:xfrm>
+            <a:off x="7868873" y="3898984"/>
+            <a:ext cx="1828800" cy="0"/>
+          </a:xfrm>
+          <a:prstGeom prst="straightConnector1">
+            <a:avLst/>
+          </a:prstGeom>
+          <a:ln>
+            <a:tailEnd type="triangle"/>
+          </a:ln>
+        </p:spPr>
+        <p:style>
+          <a:lnRef idx="1">
+            <a:schemeClr val="accent1"/>
+          </a:lnRef>
+          <a:fillRef idx="0">
+            <a:schemeClr val="accent1"/>
+          </a:fillRef>
+          <a:effectRef idx="0">
+            <a:schemeClr val="accent1"/>
+          </a:effectRef>
+          <a:fontRef idx="minor">
+            <a:schemeClr val="tx1"/>
+          </a:fontRef>
+        </p:style>
+      </p:cxnSp>
+      <p:pic>
+        <p:nvPicPr>
+          <p:cNvPr id="23" name="Picture 22">
+            <a:extLst>
+              <a:ext uri="{FF2B5EF4-FFF2-40B4-BE49-F238E27FC236}">
+                <a16:creationId xmlns:a16="http://schemas.microsoft.com/office/drawing/2014/main" id="{EA627306-D4B9-49DB-84B7-2DC5DE21ED9B}"/>
+              </a:ext>
+            </a:extLst>
+          </p:cNvPr>
+          <p:cNvPicPr>
+            <a:picLocks noChangeAspect="1"/>
+          </p:cNvPicPr>
+          <p:nvPr/>
+        </p:nvPicPr>
+        <p:blipFill>
+          <a:blip r:embed="rId6">
+            <a:extLst>
+              <a:ext uri="{28A0092B-C50C-407E-A947-70E740481C1C}">
+                <a14:useLocalDpi xmlns:a14="http://schemas.microsoft.com/office/drawing/2010/main" val="0"/>
+              </a:ext>
+              <a:ext uri="{837473B0-CC2E-450A-ABE3-18F120FF3D39}">
+                <a1611:picAttrSrcUrl xmlns:a1611="http://schemas.microsoft.com/office/drawing/2016/11/main" r:id="rId7"/>
+              </a:ext>
+            </a:extLst>
+          </a:blip>
+          <a:stretch>
+            <a:fillRect/>
+          </a:stretch>
+        </p:blipFill>
+        <p:spPr>
+          <a:xfrm>
+            <a:off x="838200" y="2903304"/>
+            <a:ext cx="2263636" cy="1991359"/>
+          </a:xfrm>
+          <a:prstGeom prst="rect">
+            <a:avLst/>
+          </a:prstGeom>
+        </p:spPr>
+      </p:pic>
+      <p:cxnSp>
+        <p:nvCxnSpPr>
+          <p:cNvPr id="26" name="Connector: Curved 25">
+            <a:extLst>
+              <a:ext uri="{FF2B5EF4-FFF2-40B4-BE49-F238E27FC236}">
+                <a16:creationId xmlns:a16="http://schemas.microsoft.com/office/drawing/2014/main" id="{3DFEA8C4-C79B-49AB-8355-E49F26529C03}"/>
+              </a:ext>
+            </a:extLst>
+          </p:cNvPr>
+          <p:cNvCxnSpPr>
+            <a:cxnSpLocks/>
+          </p:cNvCxnSpPr>
+          <p:nvPr/>
+        </p:nvCxnSpPr>
+        <p:spPr>
+          <a:xfrm flipV="1">
+            <a:off x="3134861" y="2226723"/>
+            <a:ext cx="3249161" cy="1227822"/>
+          </a:xfrm>
+          <a:prstGeom prst="curvedConnector3">
+            <a:avLst/>
+          </a:prstGeom>
+          <a:ln>
+            <a:tailEnd type="triangle"/>
+          </a:ln>
+        </p:spPr>
+        <p:style>
+          <a:lnRef idx="1">
+            <a:schemeClr val="accent1"/>
+          </a:lnRef>
+          <a:fillRef idx="0">
+            <a:schemeClr val="accent1"/>
+          </a:fillRef>
+          <a:effectRef idx="0">
+            <a:schemeClr val="accent1"/>
+          </a:effectRef>
+          <a:fontRef idx="minor">
+            <a:schemeClr val="tx1"/>
+          </a:fontRef>
+        </p:style>
+      </p:cxnSp>
+      <p:cxnSp>
+        <p:nvCxnSpPr>
+          <p:cNvPr id="28" name="Connector: Curved 27">
+            <a:extLst>
+              <a:ext uri="{FF2B5EF4-FFF2-40B4-BE49-F238E27FC236}">
+                <a16:creationId xmlns:a16="http://schemas.microsoft.com/office/drawing/2014/main" id="{56EA4136-A25B-4A50-BCA4-C0D05BD0B277}"/>
+              </a:ext>
+            </a:extLst>
+          </p:cNvPr>
+          <p:cNvCxnSpPr>
+            <a:cxnSpLocks/>
+          </p:cNvCxnSpPr>
+          <p:nvPr/>
+        </p:nvCxnSpPr>
+        <p:spPr>
+          <a:xfrm>
+            <a:off x="3167886" y="4172700"/>
+            <a:ext cx="3190796" cy="1204643"/>
+          </a:xfrm>
+          <a:prstGeom prst="curvedConnector3">
+            <a:avLst/>
+          </a:prstGeom>
+          <a:ln>
+            <a:tailEnd type="triangle"/>
+          </a:ln>
+        </p:spPr>
+        <p:style>
+          <a:lnRef idx="1">
+            <a:schemeClr val="accent1"/>
+          </a:lnRef>
+          <a:fillRef idx="0">
+            <a:schemeClr val="accent1"/>
+          </a:fillRef>
+          <a:effectRef idx="0">
+            <a:schemeClr val="accent1"/>
+          </a:effectRef>
+          <a:fontRef idx="minor">
+            <a:schemeClr val="tx1"/>
+          </a:fontRef>
+        </p:style>
+      </p:cxnSp>
+      <p:cxnSp>
+        <p:nvCxnSpPr>
+          <p:cNvPr id="30" name="Straight Arrow Connector 29">
+            <a:extLst>
+              <a:ext uri="{FF2B5EF4-FFF2-40B4-BE49-F238E27FC236}">
+                <a16:creationId xmlns:a16="http://schemas.microsoft.com/office/drawing/2014/main" id="{2F52EC6C-999A-40EA-AC7A-818DEA938F75}"/>
+              </a:ext>
+            </a:extLst>
+          </p:cNvPr>
+          <p:cNvCxnSpPr/>
+          <p:nvPr/>
+        </p:nvCxnSpPr>
+        <p:spPr>
+          <a:xfrm>
+            <a:off x="3101836" y="3813622"/>
+            <a:ext cx="3282186" cy="0"/>
+          </a:xfrm>
+          <a:prstGeom prst="straightConnector1">
+            <a:avLst/>
+          </a:prstGeom>
+          <a:ln>
+            <a:tailEnd type="triangle"/>
+          </a:ln>
+        </p:spPr>
+        <p:style>
+          <a:lnRef idx="1">
+            <a:schemeClr val="accent1"/>
+          </a:lnRef>
+          <a:fillRef idx="0">
+            <a:schemeClr val="accent1"/>
+          </a:fillRef>
+          <a:effectRef idx="0">
+            <a:schemeClr val="accent1"/>
+          </a:effectRef>
+          <a:fontRef idx="minor">
+            <a:schemeClr val="tx1"/>
+          </a:fontRef>
+        </p:style>
+      </p:cxnSp>
+      <p:pic>
+        <p:nvPicPr>
+          <p:cNvPr id="38" name="Picture 37">
+            <a:extLst>
+              <a:ext uri="{FF2B5EF4-FFF2-40B4-BE49-F238E27FC236}">
+                <a16:creationId xmlns:a16="http://schemas.microsoft.com/office/drawing/2014/main" id="{44563D0D-BFE1-415D-8BF0-B2D904152A54}"/>
+              </a:ext>
+            </a:extLst>
+          </p:cNvPr>
+          <p:cNvPicPr>
+            <a:picLocks noChangeAspect="1"/>
+          </p:cNvPicPr>
+          <p:nvPr/>
+        </p:nvPicPr>
+        <p:blipFill>
+          <a:blip r:embed="rId8">
+            <a:extLst>
+              <a:ext uri="{28A0092B-C50C-407E-A947-70E740481C1C}">
+                <a14:useLocalDpi xmlns:a14="http://schemas.microsoft.com/office/drawing/2010/main" val="0"/>
+              </a:ext>
+              <a:ext uri="{837473B0-CC2E-450A-ABE3-18F120FF3D39}">
+                <a1611:picAttrSrcUrl xmlns:a1611="http://schemas.microsoft.com/office/drawing/2016/11/main" r:id="rId9"/>
+              </a:ext>
+            </a:extLst>
+          </a:blip>
+          <a:stretch>
+            <a:fillRect/>
+          </a:stretch>
+        </p:blipFill>
+        <p:spPr>
+          <a:xfrm>
+            <a:off x="6516122" y="1444017"/>
+            <a:ext cx="1584774" cy="303467"/>
+          </a:xfrm>
+          <a:prstGeom prst="rect">
+            <a:avLst/>
+          </a:prstGeom>
+        </p:spPr>
+      </p:pic>
+      <p:pic>
+        <p:nvPicPr>
+          <p:cNvPr id="40" name="Picture 39">
+            <a:extLst>
+              <a:ext uri="{FF2B5EF4-FFF2-40B4-BE49-F238E27FC236}">
+                <a16:creationId xmlns:a16="http://schemas.microsoft.com/office/drawing/2014/main" id="{4263B4A0-6553-45A3-A1DA-008F10547AA3}"/>
+              </a:ext>
+            </a:extLst>
+          </p:cNvPr>
+          <p:cNvPicPr>
+            <a:picLocks noChangeAspect="1"/>
+          </p:cNvPicPr>
+          <p:nvPr/>
+        </p:nvPicPr>
+        <p:blipFill>
+          <a:blip r:embed="rId8">
+            <a:extLst>
+              <a:ext uri="{28A0092B-C50C-407E-A947-70E740481C1C}">
+                <a14:useLocalDpi xmlns:a14="http://schemas.microsoft.com/office/drawing/2010/main" val="0"/>
+              </a:ext>
+              <a:ext uri="{837473B0-CC2E-450A-ABE3-18F120FF3D39}">
+                <a1611:picAttrSrcUrl xmlns:a1611="http://schemas.microsoft.com/office/drawing/2016/11/main" r:id="rId9"/>
+              </a:ext>
+            </a:extLst>
+          </a:blip>
+          <a:stretch>
+            <a:fillRect/>
+          </a:stretch>
+        </p:blipFill>
+        <p:spPr>
+          <a:xfrm>
+            <a:off x="6516122" y="3070002"/>
+            <a:ext cx="1584774" cy="303467"/>
+          </a:xfrm>
+          <a:prstGeom prst="rect">
+            <a:avLst/>
+          </a:prstGeom>
+        </p:spPr>
+      </p:pic>
+      <p:pic>
+        <p:nvPicPr>
+          <p:cNvPr id="41" name="Picture 40">
+            <a:extLst>
+              <a:ext uri="{FF2B5EF4-FFF2-40B4-BE49-F238E27FC236}">
+                <a16:creationId xmlns:a16="http://schemas.microsoft.com/office/drawing/2014/main" id="{628AAFFA-05DC-4A00-AE96-2265E52F7F02}"/>
+              </a:ext>
+            </a:extLst>
+          </p:cNvPr>
+          <p:cNvPicPr>
+            <a:picLocks noChangeAspect="1"/>
+          </p:cNvPicPr>
+          <p:nvPr/>
+        </p:nvPicPr>
+        <p:blipFill>
+          <a:blip r:embed="rId8">
+            <a:extLst>
+              <a:ext uri="{28A0092B-C50C-407E-A947-70E740481C1C}">
+                <a14:useLocalDpi xmlns:a14="http://schemas.microsoft.com/office/drawing/2010/main" val="0"/>
+              </a:ext>
+              <a:ext uri="{837473B0-CC2E-450A-ABE3-18F120FF3D39}">
+                <a1611:picAttrSrcUrl xmlns:a1611="http://schemas.microsoft.com/office/drawing/2016/11/main" r:id="rId9"/>
+              </a:ext>
+            </a:extLst>
+          </a:blip>
+          <a:stretch>
+            <a:fillRect/>
+          </a:stretch>
+        </p:blipFill>
+        <p:spPr>
+          <a:xfrm>
+            <a:off x="6516122" y="4617847"/>
+            <a:ext cx="1584774" cy="303467"/>
+          </a:xfrm>
+          <a:prstGeom prst="rect">
+            <a:avLst/>
+          </a:prstGeom>
+        </p:spPr>
+      </p:pic>
+      <p:pic>
+        <p:nvPicPr>
+          <p:cNvPr id="44" name="Picture 43">
+            <a:extLst>
+              <a:ext uri="{FF2B5EF4-FFF2-40B4-BE49-F238E27FC236}">
+                <a16:creationId xmlns:a16="http://schemas.microsoft.com/office/drawing/2014/main" id="{5F815330-6AD4-4582-A415-32594E4C41B7}"/>
+              </a:ext>
+            </a:extLst>
+          </p:cNvPr>
+          <p:cNvPicPr>
+            <a:picLocks noChangeAspect="1"/>
+          </p:cNvPicPr>
+          <p:nvPr/>
+        </p:nvPicPr>
+        <p:blipFill>
+          <a:blip r:embed="rId10">
+            <a:extLst>
+              <a:ext uri="{28A0092B-C50C-407E-A947-70E740481C1C}">
+                <a14:useLocalDpi xmlns:a14="http://schemas.microsoft.com/office/drawing/2010/main" val="0"/>
+              </a:ext>
+            </a:extLst>
+          </a:blip>
+          <a:stretch>
+            <a:fillRect/>
+          </a:stretch>
+        </p:blipFill>
+        <p:spPr>
+          <a:xfrm>
+            <a:off x="10220904" y="2111889"/>
+            <a:ext cx="829520" cy="791415"/>
+          </a:xfrm>
+          <a:prstGeom prst="rect">
+            <a:avLst/>
+          </a:prstGeom>
+        </p:spPr>
+      </p:pic>
+      <p:pic>
+        <p:nvPicPr>
+          <p:cNvPr id="52" name="Picture 51">
+            <a:extLst>
+              <a:ext uri="{FF2B5EF4-FFF2-40B4-BE49-F238E27FC236}">
+                <a16:creationId xmlns:a16="http://schemas.microsoft.com/office/drawing/2014/main" id="{65F992DA-4576-43F3-9ADD-7279088BA488}"/>
+              </a:ext>
+            </a:extLst>
+          </p:cNvPr>
+          <p:cNvPicPr>
+            <a:picLocks noChangeAspect="1"/>
+          </p:cNvPicPr>
+          <p:nvPr/>
+        </p:nvPicPr>
+        <p:blipFill>
+          <a:blip r:embed="rId11">
+            <a:extLst>
+              <a:ext uri="{28A0092B-C50C-407E-A947-70E740481C1C}">
+                <a14:useLocalDpi xmlns:a14="http://schemas.microsoft.com/office/drawing/2010/main" val="0"/>
+              </a:ext>
+              <a:ext uri="{837473B0-CC2E-450A-ABE3-18F120FF3D39}">
+                <a1611:picAttrSrcUrl xmlns:a1611="http://schemas.microsoft.com/office/drawing/2016/11/main" r:id="rId12"/>
+              </a:ext>
+            </a:extLst>
+          </a:blip>
+          <a:stretch>
+            <a:fillRect/>
+          </a:stretch>
+        </p:blipFill>
+        <p:spPr>
+          <a:xfrm>
+            <a:off x="3060781" y="4643108"/>
+            <a:ext cx="1308526" cy="1308526"/>
+          </a:xfrm>
+          <a:prstGeom prst="rect">
+            <a:avLst/>
+          </a:prstGeom>
+        </p:spPr>
+      </p:pic>
+      <p:pic>
+        <p:nvPicPr>
+          <p:cNvPr id="56" name="Picture 55">
+            <a:extLst>
+              <a:ext uri="{FF2B5EF4-FFF2-40B4-BE49-F238E27FC236}">
+                <a16:creationId xmlns:a16="http://schemas.microsoft.com/office/drawing/2014/main" id="{4D1107A5-FC70-4633-8D09-02E7E1702E21}"/>
+              </a:ext>
+            </a:extLst>
+          </p:cNvPr>
+          <p:cNvPicPr>
+            <a:picLocks noChangeAspect="1"/>
+          </p:cNvPicPr>
+          <p:nvPr/>
+        </p:nvPicPr>
+        <p:blipFill>
+          <a:blip r:embed="rId13">
+            <a:extLst>
+              <a:ext uri="{28A0092B-C50C-407E-A947-70E740481C1C}">
+                <a14:useLocalDpi xmlns:a14="http://schemas.microsoft.com/office/drawing/2010/main" val="0"/>
+              </a:ext>
+              <a:ext uri="{837473B0-CC2E-450A-ABE3-18F120FF3D39}">
+                <a1611:picAttrSrcUrl xmlns:a1611="http://schemas.microsoft.com/office/drawing/2016/11/main" r:id="rId14"/>
+              </a:ext>
+            </a:extLst>
+          </a:blip>
+          <a:stretch>
+            <a:fillRect/>
+          </a:stretch>
+        </p:blipFill>
+        <p:spPr>
+          <a:xfrm>
+            <a:off x="4529823" y="1636528"/>
+            <a:ext cx="1316966" cy="1316966"/>
+          </a:xfrm>
+          <a:prstGeom prst="rect">
+            <a:avLst/>
+          </a:prstGeom>
+        </p:spPr>
+      </p:pic>
+      <p:pic>
+        <p:nvPicPr>
+          <p:cNvPr id="62" name="Picture 61">
+            <a:extLst>
+              <a:ext uri="{FF2B5EF4-FFF2-40B4-BE49-F238E27FC236}">
+                <a16:creationId xmlns:a16="http://schemas.microsoft.com/office/drawing/2014/main" id="{1EA6FC28-3D50-4B8E-BC4D-17E55E6D1EE5}"/>
+              </a:ext>
+            </a:extLst>
+          </p:cNvPr>
+          <p:cNvPicPr>
+            <a:picLocks noChangeAspect="1"/>
+          </p:cNvPicPr>
+          <p:nvPr/>
+        </p:nvPicPr>
+        <p:blipFill>
+          <a:blip r:embed="rId15">
+            <a:extLst>
+              <a:ext uri="{28A0092B-C50C-407E-A947-70E740481C1C}">
+                <a14:useLocalDpi xmlns:a14="http://schemas.microsoft.com/office/drawing/2010/main" val="0"/>
+              </a:ext>
+              <a:ext uri="{837473B0-CC2E-450A-ABE3-18F120FF3D39}">
+                <a1611:picAttrSrcUrl xmlns:a1611="http://schemas.microsoft.com/office/drawing/2016/11/main" r:id="rId16"/>
+              </a:ext>
+            </a:extLst>
+          </a:blip>
+          <a:stretch>
+            <a:fillRect/>
+          </a:stretch>
+        </p:blipFill>
+        <p:spPr>
+          <a:xfrm>
+            <a:off x="4152015" y="3662711"/>
+            <a:ext cx="2286175" cy="1714632"/>
+          </a:xfrm>
+          <a:prstGeom prst="rect">
+            <a:avLst/>
+          </a:prstGeom>
+        </p:spPr>
+      </p:pic>
+      <p:pic>
+        <p:nvPicPr>
+          <p:cNvPr id="65" name="Picture 64">
+            <a:extLst>
+              <a:ext uri="{FF2B5EF4-FFF2-40B4-BE49-F238E27FC236}">
+                <a16:creationId xmlns:a16="http://schemas.microsoft.com/office/drawing/2014/main" id="{CFCE70D5-7929-47EE-87E1-160901760351}"/>
+              </a:ext>
+            </a:extLst>
+          </p:cNvPr>
+          <p:cNvPicPr>
+            <a:picLocks noChangeAspect="1"/>
+          </p:cNvPicPr>
+          <p:nvPr/>
+        </p:nvPicPr>
+        <p:blipFill>
+          <a:blip r:embed="rId17">
+            <a:extLst>
+              <a:ext uri="{28A0092B-C50C-407E-A947-70E740481C1C}">
+                <a14:useLocalDpi xmlns:a14="http://schemas.microsoft.com/office/drawing/2010/main" val="0"/>
+              </a:ext>
+            </a:extLst>
+          </a:blip>
+          <a:stretch>
+            <a:fillRect/>
+          </a:stretch>
+        </p:blipFill>
+        <p:spPr>
+          <a:xfrm>
+            <a:off x="6624614" y="1631829"/>
+            <a:ext cx="636776" cy="590610"/>
+          </a:xfrm>
+          <a:prstGeom prst="rect">
+            <a:avLst/>
+          </a:prstGeom>
+        </p:spPr>
+      </p:pic>
+      <p:pic>
+        <p:nvPicPr>
+          <p:cNvPr id="67" name="Picture 66">
+            <a:extLst>
+              <a:ext uri="{FF2B5EF4-FFF2-40B4-BE49-F238E27FC236}">
+                <a16:creationId xmlns:a16="http://schemas.microsoft.com/office/drawing/2014/main" id="{B92ED58D-151A-4327-977D-169737C57694}"/>
+              </a:ext>
+            </a:extLst>
+          </p:cNvPr>
+          <p:cNvPicPr>
+            <a:picLocks noChangeAspect="1"/>
+          </p:cNvPicPr>
+          <p:nvPr/>
+        </p:nvPicPr>
+        <p:blipFill>
+          <a:blip r:embed="rId18">
+            <a:extLst>
+              <a:ext uri="{28A0092B-C50C-407E-A947-70E740481C1C}">
+                <a14:useLocalDpi xmlns:a14="http://schemas.microsoft.com/office/drawing/2010/main" val="0"/>
+              </a:ext>
+            </a:extLst>
+          </a:blip>
+          <a:stretch>
+            <a:fillRect/>
+          </a:stretch>
+        </p:blipFill>
+        <p:spPr>
+          <a:xfrm>
+            <a:off x="6188471" y="6096205"/>
+            <a:ext cx="2289930" cy="858724"/>
+          </a:xfrm>
+          <a:prstGeom prst="rect">
+            <a:avLst/>
+          </a:prstGeom>
+        </p:spPr>
+      </p:pic>
+      <p:sp>
+        <p:nvSpPr>
+          <p:cNvPr id="68" name="TextBox 67">
+            <a:extLst>
+              <a:ext uri="{FF2B5EF4-FFF2-40B4-BE49-F238E27FC236}">
+                <a16:creationId xmlns:a16="http://schemas.microsoft.com/office/drawing/2014/main" id="{3736B80F-D3AB-4EE2-976D-9B4A07F05A2B}"/>
+              </a:ext>
+            </a:extLst>
+          </p:cNvPr>
+          <p:cNvSpPr txBox="1"/>
+          <p:nvPr/>
         </p:nvSpPr>
-        <p:spPr/>
+        <p:spPr>
+          <a:xfrm>
+            <a:off x="6610524" y="6242621"/>
+            <a:ext cx="1563494" cy="307777"/>
+          </a:xfrm>
+          <a:prstGeom prst="rect">
+            <a:avLst/>
+          </a:prstGeom>
+          <a:noFill/>
+        </p:spPr>
         <p:txBody>
-          <a:bodyPr/>
+          <a:bodyPr wrap="square" rtlCol="0">
+            <a:spAutoFit/>
+          </a:bodyPr>
           <a:lstStyle/>
           <a:p>
-            <a:endParaRPr lang="en-US" dirty="0"/>
+            <a:r>
+              <a:rPr lang="en-US" sz="1400" dirty="0"/>
+              <a:t>No School Today!</a:t>
+            </a:r>
           </a:p>
         </p:txBody>
       </p:sp>
+      <p:pic>
+        <p:nvPicPr>
+          <p:cNvPr id="70" name="Picture 69">
+            <a:extLst>
+              <a:ext uri="{FF2B5EF4-FFF2-40B4-BE49-F238E27FC236}">
+                <a16:creationId xmlns:a16="http://schemas.microsoft.com/office/drawing/2014/main" id="{AAFFBDF2-5B3F-4D75-BB23-E9555149E085}"/>
+              </a:ext>
+            </a:extLst>
+          </p:cNvPr>
+          <p:cNvPicPr>
+            <a:picLocks noChangeAspect="1"/>
+          </p:cNvPicPr>
+          <p:nvPr/>
+        </p:nvPicPr>
+        <p:blipFill>
+          <a:blip r:embed="rId19">
+            <a:extLst>
+              <a:ext uri="{28A0092B-C50C-407E-A947-70E740481C1C}">
+                <a14:useLocalDpi xmlns:a14="http://schemas.microsoft.com/office/drawing/2010/main" val="0"/>
+              </a:ext>
+            </a:extLst>
+          </a:blip>
+          <a:stretch>
+            <a:fillRect/>
+          </a:stretch>
+        </p:blipFill>
+        <p:spPr>
+          <a:xfrm>
+            <a:off x="6808488" y="3588792"/>
+            <a:ext cx="748810" cy="731538"/>
+          </a:xfrm>
+          <a:prstGeom prst="rect">
+            <a:avLst/>
+          </a:prstGeom>
+        </p:spPr>
+      </p:pic>
     </p:spTree>
     <p:extLst>
       <p:ext uri="{BB962C8B-B14F-4D97-AF65-F5344CB8AC3E}">
@@ -3900,6 +5269,721 @@
   <p:clrMapOvr>
     <a:masterClrMapping/>
   </p:clrMapOvr>
+  <p:timing>
+    <p:tnLst>
+      <p:par>
+        <p:cTn id="1" dur="indefinite" restart="never" nodeType="tmRoot">
+          <p:childTnLst>
+            <p:seq concurrent="1" nextAc="seek">
+              <p:cTn id="2" dur="indefinite" nodeType="mainSeq">
+                <p:childTnLst>
+                  <p:par>
+                    <p:cTn id="3" fill="hold">
+                      <p:stCondLst>
+                        <p:cond delay="indefinite"/>
+                      </p:stCondLst>
+                      <p:childTnLst>
+                        <p:par>
+                          <p:cTn id="4" fill="hold">
+                            <p:stCondLst>
+                              <p:cond delay="0"/>
+                            </p:stCondLst>
+                            <p:childTnLst>
+                              <p:par>
+                                <p:cTn id="5" presetID="2" presetClass="entr" presetSubtype="4" fill="hold" nodeType="clickEffect">
+                                  <p:stCondLst>
+                                    <p:cond delay="0"/>
+                                  </p:stCondLst>
+                                  <p:childTnLst>
+                                    <p:set>
+                                      <p:cBhvr>
+                                        <p:cTn id="6" dur="1" fill="hold">
+                                          <p:stCondLst>
+                                            <p:cond delay="0"/>
+                                          </p:stCondLst>
+                                        </p:cTn>
+                                        <p:tgtEl>
+                                          <p:spTgt spid="48"/>
+                                        </p:tgtEl>
+                                        <p:attrNameLst>
+                                          <p:attrName>style.visibility</p:attrName>
+                                        </p:attrNameLst>
+                                      </p:cBhvr>
+                                      <p:to>
+                                        <p:strVal val="visible"/>
+                                      </p:to>
+                                    </p:set>
+                                    <p:anim calcmode="lin" valueType="num">
+                                      <p:cBhvr additive="base">
+                                        <p:cTn id="7" dur="500" fill="hold"/>
+                                        <p:tgtEl>
+                                          <p:spTgt spid="48"/>
+                                        </p:tgtEl>
+                                        <p:attrNameLst>
+                                          <p:attrName>ppt_x</p:attrName>
+                                        </p:attrNameLst>
+                                      </p:cBhvr>
+                                      <p:tavLst>
+                                        <p:tav tm="0">
+                                          <p:val>
+                                            <p:strVal val="#ppt_x"/>
+                                          </p:val>
+                                        </p:tav>
+                                        <p:tav tm="100000">
+                                          <p:val>
+                                            <p:strVal val="#ppt_x"/>
+                                          </p:val>
+                                        </p:tav>
+                                      </p:tavLst>
+                                    </p:anim>
+                                    <p:anim calcmode="lin" valueType="num">
+                                      <p:cBhvr additive="base">
+                                        <p:cTn id="8" dur="500" fill="hold"/>
+                                        <p:tgtEl>
+                                          <p:spTgt spid="48"/>
+                                        </p:tgtEl>
+                                        <p:attrNameLst>
+                                          <p:attrName>ppt_y</p:attrName>
+                                        </p:attrNameLst>
+                                      </p:cBhvr>
+                                      <p:tavLst>
+                                        <p:tav tm="0">
+                                          <p:val>
+                                            <p:strVal val="1+#ppt_h/2"/>
+                                          </p:val>
+                                        </p:tav>
+                                        <p:tav tm="100000">
+                                          <p:val>
+                                            <p:strVal val="#ppt_y"/>
+                                          </p:val>
+                                        </p:tav>
+                                      </p:tavLst>
+                                    </p:anim>
+                                  </p:childTnLst>
+                                </p:cTn>
+                              </p:par>
+                            </p:childTnLst>
+                          </p:cTn>
+                        </p:par>
+                      </p:childTnLst>
+                    </p:cTn>
+                  </p:par>
+                  <p:par>
+                    <p:cTn id="9" fill="hold">
+                      <p:stCondLst>
+                        <p:cond delay="indefinite"/>
+                      </p:stCondLst>
+                      <p:childTnLst>
+                        <p:par>
+                          <p:cTn id="10" fill="hold">
+                            <p:stCondLst>
+                              <p:cond delay="0"/>
+                            </p:stCondLst>
+                            <p:childTnLst>
+                              <p:par>
+                                <p:cTn id="11" presetID="2" presetClass="entr" presetSubtype="4" fill="hold" nodeType="clickEffect">
+                                  <p:stCondLst>
+                                    <p:cond delay="0"/>
+                                  </p:stCondLst>
+                                  <p:childTnLst>
+                                    <p:set>
+                                      <p:cBhvr>
+                                        <p:cTn id="12" dur="1" fill="hold">
+                                          <p:stCondLst>
+                                            <p:cond delay="0"/>
+                                          </p:stCondLst>
+                                        </p:cTn>
+                                        <p:tgtEl>
+                                          <p:spTgt spid="52"/>
+                                        </p:tgtEl>
+                                        <p:attrNameLst>
+                                          <p:attrName>style.visibility</p:attrName>
+                                        </p:attrNameLst>
+                                      </p:cBhvr>
+                                      <p:to>
+                                        <p:strVal val="visible"/>
+                                      </p:to>
+                                    </p:set>
+                                    <p:anim calcmode="lin" valueType="num">
+                                      <p:cBhvr additive="base">
+                                        <p:cTn id="13" dur="500" fill="hold"/>
+                                        <p:tgtEl>
+                                          <p:spTgt spid="52"/>
+                                        </p:tgtEl>
+                                        <p:attrNameLst>
+                                          <p:attrName>ppt_x</p:attrName>
+                                        </p:attrNameLst>
+                                      </p:cBhvr>
+                                      <p:tavLst>
+                                        <p:tav tm="0">
+                                          <p:val>
+                                            <p:strVal val="#ppt_x"/>
+                                          </p:val>
+                                        </p:tav>
+                                        <p:tav tm="100000">
+                                          <p:val>
+                                            <p:strVal val="#ppt_x"/>
+                                          </p:val>
+                                        </p:tav>
+                                      </p:tavLst>
+                                    </p:anim>
+                                    <p:anim calcmode="lin" valueType="num">
+                                      <p:cBhvr additive="base">
+                                        <p:cTn id="14" dur="500" fill="hold"/>
+                                        <p:tgtEl>
+                                          <p:spTgt spid="52"/>
+                                        </p:tgtEl>
+                                        <p:attrNameLst>
+                                          <p:attrName>ppt_y</p:attrName>
+                                        </p:attrNameLst>
+                                      </p:cBhvr>
+                                      <p:tavLst>
+                                        <p:tav tm="0">
+                                          <p:val>
+                                            <p:strVal val="1+#ppt_h/2"/>
+                                          </p:val>
+                                        </p:tav>
+                                        <p:tav tm="100000">
+                                          <p:val>
+                                            <p:strVal val="#ppt_y"/>
+                                          </p:val>
+                                        </p:tav>
+                                      </p:tavLst>
+                                    </p:anim>
+                                  </p:childTnLst>
+                                </p:cTn>
+                              </p:par>
+                            </p:childTnLst>
+                          </p:cTn>
+                        </p:par>
+                      </p:childTnLst>
+                    </p:cTn>
+                  </p:par>
+                  <p:par>
+                    <p:cTn id="15" fill="hold">
+                      <p:stCondLst>
+                        <p:cond delay="indefinite"/>
+                      </p:stCondLst>
+                      <p:childTnLst>
+                        <p:par>
+                          <p:cTn id="16" fill="hold">
+                            <p:stCondLst>
+                              <p:cond delay="0"/>
+                            </p:stCondLst>
+                            <p:childTnLst>
+                              <p:par>
+                                <p:cTn id="17" presetID="2" presetClass="entr" presetSubtype="4" fill="hold" nodeType="clickEffect">
+                                  <p:stCondLst>
+                                    <p:cond delay="0"/>
+                                  </p:stCondLst>
+                                  <p:childTnLst>
+                                    <p:set>
+                                      <p:cBhvr>
+                                        <p:cTn id="18" dur="1" fill="hold">
+                                          <p:stCondLst>
+                                            <p:cond delay="0"/>
+                                          </p:stCondLst>
+                                        </p:cTn>
+                                        <p:tgtEl>
+                                          <p:spTgt spid="56"/>
+                                        </p:tgtEl>
+                                        <p:attrNameLst>
+                                          <p:attrName>style.visibility</p:attrName>
+                                        </p:attrNameLst>
+                                      </p:cBhvr>
+                                      <p:to>
+                                        <p:strVal val="visible"/>
+                                      </p:to>
+                                    </p:set>
+                                    <p:anim calcmode="lin" valueType="num">
+                                      <p:cBhvr additive="base">
+                                        <p:cTn id="19" dur="500" fill="hold"/>
+                                        <p:tgtEl>
+                                          <p:spTgt spid="56"/>
+                                        </p:tgtEl>
+                                        <p:attrNameLst>
+                                          <p:attrName>ppt_x</p:attrName>
+                                        </p:attrNameLst>
+                                      </p:cBhvr>
+                                      <p:tavLst>
+                                        <p:tav tm="0">
+                                          <p:val>
+                                            <p:strVal val="#ppt_x"/>
+                                          </p:val>
+                                        </p:tav>
+                                        <p:tav tm="100000">
+                                          <p:val>
+                                            <p:strVal val="#ppt_x"/>
+                                          </p:val>
+                                        </p:tav>
+                                      </p:tavLst>
+                                    </p:anim>
+                                    <p:anim calcmode="lin" valueType="num">
+                                      <p:cBhvr additive="base">
+                                        <p:cTn id="20" dur="500" fill="hold"/>
+                                        <p:tgtEl>
+                                          <p:spTgt spid="56"/>
+                                        </p:tgtEl>
+                                        <p:attrNameLst>
+                                          <p:attrName>ppt_y</p:attrName>
+                                        </p:attrNameLst>
+                                      </p:cBhvr>
+                                      <p:tavLst>
+                                        <p:tav tm="0">
+                                          <p:val>
+                                            <p:strVal val="1+#ppt_h/2"/>
+                                          </p:val>
+                                        </p:tav>
+                                        <p:tav tm="100000">
+                                          <p:val>
+                                            <p:strVal val="#ppt_y"/>
+                                          </p:val>
+                                        </p:tav>
+                                      </p:tavLst>
+                                    </p:anim>
+                                  </p:childTnLst>
+                                </p:cTn>
+                              </p:par>
+                            </p:childTnLst>
+                          </p:cTn>
+                        </p:par>
+                      </p:childTnLst>
+                    </p:cTn>
+                  </p:par>
+                  <p:par>
+                    <p:cTn id="21" fill="hold">
+                      <p:stCondLst>
+                        <p:cond delay="indefinite"/>
+                      </p:stCondLst>
+                      <p:childTnLst>
+                        <p:par>
+                          <p:cTn id="22" fill="hold">
+                            <p:stCondLst>
+                              <p:cond delay="0"/>
+                            </p:stCondLst>
+                            <p:childTnLst>
+                              <p:par>
+                                <p:cTn id="23" presetID="2" presetClass="entr" presetSubtype="4" fill="hold" nodeType="clickEffect">
+                                  <p:stCondLst>
+                                    <p:cond delay="0"/>
+                                  </p:stCondLst>
+                                  <p:childTnLst>
+                                    <p:set>
+                                      <p:cBhvr>
+                                        <p:cTn id="24" dur="1" fill="hold">
+                                          <p:stCondLst>
+                                            <p:cond delay="0"/>
+                                          </p:stCondLst>
+                                        </p:cTn>
+                                        <p:tgtEl>
+                                          <p:spTgt spid="62"/>
+                                        </p:tgtEl>
+                                        <p:attrNameLst>
+                                          <p:attrName>style.visibility</p:attrName>
+                                        </p:attrNameLst>
+                                      </p:cBhvr>
+                                      <p:to>
+                                        <p:strVal val="visible"/>
+                                      </p:to>
+                                    </p:set>
+                                    <p:anim calcmode="lin" valueType="num">
+                                      <p:cBhvr additive="base">
+                                        <p:cTn id="25" dur="500" fill="hold"/>
+                                        <p:tgtEl>
+                                          <p:spTgt spid="62"/>
+                                        </p:tgtEl>
+                                        <p:attrNameLst>
+                                          <p:attrName>ppt_x</p:attrName>
+                                        </p:attrNameLst>
+                                      </p:cBhvr>
+                                      <p:tavLst>
+                                        <p:tav tm="0">
+                                          <p:val>
+                                            <p:strVal val="#ppt_x"/>
+                                          </p:val>
+                                        </p:tav>
+                                        <p:tav tm="100000">
+                                          <p:val>
+                                            <p:strVal val="#ppt_x"/>
+                                          </p:val>
+                                        </p:tav>
+                                      </p:tavLst>
+                                    </p:anim>
+                                    <p:anim calcmode="lin" valueType="num">
+                                      <p:cBhvr additive="base">
+                                        <p:cTn id="26" dur="500" fill="hold"/>
+                                        <p:tgtEl>
+                                          <p:spTgt spid="62"/>
+                                        </p:tgtEl>
+                                        <p:attrNameLst>
+                                          <p:attrName>ppt_y</p:attrName>
+                                        </p:attrNameLst>
+                                      </p:cBhvr>
+                                      <p:tavLst>
+                                        <p:tav tm="0">
+                                          <p:val>
+                                            <p:strVal val="1+#ppt_h/2"/>
+                                          </p:val>
+                                        </p:tav>
+                                        <p:tav tm="100000">
+                                          <p:val>
+                                            <p:strVal val="#ppt_y"/>
+                                          </p:val>
+                                        </p:tav>
+                                      </p:tavLst>
+                                    </p:anim>
+                                  </p:childTnLst>
+                                </p:cTn>
+                              </p:par>
+                            </p:childTnLst>
+                          </p:cTn>
+                        </p:par>
+                      </p:childTnLst>
+                    </p:cTn>
+                  </p:par>
+                  <p:par>
+                    <p:cTn id="27" fill="hold">
+                      <p:stCondLst>
+                        <p:cond delay="indefinite"/>
+                      </p:stCondLst>
+                      <p:childTnLst>
+                        <p:par>
+                          <p:cTn id="28" fill="hold">
+                            <p:stCondLst>
+                              <p:cond delay="0"/>
+                            </p:stCondLst>
+                            <p:childTnLst>
+                              <p:par>
+                                <p:cTn id="29" presetID="2" presetClass="entr" presetSubtype="4" fill="hold" nodeType="clickEffect">
+                                  <p:stCondLst>
+                                    <p:cond delay="0"/>
+                                  </p:stCondLst>
+                                  <p:childTnLst>
+                                    <p:set>
+                                      <p:cBhvr>
+                                        <p:cTn id="30" dur="1" fill="hold">
+                                          <p:stCondLst>
+                                            <p:cond delay="0"/>
+                                          </p:stCondLst>
+                                        </p:cTn>
+                                        <p:tgtEl>
+                                          <p:spTgt spid="65"/>
+                                        </p:tgtEl>
+                                        <p:attrNameLst>
+                                          <p:attrName>style.visibility</p:attrName>
+                                        </p:attrNameLst>
+                                      </p:cBhvr>
+                                      <p:to>
+                                        <p:strVal val="visible"/>
+                                      </p:to>
+                                    </p:set>
+                                    <p:anim calcmode="lin" valueType="num">
+                                      <p:cBhvr additive="base">
+                                        <p:cTn id="31" dur="500" fill="hold"/>
+                                        <p:tgtEl>
+                                          <p:spTgt spid="65"/>
+                                        </p:tgtEl>
+                                        <p:attrNameLst>
+                                          <p:attrName>ppt_x</p:attrName>
+                                        </p:attrNameLst>
+                                      </p:cBhvr>
+                                      <p:tavLst>
+                                        <p:tav tm="0">
+                                          <p:val>
+                                            <p:strVal val="#ppt_x"/>
+                                          </p:val>
+                                        </p:tav>
+                                        <p:tav tm="100000">
+                                          <p:val>
+                                            <p:strVal val="#ppt_x"/>
+                                          </p:val>
+                                        </p:tav>
+                                      </p:tavLst>
+                                    </p:anim>
+                                    <p:anim calcmode="lin" valueType="num">
+                                      <p:cBhvr additive="base">
+                                        <p:cTn id="32" dur="500" fill="hold"/>
+                                        <p:tgtEl>
+                                          <p:spTgt spid="65"/>
+                                        </p:tgtEl>
+                                        <p:attrNameLst>
+                                          <p:attrName>ppt_y</p:attrName>
+                                        </p:attrNameLst>
+                                      </p:cBhvr>
+                                      <p:tavLst>
+                                        <p:tav tm="0">
+                                          <p:val>
+                                            <p:strVal val="1+#ppt_h/2"/>
+                                          </p:val>
+                                        </p:tav>
+                                        <p:tav tm="100000">
+                                          <p:val>
+                                            <p:strVal val="#ppt_y"/>
+                                          </p:val>
+                                        </p:tav>
+                                      </p:tavLst>
+                                    </p:anim>
+                                  </p:childTnLst>
+                                </p:cTn>
+                              </p:par>
+                            </p:childTnLst>
+                          </p:cTn>
+                        </p:par>
+                      </p:childTnLst>
+                    </p:cTn>
+                  </p:par>
+                  <p:par>
+                    <p:cTn id="33" fill="hold">
+                      <p:stCondLst>
+                        <p:cond delay="indefinite"/>
+                      </p:stCondLst>
+                      <p:childTnLst>
+                        <p:par>
+                          <p:cTn id="34" fill="hold">
+                            <p:stCondLst>
+                              <p:cond delay="0"/>
+                            </p:stCondLst>
+                            <p:childTnLst>
+                              <p:par>
+                                <p:cTn id="35" presetID="2" presetClass="entr" presetSubtype="4" fill="hold" nodeType="clickEffect">
+                                  <p:stCondLst>
+                                    <p:cond delay="0"/>
+                                  </p:stCondLst>
+                                  <p:childTnLst>
+                                    <p:set>
+                                      <p:cBhvr>
+                                        <p:cTn id="36" dur="1" fill="hold">
+                                          <p:stCondLst>
+                                            <p:cond delay="0"/>
+                                          </p:stCondLst>
+                                        </p:cTn>
+                                        <p:tgtEl>
+                                          <p:spTgt spid="67"/>
+                                        </p:tgtEl>
+                                        <p:attrNameLst>
+                                          <p:attrName>style.visibility</p:attrName>
+                                        </p:attrNameLst>
+                                      </p:cBhvr>
+                                      <p:to>
+                                        <p:strVal val="visible"/>
+                                      </p:to>
+                                    </p:set>
+                                    <p:anim calcmode="lin" valueType="num">
+                                      <p:cBhvr additive="base">
+                                        <p:cTn id="37" dur="500" fill="hold"/>
+                                        <p:tgtEl>
+                                          <p:spTgt spid="67"/>
+                                        </p:tgtEl>
+                                        <p:attrNameLst>
+                                          <p:attrName>ppt_x</p:attrName>
+                                        </p:attrNameLst>
+                                      </p:cBhvr>
+                                      <p:tavLst>
+                                        <p:tav tm="0">
+                                          <p:val>
+                                            <p:strVal val="#ppt_x"/>
+                                          </p:val>
+                                        </p:tav>
+                                        <p:tav tm="100000">
+                                          <p:val>
+                                            <p:strVal val="#ppt_x"/>
+                                          </p:val>
+                                        </p:tav>
+                                      </p:tavLst>
+                                    </p:anim>
+                                    <p:anim calcmode="lin" valueType="num">
+                                      <p:cBhvr additive="base">
+                                        <p:cTn id="38" dur="500" fill="hold"/>
+                                        <p:tgtEl>
+                                          <p:spTgt spid="67"/>
+                                        </p:tgtEl>
+                                        <p:attrNameLst>
+                                          <p:attrName>ppt_y</p:attrName>
+                                        </p:attrNameLst>
+                                      </p:cBhvr>
+                                      <p:tavLst>
+                                        <p:tav tm="0">
+                                          <p:val>
+                                            <p:strVal val="1+#ppt_h/2"/>
+                                          </p:val>
+                                        </p:tav>
+                                        <p:tav tm="100000">
+                                          <p:val>
+                                            <p:strVal val="#ppt_y"/>
+                                          </p:val>
+                                        </p:tav>
+                                      </p:tavLst>
+                                    </p:anim>
+                                  </p:childTnLst>
+                                </p:cTn>
+                              </p:par>
+                            </p:childTnLst>
+                          </p:cTn>
+                        </p:par>
+                      </p:childTnLst>
+                    </p:cTn>
+                  </p:par>
+                  <p:par>
+                    <p:cTn id="39" fill="hold">
+                      <p:stCondLst>
+                        <p:cond delay="indefinite"/>
+                      </p:stCondLst>
+                      <p:childTnLst>
+                        <p:par>
+                          <p:cTn id="40" fill="hold">
+                            <p:stCondLst>
+                              <p:cond delay="0"/>
+                            </p:stCondLst>
+                            <p:childTnLst>
+                              <p:par>
+                                <p:cTn id="41" presetID="1" presetClass="entr" presetSubtype="0" fill="hold" grpId="0" nodeType="clickEffect">
+                                  <p:stCondLst>
+                                    <p:cond delay="0"/>
+                                  </p:stCondLst>
+                                  <p:childTnLst>
+                                    <p:set>
+                                      <p:cBhvr>
+                                        <p:cTn id="42" dur="1" fill="hold">
+                                          <p:stCondLst>
+                                            <p:cond delay="0"/>
+                                          </p:stCondLst>
+                                        </p:cTn>
+                                        <p:tgtEl>
+                                          <p:spTgt spid="68"/>
+                                        </p:tgtEl>
+                                        <p:attrNameLst>
+                                          <p:attrName>style.visibility</p:attrName>
+                                        </p:attrNameLst>
+                                      </p:cBhvr>
+                                      <p:to>
+                                        <p:strVal val="visible"/>
+                                      </p:to>
+                                    </p:set>
+                                  </p:childTnLst>
+                                </p:cTn>
+                              </p:par>
+                            </p:childTnLst>
+                          </p:cTn>
+                        </p:par>
+                      </p:childTnLst>
+                    </p:cTn>
+                  </p:par>
+                  <p:par>
+                    <p:cTn id="43" fill="hold">
+                      <p:stCondLst>
+                        <p:cond delay="indefinite"/>
+                      </p:stCondLst>
+                      <p:childTnLst>
+                        <p:par>
+                          <p:cTn id="44" fill="hold">
+                            <p:stCondLst>
+                              <p:cond delay="0"/>
+                            </p:stCondLst>
+                            <p:childTnLst>
+                              <p:par>
+                                <p:cTn id="45" presetID="2" presetClass="entr" presetSubtype="4" fill="hold" nodeType="clickEffect">
+                                  <p:stCondLst>
+                                    <p:cond delay="0"/>
+                                  </p:stCondLst>
+                                  <p:childTnLst>
+                                    <p:set>
+                                      <p:cBhvr>
+                                        <p:cTn id="46" dur="1" fill="hold">
+                                          <p:stCondLst>
+                                            <p:cond delay="0"/>
+                                          </p:stCondLst>
+                                        </p:cTn>
+                                        <p:tgtEl>
+                                          <p:spTgt spid="70"/>
+                                        </p:tgtEl>
+                                        <p:attrNameLst>
+                                          <p:attrName>style.visibility</p:attrName>
+                                        </p:attrNameLst>
+                                      </p:cBhvr>
+                                      <p:to>
+                                        <p:strVal val="visible"/>
+                                      </p:to>
+                                    </p:set>
+                                    <p:anim calcmode="lin" valueType="num">
+                                      <p:cBhvr additive="base">
+                                        <p:cTn id="47" dur="500" fill="hold"/>
+                                        <p:tgtEl>
+                                          <p:spTgt spid="70"/>
+                                        </p:tgtEl>
+                                        <p:attrNameLst>
+                                          <p:attrName>ppt_x</p:attrName>
+                                        </p:attrNameLst>
+                                      </p:cBhvr>
+                                      <p:tavLst>
+                                        <p:tav tm="0">
+                                          <p:val>
+                                            <p:strVal val="#ppt_x"/>
+                                          </p:val>
+                                        </p:tav>
+                                        <p:tav tm="100000">
+                                          <p:val>
+                                            <p:strVal val="#ppt_x"/>
+                                          </p:val>
+                                        </p:tav>
+                                      </p:tavLst>
+                                    </p:anim>
+                                    <p:anim calcmode="lin" valueType="num">
+                                      <p:cBhvr additive="base">
+                                        <p:cTn id="48" dur="500" fill="hold"/>
+                                        <p:tgtEl>
+                                          <p:spTgt spid="70"/>
+                                        </p:tgtEl>
+                                        <p:attrNameLst>
+                                          <p:attrName>ppt_y</p:attrName>
+                                        </p:attrNameLst>
+                                      </p:cBhvr>
+                                      <p:tavLst>
+                                        <p:tav tm="0">
+                                          <p:val>
+                                            <p:strVal val="1+#ppt_h/2"/>
+                                          </p:val>
+                                        </p:tav>
+                                        <p:tav tm="100000">
+                                          <p:val>
+                                            <p:strVal val="#ppt_y"/>
+                                          </p:val>
+                                        </p:tav>
+                                      </p:tavLst>
+                                    </p:anim>
+                                  </p:childTnLst>
+                                </p:cTn>
+                              </p:par>
+                            </p:childTnLst>
+                          </p:cTn>
+                        </p:par>
+                      </p:childTnLst>
+                    </p:cTn>
+                  </p:par>
+                </p:childTnLst>
+              </p:cTn>
+              <p:prevCondLst>
+                <p:cond evt="onPrev" delay="0">
+                  <p:tgtEl>
+                    <p:sldTgt/>
+                  </p:tgtEl>
+                </p:cond>
+              </p:prevCondLst>
+              <p:nextCondLst>
+                <p:cond evt="onNext" delay="0">
+                  <p:tgtEl>
+                    <p:sldTgt/>
+                  </p:tgtEl>
+                </p:cond>
+              </p:nextCondLst>
+            </p:seq>
+          </p:childTnLst>
+        </p:cTn>
+      </p:par>
+    </p:tnLst>
+    <p:bldLst>
+      <p:bldP spid="68" grpId="0"/>
+    </p:bldLst>
+  </p:timing>
 </p:sld>
 </file>
 
@@ -3920,63 +6004,1117 @@
           <a:chExt cx="0" cy="0"/>
         </a:xfrm>
       </p:grpSpPr>
+      <p:pic>
+        <p:nvPicPr>
+          <p:cNvPr id="4" name="Picture 3">
+            <a:extLst>
+              <a:ext uri="{FF2B5EF4-FFF2-40B4-BE49-F238E27FC236}">
+                <a16:creationId xmlns:a16="http://schemas.microsoft.com/office/drawing/2014/main" id="{D4BC2FB6-29FA-432F-91F8-D37CBA30BF23}"/>
+              </a:ext>
+            </a:extLst>
+          </p:cNvPr>
+          <p:cNvPicPr>
+            <a:picLocks noChangeAspect="1"/>
+          </p:cNvPicPr>
+          <p:nvPr/>
+        </p:nvPicPr>
+        <p:blipFill>
+          <a:blip r:embed="rId2">
+            <a:extLst>
+              <a:ext uri="{28A0092B-C50C-407E-A947-70E740481C1C}">
+                <a14:useLocalDpi xmlns:a14="http://schemas.microsoft.com/office/drawing/2010/main" val="0"/>
+              </a:ext>
+              <a:ext uri="{837473B0-CC2E-450A-ABE3-18F120FF3D39}">
+                <a1611:picAttrSrcUrl xmlns:a1611="http://schemas.microsoft.com/office/drawing/2016/11/main" r:id="rId3"/>
+              </a:ext>
+            </a:extLst>
+          </a:blip>
+          <a:stretch>
+            <a:fillRect/>
+          </a:stretch>
+        </p:blipFill>
+        <p:spPr>
+          <a:xfrm>
+            <a:off x="6771979" y="1294110"/>
+            <a:ext cx="1603584" cy="1603584"/>
+          </a:xfrm>
+          <a:prstGeom prst="rect">
+            <a:avLst/>
+          </a:prstGeom>
+        </p:spPr>
+      </p:pic>
       <p:sp>
         <p:nvSpPr>
-          <p:cNvPr id="2" name="Title 1">
-            <a:extLst>
-              <a:ext uri="{FF2B5EF4-FFF2-40B4-BE49-F238E27FC236}">
-                <a16:creationId xmlns:a16="http://schemas.microsoft.com/office/drawing/2014/main" id="{26CBC395-8371-4FE0-AE91-8364FA5D2690}"/>
-              </a:ext>
-            </a:extLst>
-          </p:cNvPr>
-          <p:cNvSpPr>
-            <a:spLocks noGrp="1"/>
+          <p:cNvPr id="5" name="Title 1">
+            <a:extLst>
+              <a:ext uri="{FF2B5EF4-FFF2-40B4-BE49-F238E27FC236}">
+                <a16:creationId xmlns:a16="http://schemas.microsoft.com/office/drawing/2014/main" id="{9720AA1A-8202-484A-B975-2C2F3EC4A25C}"/>
+              </a:ext>
+            </a:extLst>
+          </p:cNvPr>
+          <p:cNvSpPr txBox="1">
+            <a:spLocks/>
           </p:cNvSpPr>
-          <p:nvPr>
-            <p:ph type="title"/>
-          </p:nvPr>
+          <p:nvPr/>
         </p:nvSpPr>
-        <p:spPr/>
+        <p:spPr>
+          <a:xfrm>
+            <a:off x="838200" y="365125"/>
+            <a:ext cx="10515600" cy="1325563"/>
+          </a:xfrm>
+          <a:prstGeom prst="rect">
+            <a:avLst/>
+          </a:prstGeom>
+        </p:spPr>
         <p:txBody>
-          <a:bodyPr/>
-          <a:lstStyle/>
-          <a:p>
-            <a:r>
-              <a:rPr lang="en-US" dirty="0"/>
-              <a:t>What is IdentityServer4?</a:t>
-            </a:r>
+          <a:bodyPr vert="horz" lIns="91440" tIns="45720" rIns="91440" bIns="45720" rtlCol="0" anchor="ctr">
+            <a:normAutofit/>
+          </a:bodyPr>
+          <a:lstStyle>
+            <a:lvl1pPr algn="l" defTabSz="914400" rtl="0" eaLnBrk="1" latinLnBrk="0" hangingPunct="1">
+              <a:lnSpc>
+                <a:spcPct val="90000"/>
+              </a:lnSpc>
+              <a:spcBef>
+                <a:spcPct val="0"/>
+              </a:spcBef>
+              <a:buNone/>
+              <a:defRPr sz="4400" kern="1200">
+                <a:solidFill>
+                  <a:schemeClr val="tx1"/>
+                </a:solidFill>
+                <a:latin typeface="+mj-lt"/>
+                <a:ea typeface="+mj-ea"/>
+                <a:cs typeface="+mj-cs"/>
+              </a:defRPr>
+            </a:lvl1pPr>
+          </a:lstStyle>
+          <a:p>
+            <a:r>
+              <a:rPr lang="en-US"/>
+              <a:t>Why Single Sign-On?</a:t>
+            </a:r>
+            <a:endParaRPr lang="en-US" dirty="0"/>
           </a:p>
         </p:txBody>
       </p:sp>
-      <p:sp>
-        <p:nvSpPr>
-          <p:cNvPr id="3" name="Content Placeholder 2">
-            <a:extLst>
-              <a:ext uri="{FF2B5EF4-FFF2-40B4-BE49-F238E27FC236}">
-                <a16:creationId xmlns:a16="http://schemas.microsoft.com/office/drawing/2014/main" id="{8BB021B1-8697-48E6-A29D-22DFF0CFDD57}"/>
-              </a:ext>
-            </a:extLst>
-          </p:cNvPr>
-          <p:cNvSpPr>
-            <a:spLocks noGrp="1"/>
-          </p:cNvSpPr>
-          <p:nvPr>
-            <p:ph idx="1"/>
-          </p:nvPr>
-        </p:nvSpPr>
-        <p:spPr/>
-        <p:txBody>
-          <a:bodyPr/>
-          <a:lstStyle/>
-          <a:p>
-            <a:endParaRPr lang="en-US"/>
-          </a:p>
-        </p:txBody>
-      </p:sp>
+      <p:pic>
+        <p:nvPicPr>
+          <p:cNvPr id="8" name="Content Placeholder 4">
+            <a:extLst>
+              <a:ext uri="{FF2B5EF4-FFF2-40B4-BE49-F238E27FC236}">
+                <a16:creationId xmlns:a16="http://schemas.microsoft.com/office/drawing/2014/main" id="{82697D30-8050-4B1B-BC6D-5C4DFDA1B821}"/>
+              </a:ext>
+            </a:extLst>
+          </p:cNvPr>
+          <p:cNvPicPr>
+            <a:picLocks noChangeAspect="1"/>
+          </p:cNvPicPr>
+          <p:nvPr/>
+        </p:nvPicPr>
+        <p:blipFill>
+          <a:blip r:embed="rId4">
+            <a:extLst>
+              <a:ext uri="{28A0092B-C50C-407E-A947-70E740481C1C}">
+                <a14:useLocalDpi xmlns:a14="http://schemas.microsoft.com/office/drawing/2010/main" val="0"/>
+              </a:ext>
+            </a:extLst>
+          </a:blip>
+          <a:stretch>
+            <a:fillRect/>
+          </a:stretch>
+        </p:blipFill>
+        <p:spPr>
+          <a:xfrm>
+            <a:off x="8466814" y="5606471"/>
+            <a:ext cx="723404" cy="974282"/>
+          </a:xfrm>
+          <a:prstGeom prst="rect">
+            <a:avLst/>
+          </a:prstGeom>
+        </p:spPr>
+      </p:pic>
+      <p:pic>
+        <p:nvPicPr>
+          <p:cNvPr id="9" name="Picture 8">
+            <a:extLst>
+              <a:ext uri="{FF2B5EF4-FFF2-40B4-BE49-F238E27FC236}">
+                <a16:creationId xmlns:a16="http://schemas.microsoft.com/office/drawing/2014/main" id="{6A5F7DDE-7702-4E45-BAED-331206A5B98D}"/>
+              </a:ext>
+            </a:extLst>
+          </p:cNvPr>
+          <p:cNvPicPr>
+            <a:picLocks noChangeAspect="1"/>
+          </p:cNvPicPr>
+          <p:nvPr/>
+        </p:nvPicPr>
+        <p:blipFill>
+          <a:blip r:embed="rId5">
+            <a:extLst>
+              <a:ext uri="{28A0092B-C50C-407E-A947-70E740481C1C}">
+                <a14:useLocalDpi xmlns:a14="http://schemas.microsoft.com/office/drawing/2010/main" val="0"/>
+              </a:ext>
+            </a:extLst>
+          </a:blip>
+          <a:stretch>
+            <a:fillRect/>
+          </a:stretch>
+        </p:blipFill>
+        <p:spPr>
+          <a:xfrm>
+            <a:off x="10165559" y="3519448"/>
+            <a:ext cx="903288" cy="1250225"/>
+          </a:xfrm>
+          <a:prstGeom prst="rect">
+            <a:avLst/>
+          </a:prstGeom>
+        </p:spPr>
+      </p:pic>
+      <p:pic>
+        <p:nvPicPr>
+          <p:cNvPr id="13" name="Picture 12">
+            <a:extLst>
+              <a:ext uri="{FF2B5EF4-FFF2-40B4-BE49-F238E27FC236}">
+                <a16:creationId xmlns:a16="http://schemas.microsoft.com/office/drawing/2014/main" id="{84C5811B-D25F-4A03-8E39-E718B3659C01}"/>
+              </a:ext>
+            </a:extLst>
+          </p:cNvPr>
+          <p:cNvPicPr>
+            <a:picLocks noChangeAspect="1"/>
+          </p:cNvPicPr>
+          <p:nvPr/>
+        </p:nvPicPr>
+        <p:blipFill>
+          <a:blip r:embed="rId6">
+            <a:extLst>
+              <a:ext uri="{28A0092B-C50C-407E-A947-70E740481C1C}">
+                <a14:useLocalDpi xmlns:a14="http://schemas.microsoft.com/office/drawing/2010/main" val="0"/>
+              </a:ext>
+              <a:ext uri="{837473B0-CC2E-450A-ABE3-18F120FF3D39}">
+                <a1611:picAttrSrcUrl xmlns:a1611="http://schemas.microsoft.com/office/drawing/2016/11/main" r:id="rId7"/>
+              </a:ext>
+            </a:extLst>
+          </a:blip>
+          <a:stretch>
+            <a:fillRect/>
+          </a:stretch>
+        </p:blipFill>
+        <p:spPr>
+          <a:xfrm>
+            <a:off x="1470316" y="3611330"/>
+            <a:ext cx="2263636" cy="1991359"/>
+          </a:xfrm>
+          <a:prstGeom prst="rect">
+            <a:avLst/>
+          </a:prstGeom>
+        </p:spPr>
+      </p:pic>
+      <p:cxnSp>
+        <p:nvCxnSpPr>
+          <p:cNvPr id="14" name="Connector: Curved 13">
+            <a:extLst>
+              <a:ext uri="{FF2B5EF4-FFF2-40B4-BE49-F238E27FC236}">
+                <a16:creationId xmlns:a16="http://schemas.microsoft.com/office/drawing/2014/main" id="{4DFEA106-75FB-4BD5-8790-26DBF156056D}"/>
+              </a:ext>
+            </a:extLst>
+          </p:cNvPr>
+          <p:cNvCxnSpPr>
+            <a:cxnSpLocks/>
+          </p:cNvCxnSpPr>
+          <p:nvPr/>
+        </p:nvCxnSpPr>
+        <p:spPr>
+          <a:xfrm flipV="1">
+            <a:off x="3597467" y="2730645"/>
+            <a:ext cx="2108037" cy="1205026"/>
+          </a:xfrm>
+          <a:prstGeom prst="curvedConnector3">
+            <a:avLst/>
+          </a:prstGeom>
+          <a:ln>
+            <a:tailEnd type="triangle"/>
+          </a:ln>
+        </p:spPr>
+        <p:style>
+          <a:lnRef idx="1">
+            <a:schemeClr val="accent1"/>
+          </a:lnRef>
+          <a:fillRef idx="0">
+            <a:schemeClr val="accent1"/>
+          </a:fillRef>
+          <a:effectRef idx="0">
+            <a:schemeClr val="accent1"/>
+          </a:effectRef>
+          <a:fontRef idx="minor">
+            <a:schemeClr val="tx1"/>
+          </a:fontRef>
+        </p:style>
+      </p:cxnSp>
+      <p:cxnSp>
+        <p:nvCxnSpPr>
+          <p:cNvPr id="15" name="Connector: Curved 14">
+            <a:extLst>
+              <a:ext uri="{FF2B5EF4-FFF2-40B4-BE49-F238E27FC236}">
+                <a16:creationId xmlns:a16="http://schemas.microsoft.com/office/drawing/2014/main" id="{3B37C88D-0FE8-418F-AEF8-5EB0AF9C4229}"/>
+              </a:ext>
+            </a:extLst>
+          </p:cNvPr>
+          <p:cNvCxnSpPr>
+            <a:cxnSpLocks/>
+          </p:cNvCxnSpPr>
+          <p:nvPr/>
+        </p:nvCxnSpPr>
+        <p:spPr>
+          <a:xfrm>
+            <a:off x="3733952" y="5365566"/>
+            <a:ext cx="4447065" cy="1215187"/>
+          </a:xfrm>
+          <a:prstGeom prst="curvedConnector3">
+            <a:avLst>
+              <a:gd name="adj1" fmla="val 50000"/>
+            </a:avLst>
+          </a:prstGeom>
+          <a:ln>
+            <a:tailEnd type="triangle"/>
+          </a:ln>
+        </p:spPr>
+        <p:style>
+          <a:lnRef idx="1">
+            <a:schemeClr val="accent1"/>
+          </a:lnRef>
+          <a:fillRef idx="0">
+            <a:schemeClr val="accent1"/>
+          </a:fillRef>
+          <a:effectRef idx="0">
+            <a:schemeClr val="accent1"/>
+          </a:effectRef>
+          <a:fontRef idx="minor">
+            <a:schemeClr val="tx1"/>
+          </a:fontRef>
+        </p:style>
+      </p:cxnSp>
+      <p:cxnSp>
+        <p:nvCxnSpPr>
+          <p:cNvPr id="16" name="Straight Arrow Connector 15">
+            <a:extLst>
+              <a:ext uri="{FF2B5EF4-FFF2-40B4-BE49-F238E27FC236}">
+                <a16:creationId xmlns:a16="http://schemas.microsoft.com/office/drawing/2014/main" id="{3885A134-57CB-4DFC-BB2F-84175E05FEB2}"/>
+              </a:ext>
+            </a:extLst>
+          </p:cNvPr>
+          <p:cNvCxnSpPr>
+            <a:cxnSpLocks/>
+          </p:cNvCxnSpPr>
+          <p:nvPr/>
+        </p:nvCxnSpPr>
+        <p:spPr>
+          <a:xfrm flipV="1">
+            <a:off x="3597467" y="4637683"/>
+            <a:ext cx="2984795" cy="56877"/>
+          </a:xfrm>
+          <a:prstGeom prst="straightConnector1">
+            <a:avLst/>
+          </a:prstGeom>
+          <a:ln>
+            <a:tailEnd type="triangle"/>
+          </a:ln>
+        </p:spPr>
+        <p:style>
+          <a:lnRef idx="1">
+            <a:schemeClr val="accent1"/>
+          </a:lnRef>
+          <a:fillRef idx="0">
+            <a:schemeClr val="accent1"/>
+          </a:fillRef>
+          <a:effectRef idx="0">
+            <a:schemeClr val="accent1"/>
+          </a:effectRef>
+          <a:fontRef idx="minor">
+            <a:schemeClr val="tx1"/>
+          </a:fontRef>
+        </p:style>
+      </p:cxnSp>
+      <p:pic>
+        <p:nvPicPr>
+          <p:cNvPr id="20" name="Picture 19">
+            <a:extLst>
+              <a:ext uri="{FF2B5EF4-FFF2-40B4-BE49-F238E27FC236}">
+                <a16:creationId xmlns:a16="http://schemas.microsoft.com/office/drawing/2014/main" id="{FCACFFD0-AF1E-4F75-922A-34E080A8F8A7}"/>
+              </a:ext>
+            </a:extLst>
+          </p:cNvPr>
+          <p:cNvPicPr>
+            <a:picLocks noChangeAspect="1"/>
+          </p:cNvPicPr>
+          <p:nvPr/>
+        </p:nvPicPr>
+        <p:blipFill>
+          <a:blip r:embed="rId8">
+            <a:extLst>
+              <a:ext uri="{28A0092B-C50C-407E-A947-70E740481C1C}">
+                <a14:useLocalDpi xmlns:a14="http://schemas.microsoft.com/office/drawing/2010/main" val="0"/>
+              </a:ext>
+            </a:extLst>
+          </a:blip>
+          <a:stretch>
+            <a:fillRect/>
+          </a:stretch>
+        </p:blipFill>
+        <p:spPr>
+          <a:xfrm>
+            <a:off x="10317247" y="2710076"/>
+            <a:ext cx="599912" cy="572354"/>
+          </a:xfrm>
+          <a:prstGeom prst="rect">
+            <a:avLst/>
+          </a:prstGeom>
+        </p:spPr>
+      </p:pic>
+      <p:pic>
+        <p:nvPicPr>
+          <p:cNvPr id="22" name="Picture 21">
+            <a:extLst>
+              <a:ext uri="{FF2B5EF4-FFF2-40B4-BE49-F238E27FC236}">
+                <a16:creationId xmlns:a16="http://schemas.microsoft.com/office/drawing/2014/main" id="{BAEABD4C-3030-4F71-A6F6-A8CE36114FA9}"/>
+              </a:ext>
+            </a:extLst>
+          </p:cNvPr>
+          <p:cNvPicPr>
+            <a:picLocks noChangeAspect="1"/>
+          </p:cNvPicPr>
+          <p:nvPr/>
+        </p:nvPicPr>
+        <p:blipFill>
+          <a:blip r:embed="rId9">
+            <a:extLst>
+              <a:ext uri="{28A0092B-C50C-407E-A947-70E740481C1C}">
+                <a14:useLocalDpi xmlns:a14="http://schemas.microsoft.com/office/drawing/2010/main" val="0"/>
+              </a:ext>
+              <a:ext uri="{837473B0-CC2E-450A-ABE3-18F120FF3D39}">
+                <a1611:picAttrSrcUrl xmlns:a1611="http://schemas.microsoft.com/office/drawing/2016/11/main" r:id="rId10"/>
+              </a:ext>
+            </a:extLst>
+          </a:blip>
+          <a:stretch>
+            <a:fillRect/>
+          </a:stretch>
+        </p:blipFill>
+        <p:spPr>
+          <a:xfrm>
+            <a:off x="8778056" y="1047904"/>
+            <a:ext cx="1308526" cy="1308526"/>
+          </a:xfrm>
+          <a:prstGeom prst="rect">
+            <a:avLst/>
+          </a:prstGeom>
+        </p:spPr>
+      </p:pic>
+      <p:pic>
+        <p:nvPicPr>
+          <p:cNvPr id="23" name="Picture 22">
+            <a:extLst>
+              <a:ext uri="{FF2B5EF4-FFF2-40B4-BE49-F238E27FC236}">
+                <a16:creationId xmlns:a16="http://schemas.microsoft.com/office/drawing/2014/main" id="{1F1A51CE-858A-4D56-A604-B2ADF37AA1A1}"/>
+              </a:ext>
+            </a:extLst>
+          </p:cNvPr>
+          <p:cNvPicPr>
+            <a:picLocks noChangeAspect="1"/>
+          </p:cNvPicPr>
+          <p:nvPr/>
+        </p:nvPicPr>
+        <p:blipFill>
+          <a:blip r:embed="rId11">
+            <a:extLst>
+              <a:ext uri="{28A0092B-C50C-407E-A947-70E740481C1C}">
+                <a14:useLocalDpi xmlns:a14="http://schemas.microsoft.com/office/drawing/2010/main" val="0"/>
+              </a:ext>
+              <a:ext uri="{837473B0-CC2E-450A-ABE3-18F120FF3D39}">
+                <a1611:picAttrSrcUrl xmlns:a1611="http://schemas.microsoft.com/office/drawing/2016/11/main" r:id="rId12"/>
+              </a:ext>
+            </a:extLst>
+          </a:blip>
+          <a:stretch>
+            <a:fillRect/>
+          </a:stretch>
+        </p:blipFill>
+        <p:spPr>
+          <a:xfrm>
+            <a:off x="5230849" y="3422099"/>
+            <a:ext cx="1085848" cy="1085848"/>
+          </a:xfrm>
+          <a:prstGeom prst="rect">
+            <a:avLst/>
+          </a:prstGeom>
+        </p:spPr>
+      </p:pic>
+      <p:pic>
+        <p:nvPicPr>
+          <p:cNvPr id="25" name="Picture 24">
+            <a:extLst>
+              <a:ext uri="{FF2B5EF4-FFF2-40B4-BE49-F238E27FC236}">
+                <a16:creationId xmlns:a16="http://schemas.microsoft.com/office/drawing/2014/main" id="{69522A15-86F1-47EA-9409-A36D5A8140A6}"/>
+              </a:ext>
+            </a:extLst>
+          </p:cNvPr>
+          <p:cNvPicPr>
+            <a:picLocks noChangeAspect="1"/>
+          </p:cNvPicPr>
+          <p:nvPr/>
+        </p:nvPicPr>
+        <p:blipFill>
+          <a:blip r:embed="rId13">
+            <a:extLst>
+              <a:ext uri="{28A0092B-C50C-407E-A947-70E740481C1C}">
+                <a14:useLocalDpi xmlns:a14="http://schemas.microsoft.com/office/drawing/2010/main" val="0"/>
+              </a:ext>
+              <a:ext uri="{837473B0-CC2E-450A-ABE3-18F120FF3D39}">
+                <a1611:picAttrSrcUrl xmlns:a1611="http://schemas.microsoft.com/office/drawing/2016/11/main" r:id="rId14"/>
+              </a:ext>
+            </a:extLst>
+          </a:blip>
+          <a:stretch>
+            <a:fillRect/>
+          </a:stretch>
+        </p:blipFill>
+        <p:spPr>
+          <a:xfrm>
+            <a:off x="6647041" y="5204456"/>
+            <a:ext cx="1645553" cy="1234165"/>
+          </a:xfrm>
+          <a:prstGeom prst="rect">
+            <a:avLst/>
+          </a:prstGeom>
+        </p:spPr>
+      </p:pic>
+      <p:pic>
+        <p:nvPicPr>
+          <p:cNvPr id="36" name="Content Placeholder 4">
+            <a:extLst>
+              <a:ext uri="{FF2B5EF4-FFF2-40B4-BE49-F238E27FC236}">
+                <a16:creationId xmlns:a16="http://schemas.microsoft.com/office/drawing/2014/main" id="{8D2199BA-BFD6-4717-87CB-725F47F23690}"/>
+              </a:ext>
+            </a:extLst>
+          </p:cNvPr>
+          <p:cNvPicPr>
+            <a:picLocks noChangeAspect="1"/>
+          </p:cNvPicPr>
+          <p:nvPr/>
+        </p:nvPicPr>
+        <p:blipFill>
+          <a:blip r:embed="rId4">
+            <a:extLst>
+              <a:ext uri="{28A0092B-C50C-407E-A947-70E740481C1C}">
+                <a14:useLocalDpi xmlns:a14="http://schemas.microsoft.com/office/drawing/2010/main" val="0"/>
+              </a:ext>
+            </a:extLst>
+          </a:blip>
+          <a:stretch>
+            <a:fillRect/>
+          </a:stretch>
+        </p:blipFill>
+        <p:spPr>
+          <a:xfrm>
+            <a:off x="6710142" y="4234828"/>
+            <a:ext cx="723404" cy="974282"/>
+          </a:xfrm>
+          <a:prstGeom prst="rect">
+            <a:avLst/>
+          </a:prstGeom>
+        </p:spPr>
+      </p:pic>
+      <p:pic>
+        <p:nvPicPr>
+          <p:cNvPr id="38" name="Content Placeholder 4">
+            <a:extLst>
+              <a:ext uri="{FF2B5EF4-FFF2-40B4-BE49-F238E27FC236}">
+                <a16:creationId xmlns:a16="http://schemas.microsoft.com/office/drawing/2014/main" id="{4641DC51-5F9C-468F-A1E2-8F1ECA3C55B6}"/>
+              </a:ext>
+            </a:extLst>
+          </p:cNvPr>
+          <p:cNvPicPr>
+            <a:picLocks noChangeAspect="1"/>
+          </p:cNvPicPr>
+          <p:nvPr/>
+        </p:nvPicPr>
+        <p:blipFill>
+          <a:blip r:embed="rId4">
+            <a:extLst>
+              <a:ext uri="{28A0092B-C50C-407E-A947-70E740481C1C}">
+                <a14:useLocalDpi xmlns:a14="http://schemas.microsoft.com/office/drawing/2010/main" val="0"/>
+              </a:ext>
+            </a:extLst>
+          </a:blip>
+          <a:stretch>
+            <a:fillRect/>
+          </a:stretch>
+        </p:blipFill>
+        <p:spPr>
+          <a:xfrm>
+            <a:off x="5858858" y="2243618"/>
+            <a:ext cx="723404" cy="974282"/>
+          </a:xfrm>
+          <a:prstGeom prst="rect">
+            <a:avLst/>
+          </a:prstGeom>
+        </p:spPr>
+      </p:pic>
+      <p:pic>
+        <p:nvPicPr>
+          <p:cNvPr id="40" name="Content Placeholder 4">
+            <a:extLst>
+              <a:ext uri="{FF2B5EF4-FFF2-40B4-BE49-F238E27FC236}">
+                <a16:creationId xmlns:a16="http://schemas.microsoft.com/office/drawing/2014/main" id="{DDC23714-3A1B-40D4-8246-4B05720C6FDE}"/>
+              </a:ext>
+            </a:extLst>
+          </p:cNvPr>
+          <p:cNvPicPr>
+            <a:picLocks noChangeAspect="1"/>
+          </p:cNvPicPr>
+          <p:nvPr/>
+        </p:nvPicPr>
+        <p:blipFill>
+          <a:blip r:embed="rId4">
+            <a:extLst>
+              <a:ext uri="{28A0092B-C50C-407E-A947-70E740481C1C}">
+                <a14:useLocalDpi xmlns:a14="http://schemas.microsoft.com/office/drawing/2010/main" val="0"/>
+              </a:ext>
+            </a:extLst>
+          </a:blip>
+          <a:stretch>
+            <a:fillRect/>
+          </a:stretch>
+        </p:blipFill>
+        <p:spPr>
+          <a:xfrm>
+            <a:off x="8852138" y="3619192"/>
+            <a:ext cx="723404" cy="974282"/>
+          </a:xfrm>
+          <a:prstGeom prst="rect">
+            <a:avLst/>
+          </a:prstGeom>
+        </p:spPr>
+      </p:pic>
+      <p:pic>
+        <p:nvPicPr>
+          <p:cNvPr id="41" name="Picture 40">
+            <a:extLst>
+              <a:ext uri="{FF2B5EF4-FFF2-40B4-BE49-F238E27FC236}">
+                <a16:creationId xmlns:a16="http://schemas.microsoft.com/office/drawing/2014/main" id="{BEBD22B6-3FE3-4C0E-BF0A-E48112ACF157}"/>
+              </a:ext>
+            </a:extLst>
+          </p:cNvPr>
+          <p:cNvPicPr>
+            <a:picLocks noChangeAspect="1"/>
+          </p:cNvPicPr>
+          <p:nvPr/>
+        </p:nvPicPr>
+        <p:blipFill>
+          <a:blip r:embed="rId15">
+            <a:extLst>
+              <a:ext uri="{28A0092B-C50C-407E-A947-70E740481C1C}">
+                <a14:useLocalDpi xmlns:a14="http://schemas.microsoft.com/office/drawing/2010/main" val="0"/>
+              </a:ext>
+            </a:extLst>
+          </a:blip>
+          <a:stretch>
+            <a:fillRect/>
+          </a:stretch>
+        </p:blipFill>
+        <p:spPr>
+          <a:xfrm>
+            <a:off x="8946375" y="3014894"/>
+            <a:ext cx="703879" cy="476878"/>
+          </a:xfrm>
+          <a:prstGeom prst="rect">
+            <a:avLst/>
+          </a:prstGeom>
+        </p:spPr>
+      </p:pic>
+      <p:pic>
+        <p:nvPicPr>
+          <p:cNvPr id="26" name="Picture 25">
+            <a:extLst>
+              <a:ext uri="{FF2B5EF4-FFF2-40B4-BE49-F238E27FC236}">
+                <a16:creationId xmlns:a16="http://schemas.microsoft.com/office/drawing/2014/main" id="{7FC30E3F-827F-4F21-A8F2-1E1DCD149963}"/>
+              </a:ext>
+            </a:extLst>
+          </p:cNvPr>
+          <p:cNvPicPr>
+            <a:picLocks noChangeAspect="1"/>
+          </p:cNvPicPr>
+          <p:nvPr/>
+        </p:nvPicPr>
+        <p:blipFill>
+          <a:blip r:embed="rId16">
+            <a:extLst>
+              <a:ext uri="{28A0092B-C50C-407E-A947-70E740481C1C}">
+                <a14:useLocalDpi xmlns:a14="http://schemas.microsoft.com/office/drawing/2010/main" val="0"/>
+              </a:ext>
+            </a:extLst>
+          </a:blip>
+          <a:stretch>
+            <a:fillRect/>
+          </a:stretch>
+        </p:blipFill>
+        <p:spPr>
+          <a:xfrm>
+            <a:off x="8694166" y="3364352"/>
+            <a:ext cx="400226" cy="371210"/>
+          </a:xfrm>
+          <a:prstGeom prst="rect">
+            <a:avLst/>
+          </a:prstGeom>
+        </p:spPr>
+      </p:pic>
+      <p:grpSp>
+        <p:nvGrpSpPr>
+          <p:cNvPr id="45" name="Group 44">
+            <a:extLst>
+              <a:ext uri="{FF2B5EF4-FFF2-40B4-BE49-F238E27FC236}">
+                <a16:creationId xmlns:a16="http://schemas.microsoft.com/office/drawing/2014/main" id="{13087A2C-512A-4E2D-A22B-D9512FEF3C84}"/>
+              </a:ext>
+            </a:extLst>
+          </p:cNvPr>
+          <p:cNvGrpSpPr/>
+          <p:nvPr/>
+        </p:nvGrpSpPr>
+        <p:grpSpPr>
+          <a:xfrm>
+            <a:off x="8162181" y="4492717"/>
+            <a:ext cx="2155066" cy="808150"/>
+            <a:chOff x="9775127" y="390031"/>
+            <a:chExt cx="2155066" cy="808150"/>
+          </a:xfrm>
+        </p:grpSpPr>
+        <p:pic>
+          <p:nvPicPr>
+            <p:cNvPr id="27" name="Picture 26">
+              <a:extLst>
+                <a:ext uri="{FF2B5EF4-FFF2-40B4-BE49-F238E27FC236}">
+                  <a16:creationId xmlns:a16="http://schemas.microsoft.com/office/drawing/2014/main" id="{45A3D71C-2CB3-4615-A98D-F534289214CB}"/>
+                </a:ext>
+              </a:extLst>
+            </p:cNvPr>
+            <p:cNvPicPr>
+              <a:picLocks noChangeAspect="1"/>
+            </p:cNvPicPr>
+            <p:nvPr/>
+          </p:nvPicPr>
+          <p:blipFill>
+            <a:blip r:embed="rId17">
+              <a:extLst>
+                <a:ext uri="{28A0092B-C50C-407E-A947-70E740481C1C}">
+                  <a14:useLocalDpi xmlns:a14="http://schemas.microsoft.com/office/drawing/2010/main" val="0"/>
+                </a:ext>
+              </a:extLst>
+            </a:blip>
+            <a:stretch>
+              <a:fillRect/>
+            </a:stretch>
+          </p:blipFill>
+          <p:spPr>
+            <a:xfrm>
+              <a:off x="9775127" y="390031"/>
+              <a:ext cx="2155066" cy="808150"/>
+            </a:xfrm>
+            <a:prstGeom prst="rect">
+              <a:avLst/>
+            </a:prstGeom>
+          </p:spPr>
+        </p:pic>
+        <p:sp>
+          <p:nvSpPr>
+            <p:cNvPr id="28" name="TextBox 27">
+              <a:extLst>
+                <a:ext uri="{FF2B5EF4-FFF2-40B4-BE49-F238E27FC236}">
+                  <a16:creationId xmlns:a16="http://schemas.microsoft.com/office/drawing/2014/main" id="{E70592A7-F4D0-4EA0-8E53-12712B36ABD3}"/>
+                </a:ext>
+              </a:extLst>
+            </p:cNvPr>
+            <p:cNvSpPr txBox="1"/>
+            <p:nvPr/>
+          </p:nvSpPr>
+          <p:spPr>
+            <a:xfrm>
+              <a:off x="10214999" y="534997"/>
+              <a:ext cx="1270430" cy="276999"/>
+            </a:xfrm>
+            <a:prstGeom prst="rect">
+              <a:avLst/>
+            </a:prstGeom>
+            <a:noFill/>
+          </p:spPr>
+          <p:txBody>
+            <a:bodyPr wrap="square" rtlCol="0">
+              <a:spAutoFit/>
+            </a:bodyPr>
+            <a:lstStyle/>
+            <a:p>
+              <a:r>
+                <a:rPr lang="en-US" sz="1200" dirty="0"/>
+                <a:t>No School Today!</a:t>
+              </a:r>
+            </a:p>
+          </p:txBody>
+        </p:sp>
+      </p:grpSp>
+      <p:cxnSp>
+        <p:nvCxnSpPr>
+          <p:cNvPr id="47" name="Straight Arrow Connector 46">
+            <a:extLst>
+              <a:ext uri="{FF2B5EF4-FFF2-40B4-BE49-F238E27FC236}">
+                <a16:creationId xmlns:a16="http://schemas.microsoft.com/office/drawing/2014/main" id="{65C87F7D-D57C-427F-A2CC-FDDF72CCA959}"/>
+              </a:ext>
+            </a:extLst>
+          </p:cNvPr>
+          <p:cNvCxnSpPr/>
+          <p:nvPr/>
+        </p:nvCxnSpPr>
+        <p:spPr>
+          <a:xfrm>
+            <a:off x="7963473" y="2833639"/>
+            <a:ext cx="638580" cy="476878"/>
+          </a:xfrm>
+          <a:prstGeom prst="straightConnector1">
+            <a:avLst/>
+          </a:prstGeom>
+          <a:ln>
+            <a:tailEnd type="triangle"/>
+          </a:ln>
+        </p:spPr>
+        <p:style>
+          <a:lnRef idx="1">
+            <a:schemeClr val="accent1"/>
+          </a:lnRef>
+          <a:fillRef idx="0">
+            <a:schemeClr val="accent1"/>
+          </a:fillRef>
+          <a:effectRef idx="0">
+            <a:schemeClr val="accent1"/>
+          </a:effectRef>
+          <a:fontRef idx="minor">
+            <a:schemeClr val="tx1"/>
+          </a:fontRef>
+        </p:style>
+      </p:cxnSp>
+      <p:cxnSp>
+        <p:nvCxnSpPr>
+          <p:cNvPr id="52" name="Straight Arrow Connector 51">
+            <a:extLst>
+              <a:ext uri="{FF2B5EF4-FFF2-40B4-BE49-F238E27FC236}">
+                <a16:creationId xmlns:a16="http://schemas.microsoft.com/office/drawing/2014/main" id="{378EAF4D-DA23-4DB7-BBFE-58A5F86DE568}"/>
+              </a:ext>
+            </a:extLst>
+          </p:cNvPr>
+          <p:cNvCxnSpPr/>
+          <p:nvPr/>
+        </p:nvCxnSpPr>
+        <p:spPr>
+          <a:xfrm>
+            <a:off x="6860038" y="2996253"/>
+            <a:ext cx="1588661" cy="585078"/>
+          </a:xfrm>
+          <a:prstGeom prst="straightConnector1">
+            <a:avLst/>
+          </a:prstGeom>
+          <a:ln>
+            <a:tailEnd type="triangle"/>
+          </a:ln>
+        </p:spPr>
+        <p:style>
+          <a:lnRef idx="1">
+            <a:schemeClr val="accent1"/>
+          </a:lnRef>
+          <a:fillRef idx="0">
+            <a:schemeClr val="accent1"/>
+          </a:fillRef>
+          <a:effectRef idx="0">
+            <a:schemeClr val="accent1"/>
+          </a:effectRef>
+          <a:fontRef idx="minor">
+            <a:schemeClr val="tx1"/>
+          </a:fontRef>
+        </p:style>
+      </p:cxnSp>
+      <p:cxnSp>
+        <p:nvCxnSpPr>
+          <p:cNvPr id="54" name="Straight Arrow Connector 53">
+            <a:extLst>
+              <a:ext uri="{FF2B5EF4-FFF2-40B4-BE49-F238E27FC236}">
+                <a16:creationId xmlns:a16="http://schemas.microsoft.com/office/drawing/2014/main" id="{CD58B684-CAC4-4F0B-848D-102C16963017}"/>
+              </a:ext>
+            </a:extLst>
+          </p:cNvPr>
+          <p:cNvCxnSpPr/>
+          <p:nvPr/>
+        </p:nvCxnSpPr>
+        <p:spPr>
+          <a:xfrm>
+            <a:off x="6735657" y="3654849"/>
+            <a:ext cx="1664730" cy="116370"/>
+          </a:xfrm>
+          <a:prstGeom prst="straightConnector1">
+            <a:avLst/>
+          </a:prstGeom>
+          <a:ln>
+            <a:tailEnd type="triangle"/>
+          </a:ln>
+        </p:spPr>
+        <p:style>
+          <a:lnRef idx="1">
+            <a:schemeClr val="accent1"/>
+          </a:lnRef>
+          <a:fillRef idx="0">
+            <a:schemeClr val="accent1"/>
+          </a:fillRef>
+          <a:effectRef idx="0">
+            <a:schemeClr val="accent1"/>
+          </a:effectRef>
+          <a:fontRef idx="minor">
+            <a:schemeClr val="tx1"/>
+          </a:fontRef>
+        </p:style>
+      </p:cxnSp>
+      <p:cxnSp>
+        <p:nvCxnSpPr>
+          <p:cNvPr id="56" name="Straight Arrow Connector 55">
+            <a:extLst>
+              <a:ext uri="{FF2B5EF4-FFF2-40B4-BE49-F238E27FC236}">
+                <a16:creationId xmlns:a16="http://schemas.microsoft.com/office/drawing/2014/main" id="{37B42FDE-7A00-457E-B10E-D964FDE280AB}"/>
+              </a:ext>
+            </a:extLst>
+          </p:cNvPr>
+          <p:cNvCxnSpPr/>
+          <p:nvPr/>
+        </p:nvCxnSpPr>
+        <p:spPr>
+          <a:xfrm flipV="1">
+            <a:off x="7622999" y="4122983"/>
+            <a:ext cx="1071167" cy="430117"/>
+          </a:xfrm>
+          <a:prstGeom prst="straightConnector1">
+            <a:avLst/>
+          </a:prstGeom>
+          <a:ln>
+            <a:tailEnd type="triangle"/>
+          </a:ln>
+        </p:spPr>
+        <p:style>
+          <a:lnRef idx="1">
+            <a:schemeClr val="accent1"/>
+          </a:lnRef>
+          <a:fillRef idx="0">
+            <a:schemeClr val="accent1"/>
+          </a:fillRef>
+          <a:effectRef idx="0">
+            <a:schemeClr val="accent1"/>
+          </a:effectRef>
+          <a:fontRef idx="minor">
+            <a:schemeClr val="tx1"/>
+          </a:fontRef>
+        </p:style>
+      </p:cxnSp>
+      <p:cxnSp>
+        <p:nvCxnSpPr>
+          <p:cNvPr id="58" name="Straight Arrow Connector 57">
+            <a:extLst>
+              <a:ext uri="{FF2B5EF4-FFF2-40B4-BE49-F238E27FC236}">
+                <a16:creationId xmlns:a16="http://schemas.microsoft.com/office/drawing/2014/main" id="{562FA93A-A0DF-4B10-A68A-485495BA1804}"/>
+              </a:ext>
+            </a:extLst>
+          </p:cNvPr>
+          <p:cNvCxnSpPr/>
+          <p:nvPr/>
+        </p:nvCxnSpPr>
+        <p:spPr>
+          <a:xfrm flipV="1">
+            <a:off x="7667868" y="4413481"/>
+            <a:ext cx="1026298" cy="887386"/>
+          </a:xfrm>
+          <a:prstGeom prst="straightConnector1">
+            <a:avLst/>
+          </a:prstGeom>
+          <a:ln>
+            <a:tailEnd type="triangle"/>
+          </a:ln>
+        </p:spPr>
+        <p:style>
+          <a:lnRef idx="1">
+            <a:schemeClr val="accent1"/>
+          </a:lnRef>
+          <a:fillRef idx="0">
+            <a:schemeClr val="accent1"/>
+          </a:fillRef>
+          <a:effectRef idx="0">
+            <a:schemeClr val="accent1"/>
+          </a:effectRef>
+          <a:fontRef idx="minor">
+            <a:schemeClr val="tx1"/>
+          </a:fontRef>
+        </p:style>
+      </p:cxnSp>
+      <p:cxnSp>
+        <p:nvCxnSpPr>
+          <p:cNvPr id="60" name="Straight Arrow Connector 59">
+            <a:extLst>
+              <a:ext uri="{FF2B5EF4-FFF2-40B4-BE49-F238E27FC236}">
+                <a16:creationId xmlns:a16="http://schemas.microsoft.com/office/drawing/2014/main" id="{498AC1D2-FB89-4AED-8CF9-2B5AFE03E1E1}"/>
+              </a:ext>
+            </a:extLst>
+          </p:cNvPr>
+          <p:cNvCxnSpPr>
+            <a:cxnSpLocks/>
+          </p:cNvCxnSpPr>
+          <p:nvPr/>
+        </p:nvCxnSpPr>
+        <p:spPr>
+          <a:xfrm>
+            <a:off x="9348429" y="2356430"/>
+            <a:ext cx="0" cy="537689"/>
+          </a:xfrm>
+          <a:prstGeom prst="straightConnector1">
+            <a:avLst/>
+          </a:prstGeom>
+          <a:ln>
+            <a:tailEnd type="triangle"/>
+          </a:ln>
+        </p:spPr>
+        <p:style>
+          <a:lnRef idx="1">
+            <a:schemeClr val="accent1"/>
+          </a:lnRef>
+          <a:fillRef idx="0">
+            <a:schemeClr val="accent1"/>
+          </a:fillRef>
+          <a:effectRef idx="0">
+            <a:schemeClr val="accent1"/>
+          </a:effectRef>
+          <a:fontRef idx="minor">
+            <a:schemeClr val="tx1"/>
+          </a:fontRef>
+        </p:style>
+      </p:cxnSp>
+      <p:cxnSp>
+        <p:nvCxnSpPr>
+          <p:cNvPr id="62" name="Straight Arrow Connector 61">
+            <a:extLst>
+              <a:ext uri="{FF2B5EF4-FFF2-40B4-BE49-F238E27FC236}">
+                <a16:creationId xmlns:a16="http://schemas.microsoft.com/office/drawing/2014/main" id="{02FEDFD2-81E3-421A-8E63-F72B1A9E16C3}"/>
+              </a:ext>
+            </a:extLst>
+          </p:cNvPr>
+          <p:cNvCxnSpPr/>
+          <p:nvPr/>
+        </p:nvCxnSpPr>
+        <p:spPr>
+          <a:xfrm flipV="1">
+            <a:off x="9094392" y="5013644"/>
+            <a:ext cx="119448" cy="494951"/>
+          </a:xfrm>
+          <a:prstGeom prst="straightConnector1">
+            <a:avLst/>
+          </a:prstGeom>
+          <a:ln>
+            <a:tailEnd type="triangle"/>
+          </a:ln>
+        </p:spPr>
+        <p:style>
+          <a:lnRef idx="1">
+            <a:schemeClr val="accent1"/>
+          </a:lnRef>
+          <a:fillRef idx="0">
+            <a:schemeClr val="accent1"/>
+          </a:fillRef>
+          <a:effectRef idx="0">
+            <a:schemeClr val="accent1"/>
+          </a:effectRef>
+          <a:fontRef idx="minor">
+            <a:schemeClr val="tx1"/>
+          </a:fontRef>
+        </p:style>
+      </p:cxnSp>
+      <p:cxnSp>
+        <p:nvCxnSpPr>
+          <p:cNvPr id="64" name="Straight Arrow Connector 63">
+            <a:extLst>
+              <a:ext uri="{FF2B5EF4-FFF2-40B4-BE49-F238E27FC236}">
+                <a16:creationId xmlns:a16="http://schemas.microsoft.com/office/drawing/2014/main" id="{6D588FB1-9519-42A6-8234-FA12FC2F8195}"/>
+              </a:ext>
+            </a:extLst>
+          </p:cNvPr>
+          <p:cNvCxnSpPr>
+            <a:cxnSpLocks/>
+          </p:cNvCxnSpPr>
+          <p:nvPr/>
+        </p:nvCxnSpPr>
+        <p:spPr>
+          <a:xfrm>
+            <a:off x="9650254" y="4056963"/>
+            <a:ext cx="352438" cy="1"/>
+          </a:xfrm>
+          <a:prstGeom prst="straightConnector1">
+            <a:avLst/>
+          </a:prstGeom>
+          <a:ln>
+            <a:tailEnd type="triangle"/>
+          </a:ln>
+        </p:spPr>
+        <p:style>
+          <a:lnRef idx="1">
+            <a:schemeClr val="accent1"/>
+          </a:lnRef>
+          <a:fillRef idx="0">
+            <a:schemeClr val="accent1"/>
+          </a:fillRef>
+          <a:effectRef idx="0">
+            <a:schemeClr val="accent1"/>
+          </a:effectRef>
+          <a:fontRef idx="minor">
+            <a:schemeClr val="tx1"/>
+          </a:fontRef>
+        </p:style>
+      </p:cxnSp>
+      <p:pic>
+        <p:nvPicPr>
+          <p:cNvPr id="66" name="Picture 65">
+            <a:extLst>
+              <a:ext uri="{FF2B5EF4-FFF2-40B4-BE49-F238E27FC236}">
+                <a16:creationId xmlns:a16="http://schemas.microsoft.com/office/drawing/2014/main" id="{0494C461-90CC-49D0-96E8-FB4EDBECFD63}"/>
+              </a:ext>
+            </a:extLst>
+          </p:cNvPr>
+          <p:cNvPicPr>
+            <a:picLocks noChangeAspect="1"/>
+          </p:cNvPicPr>
+          <p:nvPr/>
+        </p:nvPicPr>
+        <p:blipFill>
+          <a:blip r:embed="rId18">
+            <a:extLst>
+              <a:ext uri="{28A0092B-C50C-407E-A947-70E740481C1C}">
+                <a14:useLocalDpi xmlns:a14="http://schemas.microsoft.com/office/drawing/2010/main" val="0"/>
+              </a:ext>
+            </a:extLst>
+          </a:blip>
+          <a:stretch>
+            <a:fillRect/>
+          </a:stretch>
+        </p:blipFill>
+        <p:spPr>
+          <a:xfrm>
+            <a:off x="8915992" y="3833438"/>
+            <a:ext cx="476248" cy="465263"/>
+          </a:xfrm>
+          <a:prstGeom prst="rect">
+            <a:avLst/>
+          </a:prstGeom>
+        </p:spPr>
+      </p:pic>
     </p:spTree>
     <p:extLst>
       <p:ext uri="{BB962C8B-B14F-4D97-AF65-F5344CB8AC3E}">
-        <p14:creationId xmlns:p14="http://schemas.microsoft.com/office/powerpoint/2010/main" val="2959313138"/>
+        <p14:creationId xmlns:p14="http://schemas.microsoft.com/office/powerpoint/2010/main" val="3041864972"/>
       </p:ext>
     </p:extLst>
   </p:cSld>
@@ -4008,7 +7146,7 @@
           <p:cNvPr id="2" name="Title 1">
             <a:extLst>
               <a:ext uri="{FF2B5EF4-FFF2-40B4-BE49-F238E27FC236}">
-                <a16:creationId xmlns:a16="http://schemas.microsoft.com/office/drawing/2014/main" id="{5218A049-5596-4F00-A6F9-3600C0415B9F}"/>
+                <a16:creationId xmlns:a16="http://schemas.microsoft.com/office/drawing/2014/main" id="{638F1D06-83D8-4069-81B8-DB32A56A207D}"/>
               </a:ext>
             </a:extLst>
           </p:cNvPr>
@@ -4026,7 +7164,20 @@
           <a:p>
             <a:r>
               <a:rPr lang="en-US" dirty="0"/>
-              <a:t>OpenID Connect Overview</a:t>
+              <a:t>OpenID Connect Options</a:t>
+            </a:r>
+            <a:br>
+              <a:rPr lang="en-US" dirty="0"/>
+            </a:br>
+            <a:r>
+              <a:rPr lang="en-US" sz="2000" dirty="0">
+                <a:hlinkClick r:id="rId2"/>
+              </a:rPr>
+              <a:t>http://openid.net/developers/certified/</a:t>
+            </a:r>
+            <a:r>
+              <a:rPr lang="en-US" sz="2000" dirty="0"/>
+              <a:t> </a:t>
             </a:r>
           </a:p>
         </p:txBody>
@@ -4036,7 +7187,7 @@
           <p:cNvPr id="3" name="Content Placeholder 2">
             <a:extLst>
               <a:ext uri="{FF2B5EF4-FFF2-40B4-BE49-F238E27FC236}">
-                <a16:creationId xmlns:a16="http://schemas.microsoft.com/office/drawing/2014/main" id="{10A5BAB3-9281-43B1-BECD-2289251DA875}"/>
+                <a16:creationId xmlns:a16="http://schemas.microsoft.com/office/drawing/2014/main" id="{1E5DFBC5-5B8E-4213-B33F-8C1723E9D7C9}"/>
               </a:ext>
             </a:extLst>
           </p:cNvPr>
@@ -4047,19 +7198,311 @@
             <p:ph idx="1"/>
           </p:nvPr>
         </p:nvSpPr>
-        <p:spPr/>
+        <p:spPr>
+          <a:xfrm>
+            <a:off x="838200" y="1825625"/>
+            <a:ext cx="6586057" cy="4351338"/>
+          </a:xfrm>
+        </p:spPr>
         <p:txBody>
-          <a:bodyPr/>
+          <a:bodyPr>
+            <a:normAutofit lnSpcReduction="10000"/>
+          </a:bodyPr>
           <a:lstStyle/>
           <a:p>
-            <a:endParaRPr lang="en-US"/>
+            <a:pPr marL="0" indent="0">
+              <a:buNone/>
+            </a:pPr>
+            <a:r>
+              <a:rPr lang="en-US" b="1" dirty="0"/>
+              <a:t>C - </a:t>
+            </a:r>
+            <a:r>
+              <a:rPr lang="en-US" b="1" dirty="0">
+                <a:hlinkClick r:id="rId3"/>
+              </a:rPr>
+              <a:t>Apache </a:t>
+            </a:r>
+            <a:r>
+              <a:rPr lang="en-US" b="1" dirty="0" err="1">
+                <a:hlinkClick r:id="rId3"/>
+              </a:rPr>
+              <a:t>mod_auth_openidc</a:t>
+            </a:r>
+            <a:r>
+              <a:rPr lang="en-US" b="1" dirty="0">
+                <a:hlinkClick r:id="rId3"/>
+              </a:rPr>
+              <a:t> 2.3.1</a:t>
+            </a:r>
+            <a:endParaRPr lang="en-US" dirty="0"/>
+          </a:p>
+          <a:p>
+            <a:pPr marL="0" indent="0">
+              <a:buNone/>
+            </a:pPr>
+            <a:r>
+              <a:rPr lang="en-US" b="1" dirty="0"/>
+              <a:t>C# - </a:t>
+            </a:r>
+            <a:r>
+              <a:rPr lang="en-US" b="1" dirty="0" err="1">
+                <a:hlinkClick r:id="rId4"/>
+              </a:rPr>
+              <a:t>IdentityModel.OidcClient</a:t>
+            </a:r>
+            <a:r>
+              <a:rPr lang="en-US" b="1" dirty="0">
+                <a:hlinkClick r:id="rId4"/>
+              </a:rPr>
+              <a:t> 2.0</a:t>
+            </a:r>
+            <a:endParaRPr lang="en-US" b="1" dirty="0"/>
+          </a:p>
+          <a:p>
+            <a:pPr marL="0" indent="0">
+              <a:buNone/>
+            </a:pPr>
+            <a:r>
+              <a:rPr lang="en-US" b="1" dirty="0"/>
+              <a:t>Erlang - </a:t>
+            </a:r>
+            <a:r>
+              <a:rPr lang="en-US" b="1" dirty="0" err="1">
+                <a:hlinkClick r:id="rId5"/>
+              </a:rPr>
+              <a:t>oidcc</a:t>
+            </a:r>
+            <a:r>
+              <a:rPr lang="en-US" b="1" dirty="0">
+                <a:hlinkClick r:id="rId5"/>
+              </a:rPr>
+              <a:t> 1.0.1</a:t>
+            </a:r>
+            <a:endParaRPr lang="en-US" b="1" dirty="0"/>
+          </a:p>
+          <a:p>
+            <a:pPr marL="0" indent="0">
+              <a:buNone/>
+            </a:pPr>
+            <a:r>
+              <a:rPr lang="en-US" b="1" dirty="0"/>
+              <a:t>Node - </a:t>
+            </a:r>
+            <a:r>
+              <a:rPr lang="en-US" b="1" dirty="0">
+                <a:hlinkClick r:id="rId6"/>
+              </a:rPr>
+              <a:t>node </a:t>
+            </a:r>
+            <a:r>
+              <a:rPr lang="en-US" b="1" dirty="0" err="1">
+                <a:hlinkClick r:id="rId6"/>
+              </a:rPr>
+              <a:t>openid</a:t>
+            </a:r>
+            <a:r>
+              <a:rPr lang="en-US" b="1" dirty="0">
+                <a:hlinkClick r:id="rId6"/>
+              </a:rPr>
+              <a:t>-client ^1.3.0</a:t>
+            </a:r>
+            <a:endParaRPr lang="en-US" b="1" dirty="0"/>
+          </a:p>
+          <a:p>
+            <a:pPr marL="0" indent="0">
+              <a:buNone/>
+            </a:pPr>
+            <a:r>
+              <a:rPr lang="en-US" b="1" dirty="0"/>
+              <a:t>JavaScript - </a:t>
+            </a:r>
+            <a:r>
+              <a:rPr lang="en-US" b="1" dirty="0" err="1">
+                <a:hlinkClick r:id="rId7"/>
+              </a:rPr>
+              <a:t>oidc</a:t>
+            </a:r>
+            <a:r>
+              <a:rPr lang="en-US" b="1" dirty="0">
+                <a:hlinkClick r:id="rId7"/>
+              </a:rPr>
+              <a:t>-client-</a:t>
+            </a:r>
+            <a:r>
+              <a:rPr lang="en-US" b="1" dirty="0" err="1">
+                <a:hlinkClick r:id="rId7"/>
+              </a:rPr>
+              <a:t>js</a:t>
+            </a:r>
+            <a:r>
+              <a:rPr lang="en-US" b="1" dirty="0">
+                <a:hlinkClick r:id="rId7"/>
+              </a:rPr>
+              <a:t> 1.3</a:t>
+            </a:r>
+            <a:endParaRPr lang="en-US" b="1" dirty="0"/>
+          </a:p>
+          <a:p>
+            <a:pPr marL="0" indent="0">
+              <a:buNone/>
+            </a:pPr>
+            <a:r>
+              <a:rPr lang="en-US" b="1" dirty="0"/>
+              <a:t>PHP - </a:t>
+            </a:r>
+            <a:r>
+              <a:rPr lang="en-US" b="1" dirty="0" err="1">
+                <a:hlinkClick r:id="rId8"/>
+              </a:rPr>
+              <a:t>phpOIDC</a:t>
+            </a:r>
+            <a:r>
+              <a:rPr lang="en-US" b="1" dirty="0">
+                <a:hlinkClick r:id="rId8"/>
+              </a:rPr>
+              <a:t> 2016 Winter</a:t>
+            </a:r>
+            <a:endParaRPr lang="en-US" b="1" dirty="0"/>
+          </a:p>
+          <a:p>
+            <a:pPr marL="0" indent="0">
+              <a:buNone/>
+            </a:pPr>
+            <a:r>
+              <a:rPr lang="en-US" b="1" dirty="0"/>
+              <a:t>Python - </a:t>
+            </a:r>
+            <a:r>
+              <a:rPr lang="en-US" b="1" dirty="0" err="1">
+                <a:hlinkClick r:id="rId9"/>
+              </a:rPr>
+              <a:t>pyoidc</a:t>
+            </a:r>
+            <a:r>
+              <a:rPr lang="en-US" b="1" dirty="0">
+                <a:hlinkClick r:id="rId9"/>
+              </a:rPr>
+              <a:t> 0.9.4</a:t>
+            </a:r>
+            <a:endParaRPr lang="en-US" b="1" dirty="0"/>
+          </a:p>
+          <a:p>
+            <a:pPr marL="0" indent="0">
+              <a:buNone/>
+            </a:pPr>
+            <a:r>
+              <a:rPr lang="en-US" b="1" dirty="0"/>
+              <a:t>Ruby - </a:t>
+            </a:r>
+            <a:r>
+              <a:rPr lang="en-US" b="1" dirty="0" err="1">
+                <a:hlinkClick r:id="rId10"/>
+              </a:rPr>
+              <a:t>openid_connect</a:t>
+            </a:r>
+            <a:r>
+              <a:rPr lang="en-US" b="1" dirty="0">
+                <a:hlinkClick r:id="rId10"/>
+              </a:rPr>
+              <a:t> </a:t>
+            </a:r>
+            <a:r>
+              <a:rPr lang="en-US" b="1" dirty="0" err="1">
+                <a:hlinkClick r:id="rId10"/>
+              </a:rPr>
+              <a:t>rubygem</a:t>
+            </a:r>
+            <a:r>
+              <a:rPr lang="en-US" b="1" dirty="0">
+                <a:hlinkClick r:id="rId10"/>
+              </a:rPr>
+              <a:t> v1.0.3</a:t>
+            </a:r>
+            <a:endParaRPr lang="en-US" b="1" dirty="0"/>
+          </a:p>
+          <a:p>
+            <a:pPr marL="0" indent="0">
+              <a:buNone/>
+            </a:pPr>
+            <a:r>
+              <a:rPr lang="en-US" b="1" dirty="0"/>
+              <a:t>TypeScript - </a:t>
+            </a:r>
+            <a:r>
+              <a:rPr lang="en-US" b="1" dirty="0">
+                <a:hlinkClick r:id="rId11"/>
+              </a:rPr>
+              <a:t>angular-</a:t>
+            </a:r>
+            <a:r>
+              <a:rPr lang="en-US" b="1" dirty="0" err="1">
+                <a:hlinkClick r:id="rId11"/>
+              </a:rPr>
+              <a:t>auth</a:t>
+            </a:r>
+            <a:r>
+              <a:rPr lang="en-US" b="1" dirty="0">
+                <a:hlinkClick r:id="rId11"/>
+              </a:rPr>
+              <a:t>-</a:t>
+            </a:r>
+            <a:r>
+              <a:rPr lang="en-US" b="1" dirty="0" err="1">
+                <a:hlinkClick r:id="rId11"/>
+              </a:rPr>
+              <a:t>oidc</a:t>
+            </a:r>
+            <a:r>
+              <a:rPr lang="en-US" b="1" dirty="0">
+                <a:hlinkClick r:id="rId11"/>
+              </a:rPr>
+              <a:t>-client 1.0.2</a:t>
+            </a:r>
+            <a:endParaRPr lang="en-US" b="1" dirty="0"/>
           </a:p>
         </p:txBody>
       </p:sp>
+      <p:pic>
+        <p:nvPicPr>
+          <p:cNvPr id="7" name="Picture 6">
+            <a:extLst>
+              <a:ext uri="{FF2B5EF4-FFF2-40B4-BE49-F238E27FC236}">
+                <a16:creationId xmlns:a16="http://schemas.microsoft.com/office/drawing/2014/main" id="{2CCA986B-4FD7-440C-80AA-3B2A9134DB36}"/>
+              </a:ext>
+            </a:extLst>
+          </p:cNvPr>
+          <p:cNvPicPr>
+            <a:picLocks noChangeAspect="1"/>
+          </p:cNvPicPr>
+          <p:nvPr/>
+        </p:nvPicPr>
+        <p:blipFill>
+          <a:blip r:embed="rId12">
+            <a:extLst>
+              <a:ext uri="{28A0092B-C50C-407E-A947-70E740481C1C}">
+                <a14:useLocalDpi xmlns:a14="http://schemas.microsoft.com/office/drawing/2010/main" val="0"/>
+              </a:ext>
+            </a:extLst>
+          </a:blip>
+          <a:stretch>
+            <a:fillRect/>
+          </a:stretch>
+        </p:blipFill>
+        <p:spPr>
+          <a:xfrm>
+            <a:off x="7373224" y="1124124"/>
+            <a:ext cx="4207079" cy="4207079"/>
+          </a:xfrm>
+          <a:prstGeom prst="rect">
+            <a:avLst/>
+          </a:prstGeom>
+        </p:spPr>
+      </p:pic>
     </p:spTree>
     <p:extLst>
       <p:ext uri="{BB962C8B-B14F-4D97-AF65-F5344CB8AC3E}">
-        <p14:creationId xmlns:p14="http://schemas.microsoft.com/office/powerpoint/2010/main" val="3976356898"/>
+        <p14:creationId xmlns:p14="http://schemas.microsoft.com/office/powerpoint/2010/main" val="4121479310"/>
       </p:ext>
     </p:extLst>
   </p:cSld>
@@ -4091,7 +7534,7 @@
           <p:cNvPr id="2" name="Title 1">
             <a:extLst>
               <a:ext uri="{FF2B5EF4-FFF2-40B4-BE49-F238E27FC236}">
-                <a16:creationId xmlns:a16="http://schemas.microsoft.com/office/drawing/2014/main" id="{D2594EB0-941D-43D2-81F1-2CAF85E13F80}"/>
+                <a16:creationId xmlns:a16="http://schemas.microsoft.com/office/drawing/2014/main" id="{21BE6B7D-7131-427D-8D97-3FF9ABD0285C}"/>
               </a:ext>
             </a:extLst>
           </p:cNvPr>
@@ -4109,17 +7552,17 @@
           <a:p>
             <a:r>
               <a:rPr lang="en-US" dirty="0"/>
-              <a:t>Scopes, and Claims, and Bears Oh My!</a:t>
+              <a:t>What is IdentityServer4</a:t>
             </a:r>
           </a:p>
         </p:txBody>
       </p:sp>
       <p:sp>
         <p:nvSpPr>
-          <p:cNvPr id="3" name="Content Placeholder 2">
-            <a:extLst>
-              <a:ext uri="{FF2B5EF4-FFF2-40B4-BE49-F238E27FC236}">
-                <a16:creationId xmlns:a16="http://schemas.microsoft.com/office/drawing/2014/main" id="{99F6DDBA-DA4F-48C7-8E75-E10E08713671}"/>
+          <p:cNvPr id="5" name="Content Placeholder 4">
+            <a:extLst>
+              <a:ext uri="{FF2B5EF4-FFF2-40B4-BE49-F238E27FC236}">
+                <a16:creationId xmlns:a16="http://schemas.microsoft.com/office/drawing/2014/main" id="{E3A790F7-5423-4E1B-9122-5D32FBFCC288}"/>
               </a:ext>
             </a:extLst>
           </p:cNvPr>
@@ -4132,23 +7575,434 @@
         </p:nvSpPr>
         <p:spPr/>
         <p:txBody>
-          <a:bodyPr/>
+          <a:bodyPr>
+            <a:normAutofit lnSpcReduction="10000"/>
+          </a:bodyPr>
           <a:lstStyle/>
           <a:p>
-            <a:endParaRPr lang="en-US"/>
+            <a:r>
+              <a:rPr lang="en-US" dirty="0" err="1"/>
+              <a:t>IdentityServer</a:t>
+            </a:r>
+            <a:r>
+              <a:rPr lang="en-US" dirty="0"/>
+              <a:t> is a free, open source </a:t>
+            </a:r>
+            <a:r>
+              <a:rPr lang="en-US" dirty="0">
+                <a:hlinkClick r:id="rId2"/>
+              </a:rPr>
+              <a:t>OpenID Connect</a:t>
+            </a:r>
+            <a:r>
+              <a:rPr lang="en-US" dirty="0"/>
+              <a:t> and </a:t>
+            </a:r>
+            <a:r>
+              <a:rPr lang="en-US" dirty="0">
+                <a:hlinkClick r:id="rId3"/>
+              </a:rPr>
+              <a:t>OAuth 2.0</a:t>
+            </a:r>
+            <a:r>
+              <a:rPr lang="en-US" dirty="0"/>
+              <a:t> framework for ASP.NET Core.</a:t>
+            </a:r>
+          </a:p>
+          <a:p>
+            <a:r>
+              <a:rPr lang="en-US" dirty="0"/>
+              <a:t>Founded and maintained by </a:t>
+            </a:r>
+            <a:r>
+              <a:rPr lang="en-US" dirty="0">
+                <a:hlinkClick r:id="rId4"/>
+              </a:rPr>
+              <a:t>Dominick Baier</a:t>
+            </a:r>
+            <a:r>
+              <a:rPr lang="en-US" dirty="0"/>
+              <a:t> and </a:t>
+            </a:r>
+            <a:r>
+              <a:rPr lang="en-US" dirty="0">
+                <a:hlinkClick r:id="rId5"/>
+              </a:rPr>
+              <a:t>Brock Allen</a:t>
+            </a:r>
+            <a:r>
+              <a:rPr lang="en-US" dirty="0"/>
+              <a:t> </a:t>
+            </a:r>
+          </a:p>
+          <a:p>
+            <a:r>
+              <a:rPr lang="en-US" dirty="0"/>
+              <a:t>IdentityServer4 incorporates all the protocol implementations and extensibility points needed to integrate token-based authentication, single-sign-on and API access control in your applications. </a:t>
+            </a:r>
+          </a:p>
+          <a:p>
+            <a:r>
+              <a:rPr lang="en-US" dirty="0"/>
+              <a:t>IdentityServer4 is officially </a:t>
+            </a:r>
+            <a:r>
+              <a:rPr lang="en-US" dirty="0">
+                <a:hlinkClick r:id="rId6"/>
+              </a:rPr>
+              <a:t>certified</a:t>
+            </a:r>
+            <a:r>
+              <a:rPr lang="en-US" dirty="0"/>
+              <a:t> by the </a:t>
+            </a:r>
+            <a:r>
+              <a:rPr lang="en-US" dirty="0">
+                <a:hlinkClick r:id="rId7"/>
+              </a:rPr>
+              <a:t>OpenID </a:t>
+            </a:r>
+            <a:r>
+              <a:rPr lang="en-US" dirty="0" err="1">
+                <a:hlinkClick r:id="rId7"/>
+              </a:rPr>
+              <a:t>Foundation</a:t>
+            </a:r>
+            <a:r>
+              <a:rPr lang="en-US" dirty="0" err="1"/>
+              <a:t>and</a:t>
+            </a:r>
+            <a:r>
+              <a:rPr lang="en-US" dirty="0"/>
+              <a:t> thus spec-compliant and interoperable. </a:t>
+            </a:r>
+          </a:p>
+          <a:p>
+            <a:r>
+              <a:rPr lang="en-US" dirty="0"/>
+              <a:t>It is part of the </a:t>
+            </a:r>
+            <a:r>
+              <a:rPr lang="en-US" dirty="0">
+                <a:hlinkClick r:id="rId8"/>
+              </a:rPr>
+              <a:t>.NET Foundation</a:t>
+            </a:r>
+            <a:r>
+              <a:rPr lang="en-US" dirty="0"/>
+              <a:t>, and operates under their </a:t>
+            </a:r>
+            <a:r>
+              <a:rPr lang="en-US" dirty="0">
+                <a:hlinkClick r:id="rId9"/>
+              </a:rPr>
+              <a:t>code of conduct</a:t>
+            </a:r>
+            <a:r>
+              <a:rPr lang="en-US" dirty="0"/>
+              <a:t>. It is licensed under </a:t>
+            </a:r>
+            <a:r>
+              <a:rPr lang="en-US" dirty="0">
+                <a:hlinkClick r:id="rId10"/>
+              </a:rPr>
+              <a:t>Apache 2</a:t>
+            </a:r>
+            <a:r>
+              <a:rPr lang="en-US" dirty="0"/>
+              <a:t> (an OSI approved license).</a:t>
+            </a:r>
           </a:p>
         </p:txBody>
       </p:sp>
     </p:spTree>
     <p:extLst>
       <p:ext uri="{BB962C8B-B14F-4D97-AF65-F5344CB8AC3E}">
-        <p14:creationId xmlns:p14="http://schemas.microsoft.com/office/powerpoint/2010/main" val="3880435839"/>
+        <p14:creationId xmlns:p14="http://schemas.microsoft.com/office/powerpoint/2010/main" val="2621392818"/>
       </p:ext>
     </p:extLst>
   </p:cSld>
   <p:clrMapOvr>
     <a:masterClrMapping/>
   </p:clrMapOvr>
+  <p:timing>
+    <p:tnLst>
+      <p:par>
+        <p:cTn id="1" dur="indefinite" restart="never" nodeType="tmRoot">
+          <p:childTnLst>
+            <p:seq concurrent="1" nextAc="seek">
+              <p:cTn id="2" dur="indefinite" nodeType="mainSeq">
+                <p:childTnLst>
+                  <p:par>
+                    <p:cTn id="3" fill="hold">
+                      <p:stCondLst>
+                        <p:cond delay="indefinite"/>
+                      </p:stCondLst>
+                      <p:childTnLst>
+                        <p:par>
+                          <p:cTn id="4" fill="hold">
+                            <p:stCondLst>
+                              <p:cond delay="0"/>
+                            </p:stCondLst>
+                            <p:childTnLst>
+                              <p:par>
+                                <p:cTn id="5" presetID="1" presetClass="entr" presetSubtype="0" fill="hold" grpId="0" nodeType="clickEffect">
+                                  <p:stCondLst>
+                                    <p:cond delay="0"/>
+                                  </p:stCondLst>
+                                  <p:childTnLst>
+                                    <p:set>
+                                      <p:cBhvr>
+                                        <p:cTn id="6" dur="1" fill="hold">
+                                          <p:stCondLst>
+                                            <p:cond delay="0"/>
+                                          </p:stCondLst>
+                                        </p:cTn>
+                                        <p:tgtEl>
+                                          <p:spTgt spid="5">
+                                            <p:txEl>
+                                              <p:pRg st="0" end="0"/>
+                                            </p:txEl>
+                                          </p:spTgt>
+                                        </p:tgtEl>
+                                        <p:attrNameLst>
+                                          <p:attrName>style.visibility</p:attrName>
+                                        </p:attrNameLst>
+                                      </p:cBhvr>
+                                      <p:to>
+                                        <p:strVal val="visible"/>
+                                      </p:to>
+                                    </p:set>
+                                  </p:childTnLst>
+                                </p:cTn>
+                              </p:par>
+                            </p:childTnLst>
+                          </p:cTn>
+                        </p:par>
+                      </p:childTnLst>
+                    </p:cTn>
+                  </p:par>
+                  <p:par>
+                    <p:cTn id="7" fill="hold">
+                      <p:stCondLst>
+                        <p:cond delay="indefinite"/>
+                      </p:stCondLst>
+                      <p:childTnLst>
+                        <p:par>
+                          <p:cTn id="8" fill="hold">
+                            <p:stCondLst>
+                              <p:cond delay="0"/>
+                            </p:stCondLst>
+                            <p:childTnLst>
+                              <p:par>
+                                <p:cTn id="9" presetID="1" presetClass="entr" presetSubtype="0" fill="hold" grpId="0" nodeType="clickEffect">
+                                  <p:stCondLst>
+                                    <p:cond delay="0"/>
+                                  </p:stCondLst>
+                                  <p:childTnLst>
+                                    <p:set>
+                                      <p:cBhvr>
+                                        <p:cTn id="10" dur="1" fill="hold">
+                                          <p:stCondLst>
+                                            <p:cond delay="0"/>
+                                          </p:stCondLst>
+                                        </p:cTn>
+                                        <p:tgtEl>
+                                          <p:spTgt spid="5">
+                                            <p:txEl>
+                                              <p:pRg st="1" end="1"/>
+                                            </p:txEl>
+                                          </p:spTgt>
+                                        </p:tgtEl>
+                                        <p:attrNameLst>
+                                          <p:attrName>style.visibility</p:attrName>
+                                        </p:attrNameLst>
+                                      </p:cBhvr>
+                                      <p:to>
+                                        <p:strVal val="visible"/>
+                                      </p:to>
+                                    </p:set>
+                                  </p:childTnLst>
+                                </p:cTn>
+                              </p:par>
+                            </p:childTnLst>
+                          </p:cTn>
+                        </p:par>
+                      </p:childTnLst>
+                    </p:cTn>
+                  </p:par>
+                  <p:par>
+                    <p:cTn id="11" fill="hold">
+                      <p:stCondLst>
+                        <p:cond delay="indefinite"/>
+                      </p:stCondLst>
+                      <p:childTnLst>
+                        <p:par>
+                          <p:cTn id="12" fill="hold">
+                            <p:stCondLst>
+                              <p:cond delay="0"/>
+                            </p:stCondLst>
+                            <p:childTnLst>
+                              <p:par>
+                                <p:cTn id="13" presetID="1" presetClass="entr" presetSubtype="0" fill="hold" grpId="0" nodeType="clickEffect">
+                                  <p:stCondLst>
+                                    <p:cond delay="0"/>
+                                  </p:stCondLst>
+                                  <p:childTnLst>
+                                    <p:set>
+                                      <p:cBhvr>
+                                        <p:cTn id="14" dur="1" fill="hold">
+                                          <p:stCondLst>
+                                            <p:cond delay="0"/>
+                                          </p:stCondLst>
+                                        </p:cTn>
+                                        <p:tgtEl>
+                                          <p:spTgt spid="5">
+                                            <p:txEl>
+                                              <p:pRg st="2" end="2"/>
+                                            </p:txEl>
+                                          </p:spTgt>
+                                        </p:tgtEl>
+                                        <p:attrNameLst>
+                                          <p:attrName>style.visibility</p:attrName>
+                                        </p:attrNameLst>
+                                      </p:cBhvr>
+                                      <p:to>
+                                        <p:strVal val="visible"/>
+                                      </p:to>
+                                    </p:set>
+                                  </p:childTnLst>
+                                </p:cTn>
+                              </p:par>
+                            </p:childTnLst>
+                          </p:cTn>
+                        </p:par>
+                      </p:childTnLst>
+                    </p:cTn>
+                  </p:par>
+                  <p:par>
+                    <p:cTn id="15" fill="hold">
+                      <p:stCondLst>
+                        <p:cond delay="indefinite"/>
+                      </p:stCondLst>
+                      <p:childTnLst>
+                        <p:par>
+                          <p:cTn id="16" fill="hold">
+                            <p:stCondLst>
+                              <p:cond delay="0"/>
+                            </p:stCondLst>
+                            <p:childTnLst>
+                              <p:par>
+                                <p:cTn id="17" presetID="1" presetClass="entr" presetSubtype="0" fill="hold" grpId="0" nodeType="clickEffect">
+                                  <p:stCondLst>
+                                    <p:cond delay="0"/>
+                                  </p:stCondLst>
+                                  <p:childTnLst>
+                                    <p:set>
+                                      <p:cBhvr>
+                                        <p:cTn id="18" dur="1" fill="hold">
+                                          <p:stCondLst>
+                                            <p:cond delay="0"/>
+                                          </p:stCondLst>
+                                        </p:cTn>
+                                        <p:tgtEl>
+                                          <p:spTgt spid="5">
+                                            <p:txEl>
+                                              <p:pRg st="3" end="3"/>
+                                            </p:txEl>
+                                          </p:spTgt>
+                                        </p:tgtEl>
+                                        <p:attrNameLst>
+                                          <p:attrName>style.visibility</p:attrName>
+                                        </p:attrNameLst>
+                                      </p:cBhvr>
+                                      <p:to>
+                                        <p:strVal val="visible"/>
+                                      </p:to>
+                                    </p:set>
+                                  </p:childTnLst>
+                                </p:cTn>
+                              </p:par>
+                            </p:childTnLst>
+                          </p:cTn>
+                        </p:par>
+                      </p:childTnLst>
+                    </p:cTn>
+                  </p:par>
+                  <p:par>
+                    <p:cTn id="19" fill="hold">
+                      <p:stCondLst>
+                        <p:cond delay="indefinite"/>
+                      </p:stCondLst>
+                      <p:childTnLst>
+                        <p:par>
+                          <p:cTn id="20" fill="hold">
+                            <p:stCondLst>
+                              <p:cond delay="0"/>
+                            </p:stCondLst>
+                            <p:childTnLst>
+                              <p:par>
+                                <p:cTn id="21" presetID="1" presetClass="entr" presetSubtype="0" fill="hold" grpId="0" nodeType="clickEffect">
+                                  <p:stCondLst>
+                                    <p:cond delay="0"/>
+                                  </p:stCondLst>
+                                  <p:childTnLst>
+                                    <p:set>
+                                      <p:cBhvr>
+                                        <p:cTn id="22" dur="1" fill="hold">
+                                          <p:stCondLst>
+                                            <p:cond delay="0"/>
+                                          </p:stCondLst>
+                                        </p:cTn>
+                                        <p:tgtEl>
+                                          <p:spTgt spid="5">
+                                            <p:txEl>
+                                              <p:pRg st="4" end="4"/>
+                                            </p:txEl>
+                                          </p:spTgt>
+                                        </p:tgtEl>
+                                        <p:attrNameLst>
+                                          <p:attrName>style.visibility</p:attrName>
+                                        </p:attrNameLst>
+                                      </p:cBhvr>
+                                      <p:to>
+                                        <p:strVal val="visible"/>
+                                      </p:to>
+                                    </p:set>
+                                  </p:childTnLst>
+                                </p:cTn>
+                              </p:par>
+                            </p:childTnLst>
+                          </p:cTn>
+                        </p:par>
+                      </p:childTnLst>
+                    </p:cTn>
+                  </p:par>
+                </p:childTnLst>
+              </p:cTn>
+              <p:prevCondLst>
+                <p:cond evt="onPrev" delay="0">
+                  <p:tgtEl>
+                    <p:sldTgt/>
+                  </p:tgtEl>
+                </p:cond>
+              </p:prevCondLst>
+              <p:nextCondLst>
+                <p:cond evt="onNext" delay="0">
+                  <p:tgtEl>
+                    <p:sldTgt/>
+                  </p:tgtEl>
+                </p:cond>
+              </p:nextCondLst>
+            </p:seq>
+          </p:childTnLst>
+        </p:cTn>
+      </p:par>
+    </p:tnLst>
+    <p:bldLst>
+      <p:bldP spid="5" grpId="0" build="p"/>
+    </p:bldLst>
+  </p:timing>
 </p:sld>
 </file>
 
@@ -4174,7 +8028,7 @@
           <p:cNvPr id="2" name="Title 1">
             <a:extLst>
               <a:ext uri="{FF2B5EF4-FFF2-40B4-BE49-F238E27FC236}">
-                <a16:creationId xmlns:a16="http://schemas.microsoft.com/office/drawing/2014/main" id="{9A78E392-F943-4E88-9964-120CD411789A}"/>
+                <a16:creationId xmlns:a16="http://schemas.microsoft.com/office/drawing/2014/main" id="{26CBC395-8371-4FE0-AE91-8364FA5D2690}"/>
               </a:ext>
             </a:extLst>
           </p:cNvPr>
@@ -4192,7 +8046,7 @@
           <a:p>
             <a:r>
               <a:rPr lang="en-US" dirty="0"/>
-              <a:t>API Resource Scopes</a:t>
+              <a:t>Why IdentityServer4?</a:t>
             </a:r>
           </a:p>
         </p:txBody>
@@ -4202,7 +8056,7 @@
           <p:cNvPr id="3" name="Content Placeholder 2">
             <a:extLst>
               <a:ext uri="{FF2B5EF4-FFF2-40B4-BE49-F238E27FC236}">
-                <a16:creationId xmlns:a16="http://schemas.microsoft.com/office/drawing/2014/main" id="{CF844141-4875-4D29-991C-2C88B752FA0E}"/>
+                <a16:creationId xmlns:a16="http://schemas.microsoft.com/office/drawing/2014/main" id="{8BB021B1-8697-48E6-A29D-22DFF0CFDD57}"/>
               </a:ext>
             </a:extLst>
           </p:cNvPr>
@@ -4215,23 +8069,475 @@
         </p:nvSpPr>
         <p:spPr/>
         <p:txBody>
-          <a:bodyPr/>
+          <a:bodyPr>
+            <a:normAutofit fontScale="92500" lnSpcReduction="10000"/>
+          </a:bodyPr>
           <a:lstStyle/>
           <a:p>
-            <a:endParaRPr lang="en-US"/>
+            <a:r>
+              <a:rPr lang="en-US" dirty="0"/>
+              <a:t>Open Source: </a:t>
+            </a:r>
+            <a:r>
+              <a:rPr lang="en-US" dirty="0">
+                <a:hlinkClick r:id="rId2"/>
+              </a:rPr>
+              <a:t>https://github.com/IdentityServer/IdentityServer4</a:t>
+            </a:r>
+            <a:endParaRPr lang="en-US" dirty="0"/>
+          </a:p>
+          <a:p>
+            <a:r>
+              <a:rPr lang="en-US" dirty="0"/>
+              <a:t>Extensive Documentation: </a:t>
+            </a:r>
+            <a:r>
+              <a:rPr lang="en-US" dirty="0">
+                <a:hlinkClick r:id="rId3"/>
+              </a:rPr>
+              <a:t>http://docs.identityserver.io/en/release/</a:t>
+            </a:r>
+            <a:endParaRPr lang="en-US" dirty="0"/>
+          </a:p>
+          <a:p>
+            <a:r>
+              <a:rPr lang="en-US" dirty="0"/>
+              <a:t>Samples, Samples, Samples: </a:t>
+            </a:r>
+            <a:r>
+              <a:rPr lang="en-US" dirty="0">
+                <a:hlinkClick r:id="rId4"/>
+              </a:rPr>
+              <a:t>https://github.com/leastprivilege/AspNetCoreSecuritySamples</a:t>
+            </a:r>
+            <a:endParaRPr lang="en-US" dirty="0"/>
+          </a:p>
+          <a:p>
+            <a:r>
+              <a:rPr lang="en-US" dirty="0"/>
+              <a:t>Very active community: </a:t>
+            </a:r>
+            <a:r>
+              <a:rPr lang="en-US" dirty="0">
+                <a:hlinkClick r:id="rId5"/>
+              </a:rPr>
+              <a:t>https://stackoverflow.com/questions/tagged/?tagnames=identityserver4&amp;sort=newest</a:t>
+            </a:r>
+            <a:endParaRPr lang="en-US" dirty="0"/>
+          </a:p>
+          <a:p>
+            <a:r>
+              <a:rPr lang="en-US" dirty="0"/>
+              <a:t>Did I already say the community is very active: </a:t>
+            </a:r>
+            <a:r>
+              <a:rPr lang="en-US" dirty="0">
+                <a:hlinkClick r:id="rId6"/>
+              </a:rPr>
+              <a:t>https://github.com/IdentityServer/IdentityServer4/issues</a:t>
+            </a:r>
+            <a:endParaRPr lang="en-US" dirty="0"/>
+          </a:p>
+          <a:p>
+            <a:r>
+              <a:rPr lang="en-US" dirty="0"/>
+              <a:t>You can customize everything!</a:t>
+            </a:r>
+          </a:p>
+          <a:p>
+            <a:r>
+              <a:rPr lang="en-US" dirty="0"/>
+              <a:t>Part of .NET Foundation, so it works with all of your Microsoft stack.</a:t>
+            </a:r>
           </a:p>
         </p:txBody>
       </p:sp>
     </p:spTree>
     <p:extLst>
       <p:ext uri="{BB962C8B-B14F-4D97-AF65-F5344CB8AC3E}">
-        <p14:creationId xmlns:p14="http://schemas.microsoft.com/office/powerpoint/2010/main" val="1677853554"/>
+        <p14:creationId xmlns:p14="http://schemas.microsoft.com/office/powerpoint/2010/main" val="2959313138"/>
       </p:ext>
     </p:extLst>
   </p:cSld>
   <p:clrMapOvr>
     <a:masterClrMapping/>
   </p:clrMapOvr>
+  <p:timing>
+    <p:tnLst>
+      <p:par>
+        <p:cTn id="1" dur="indefinite" restart="never" nodeType="tmRoot">
+          <p:childTnLst>
+            <p:seq concurrent="1" nextAc="seek">
+              <p:cTn id="2" dur="indefinite" nodeType="mainSeq">
+                <p:childTnLst>
+                  <p:par>
+                    <p:cTn id="3" fill="hold">
+                      <p:stCondLst>
+                        <p:cond delay="indefinite"/>
+                      </p:stCondLst>
+                      <p:childTnLst>
+                        <p:par>
+                          <p:cTn id="4" fill="hold">
+                            <p:stCondLst>
+                              <p:cond delay="0"/>
+                            </p:stCondLst>
+                            <p:childTnLst>
+                              <p:par>
+                                <p:cTn id="5" presetID="1" presetClass="entr" presetSubtype="0" fill="hold" grpId="0" nodeType="clickEffect">
+                                  <p:stCondLst>
+                                    <p:cond delay="0"/>
+                                  </p:stCondLst>
+                                  <p:childTnLst>
+                                    <p:set>
+                                      <p:cBhvr>
+                                        <p:cTn id="6" dur="1" fill="hold">
+                                          <p:stCondLst>
+                                            <p:cond delay="0"/>
+                                          </p:stCondLst>
+                                        </p:cTn>
+                                        <p:tgtEl>
+                                          <p:spTgt spid="3">
+                                            <p:txEl>
+                                              <p:pRg st="0" end="0"/>
+                                            </p:txEl>
+                                          </p:spTgt>
+                                        </p:tgtEl>
+                                        <p:attrNameLst>
+                                          <p:attrName>style.visibility</p:attrName>
+                                        </p:attrNameLst>
+                                      </p:cBhvr>
+                                      <p:to>
+                                        <p:strVal val="visible"/>
+                                      </p:to>
+                                    </p:set>
+                                  </p:childTnLst>
+                                </p:cTn>
+                              </p:par>
+                            </p:childTnLst>
+                          </p:cTn>
+                        </p:par>
+                      </p:childTnLst>
+                    </p:cTn>
+                  </p:par>
+                  <p:par>
+                    <p:cTn id="7" fill="hold">
+                      <p:stCondLst>
+                        <p:cond delay="indefinite"/>
+                      </p:stCondLst>
+                      <p:childTnLst>
+                        <p:par>
+                          <p:cTn id="8" fill="hold">
+                            <p:stCondLst>
+                              <p:cond delay="0"/>
+                            </p:stCondLst>
+                            <p:childTnLst>
+                              <p:par>
+                                <p:cTn id="9" presetID="1" presetClass="entr" presetSubtype="0" fill="hold" grpId="0" nodeType="clickEffect">
+                                  <p:stCondLst>
+                                    <p:cond delay="0"/>
+                                  </p:stCondLst>
+                                  <p:childTnLst>
+                                    <p:set>
+                                      <p:cBhvr>
+                                        <p:cTn id="10" dur="1" fill="hold">
+                                          <p:stCondLst>
+                                            <p:cond delay="0"/>
+                                          </p:stCondLst>
+                                        </p:cTn>
+                                        <p:tgtEl>
+                                          <p:spTgt spid="3">
+                                            <p:txEl>
+                                              <p:pRg st="1" end="1"/>
+                                            </p:txEl>
+                                          </p:spTgt>
+                                        </p:tgtEl>
+                                        <p:attrNameLst>
+                                          <p:attrName>style.visibility</p:attrName>
+                                        </p:attrNameLst>
+                                      </p:cBhvr>
+                                      <p:to>
+                                        <p:strVal val="visible"/>
+                                      </p:to>
+                                    </p:set>
+                                  </p:childTnLst>
+                                </p:cTn>
+                              </p:par>
+                            </p:childTnLst>
+                          </p:cTn>
+                        </p:par>
+                      </p:childTnLst>
+                    </p:cTn>
+                  </p:par>
+                  <p:par>
+                    <p:cTn id="11" fill="hold">
+                      <p:stCondLst>
+                        <p:cond delay="indefinite"/>
+                      </p:stCondLst>
+                      <p:childTnLst>
+                        <p:par>
+                          <p:cTn id="12" fill="hold">
+                            <p:stCondLst>
+                              <p:cond delay="0"/>
+                            </p:stCondLst>
+                            <p:childTnLst>
+                              <p:par>
+                                <p:cTn id="13" presetID="1" presetClass="entr" presetSubtype="0" fill="hold" grpId="0" nodeType="clickEffect">
+                                  <p:stCondLst>
+                                    <p:cond delay="0"/>
+                                  </p:stCondLst>
+                                  <p:childTnLst>
+                                    <p:set>
+                                      <p:cBhvr>
+                                        <p:cTn id="14" dur="1" fill="hold">
+                                          <p:stCondLst>
+                                            <p:cond delay="0"/>
+                                          </p:stCondLst>
+                                        </p:cTn>
+                                        <p:tgtEl>
+                                          <p:spTgt spid="3">
+                                            <p:txEl>
+                                              <p:pRg st="2" end="2"/>
+                                            </p:txEl>
+                                          </p:spTgt>
+                                        </p:tgtEl>
+                                        <p:attrNameLst>
+                                          <p:attrName>style.visibility</p:attrName>
+                                        </p:attrNameLst>
+                                      </p:cBhvr>
+                                      <p:to>
+                                        <p:strVal val="visible"/>
+                                      </p:to>
+                                    </p:set>
+                                  </p:childTnLst>
+                                </p:cTn>
+                              </p:par>
+                            </p:childTnLst>
+                          </p:cTn>
+                        </p:par>
+                      </p:childTnLst>
+                    </p:cTn>
+                  </p:par>
+                  <p:par>
+                    <p:cTn id="15" fill="hold">
+                      <p:stCondLst>
+                        <p:cond delay="indefinite"/>
+                      </p:stCondLst>
+                      <p:childTnLst>
+                        <p:par>
+                          <p:cTn id="16" fill="hold">
+                            <p:stCondLst>
+                              <p:cond delay="0"/>
+                            </p:stCondLst>
+                            <p:childTnLst>
+                              <p:par>
+                                <p:cTn id="17" presetID="1" presetClass="entr" presetSubtype="0" fill="hold" grpId="0" nodeType="clickEffect">
+                                  <p:stCondLst>
+                                    <p:cond delay="0"/>
+                                  </p:stCondLst>
+                                  <p:childTnLst>
+                                    <p:set>
+                                      <p:cBhvr>
+                                        <p:cTn id="18" dur="1" fill="hold">
+                                          <p:stCondLst>
+                                            <p:cond delay="0"/>
+                                          </p:stCondLst>
+                                        </p:cTn>
+                                        <p:tgtEl>
+                                          <p:spTgt spid="3">
+                                            <p:txEl>
+                                              <p:pRg st="3" end="3"/>
+                                            </p:txEl>
+                                          </p:spTgt>
+                                        </p:tgtEl>
+                                        <p:attrNameLst>
+                                          <p:attrName>style.visibility</p:attrName>
+                                        </p:attrNameLst>
+                                      </p:cBhvr>
+                                      <p:to>
+                                        <p:strVal val="visible"/>
+                                      </p:to>
+                                    </p:set>
+                                  </p:childTnLst>
+                                </p:cTn>
+                              </p:par>
+                            </p:childTnLst>
+                          </p:cTn>
+                        </p:par>
+                      </p:childTnLst>
+                    </p:cTn>
+                  </p:par>
+                  <p:par>
+                    <p:cTn id="19" fill="hold">
+                      <p:stCondLst>
+                        <p:cond delay="indefinite"/>
+                      </p:stCondLst>
+                      <p:childTnLst>
+                        <p:par>
+                          <p:cTn id="20" fill="hold">
+                            <p:stCondLst>
+                              <p:cond delay="0"/>
+                            </p:stCondLst>
+                            <p:childTnLst>
+                              <p:par>
+                                <p:cTn id="21" presetID="1" presetClass="entr" presetSubtype="0" fill="hold" grpId="0" nodeType="clickEffect">
+                                  <p:stCondLst>
+                                    <p:cond delay="0"/>
+                                  </p:stCondLst>
+                                  <p:childTnLst>
+                                    <p:set>
+                                      <p:cBhvr>
+                                        <p:cTn id="22" dur="1" fill="hold">
+                                          <p:stCondLst>
+                                            <p:cond delay="0"/>
+                                          </p:stCondLst>
+                                        </p:cTn>
+                                        <p:tgtEl>
+                                          <p:spTgt spid="3">
+                                            <p:txEl>
+                                              <p:pRg st="4" end="4"/>
+                                            </p:txEl>
+                                          </p:spTgt>
+                                        </p:tgtEl>
+                                        <p:attrNameLst>
+                                          <p:attrName>style.visibility</p:attrName>
+                                        </p:attrNameLst>
+                                      </p:cBhvr>
+                                      <p:to>
+                                        <p:strVal val="visible"/>
+                                      </p:to>
+                                    </p:set>
+                                  </p:childTnLst>
+                                </p:cTn>
+                              </p:par>
+                            </p:childTnLst>
+                          </p:cTn>
+                        </p:par>
+                      </p:childTnLst>
+                    </p:cTn>
+                  </p:par>
+                  <p:par>
+                    <p:cTn id="23" fill="hold">
+                      <p:stCondLst>
+                        <p:cond delay="indefinite"/>
+                      </p:stCondLst>
+                      <p:childTnLst>
+                        <p:par>
+                          <p:cTn id="24" fill="hold">
+                            <p:stCondLst>
+                              <p:cond delay="0"/>
+                            </p:stCondLst>
+                            <p:childTnLst>
+                              <p:par>
+                                <p:cTn id="25" presetID="1" presetClass="entr" presetSubtype="0" fill="hold" grpId="0" nodeType="clickEffect">
+                                  <p:stCondLst>
+                                    <p:cond delay="0"/>
+                                  </p:stCondLst>
+                                  <p:childTnLst>
+                                    <p:set>
+                                      <p:cBhvr>
+                                        <p:cTn id="26" dur="1" fill="hold">
+                                          <p:stCondLst>
+                                            <p:cond delay="0"/>
+                                          </p:stCondLst>
+                                        </p:cTn>
+                                        <p:tgtEl>
+                                          <p:spTgt spid="3">
+                                            <p:txEl>
+                                              <p:pRg st="5" end="5"/>
+                                            </p:txEl>
+                                          </p:spTgt>
+                                        </p:tgtEl>
+                                        <p:attrNameLst>
+                                          <p:attrName>style.visibility</p:attrName>
+                                        </p:attrNameLst>
+                                      </p:cBhvr>
+                                      <p:to>
+                                        <p:strVal val="visible"/>
+                                      </p:to>
+                                    </p:set>
+                                  </p:childTnLst>
+                                </p:cTn>
+                              </p:par>
+                            </p:childTnLst>
+                          </p:cTn>
+                        </p:par>
+                      </p:childTnLst>
+                    </p:cTn>
+                  </p:par>
+                  <p:par>
+                    <p:cTn id="27" fill="hold">
+                      <p:stCondLst>
+                        <p:cond delay="indefinite"/>
+                      </p:stCondLst>
+                      <p:childTnLst>
+                        <p:par>
+                          <p:cTn id="28" fill="hold">
+                            <p:stCondLst>
+                              <p:cond delay="0"/>
+                            </p:stCondLst>
+                            <p:childTnLst>
+                              <p:par>
+                                <p:cTn id="29" presetID="1" presetClass="entr" presetSubtype="0" fill="hold" grpId="0" nodeType="clickEffect">
+                                  <p:stCondLst>
+                                    <p:cond delay="0"/>
+                                  </p:stCondLst>
+                                  <p:childTnLst>
+                                    <p:set>
+                                      <p:cBhvr>
+                                        <p:cTn id="30" dur="1" fill="hold">
+                                          <p:stCondLst>
+                                            <p:cond delay="0"/>
+                                          </p:stCondLst>
+                                        </p:cTn>
+                                        <p:tgtEl>
+                                          <p:spTgt spid="3">
+                                            <p:txEl>
+                                              <p:pRg st="6" end="6"/>
+                                            </p:txEl>
+                                          </p:spTgt>
+                                        </p:tgtEl>
+                                        <p:attrNameLst>
+                                          <p:attrName>style.visibility</p:attrName>
+                                        </p:attrNameLst>
+                                      </p:cBhvr>
+                                      <p:to>
+                                        <p:strVal val="visible"/>
+                                      </p:to>
+                                    </p:set>
+                                  </p:childTnLst>
+                                </p:cTn>
+                              </p:par>
+                            </p:childTnLst>
+                          </p:cTn>
+                        </p:par>
+                      </p:childTnLst>
+                    </p:cTn>
+                  </p:par>
+                </p:childTnLst>
+              </p:cTn>
+              <p:prevCondLst>
+                <p:cond evt="onPrev" delay="0">
+                  <p:tgtEl>
+                    <p:sldTgt/>
+                  </p:tgtEl>
+                </p:cond>
+              </p:prevCondLst>
+              <p:nextCondLst>
+                <p:cond evt="onNext" delay="0">
+                  <p:tgtEl>
+                    <p:sldTgt/>
+                  </p:tgtEl>
+                </p:cond>
+              </p:nextCondLst>
+            </p:seq>
+          </p:childTnLst>
+        </p:cTn>
+      </p:par>
+    </p:tnLst>
+    <p:bldLst>
+      <p:bldP spid="3" grpId="0" build="p"/>
+    </p:bldLst>
+  </p:timing>
 </p:sld>
 </file>
 
@@ -4257,7 +8563,7 @@
           <p:cNvPr id="2" name="Title 1">
             <a:extLst>
               <a:ext uri="{FF2B5EF4-FFF2-40B4-BE49-F238E27FC236}">
-                <a16:creationId xmlns:a16="http://schemas.microsoft.com/office/drawing/2014/main" id="{0CE6D84E-BBFB-4105-8E05-EC62F2C0FD58}"/>
+                <a16:creationId xmlns:a16="http://schemas.microsoft.com/office/drawing/2014/main" id="{5218A049-5596-4F00-A6F9-3600C0415B9F}"/>
               </a:ext>
             </a:extLst>
           </p:cNvPr>
@@ -4275,40 +8581,51 @@
           <a:p>
             <a:r>
               <a:rPr lang="en-US" dirty="0"/>
-              <a:t>Identity Resource Scopes</a:t>
+              <a:t>OpenID Connect Overview</a:t>
             </a:r>
           </a:p>
         </p:txBody>
       </p:sp>
-      <p:sp>
-        <p:nvSpPr>
-          <p:cNvPr id="3" name="Content Placeholder 2">
-            <a:extLst>
-              <a:ext uri="{FF2B5EF4-FFF2-40B4-BE49-F238E27FC236}">
-                <a16:creationId xmlns:a16="http://schemas.microsoft.com/office/drawing/2014/main" id="{FAFDE660-BD68-4F44-9598-66656760050C}"/>
-              </a:ext>
-            </a:extLst>
-          </p:cNvPr>
-          <p:cNvSpPr>
-            <a:spLocks noGrp="1"/>
-          </p:cNvSpPr>
-          <p:nvPr>
-            <p:ph idx="1"/>
-          </p:nvPr>
-        </p:nvSpPr>
-        <p:spPr/>
-        <p:txBody>
-          <a:bodyPr/>
-          <a:lstStyle/>
-          <a:p>
-            <a:endParaRPr lang="en-US"/>
-          </a:p>
-        </p:txBody>
-      </p:sp>
+      <p:pic>
+        <p:nvPicPr>
+          <p:cNvPr id="11" name="Picture 10">
+            <a:extLst>
+              <a:ext uri="{FF2B5EF4-FFF2-40B4-BE49-F238E27FC236}">
+                <a16:creationId xmlns:a16="http://schemas.microsoft.com/office/drawing/2014/main" id="{FF77AD41-8CBA-471A-BC1C-F8CA053AED63}"/>
+              </a:ext>
+            </a:extLst>
+          </p:cNvPr>
+          <p:cNvPicPr>
+            <a:picLocks noChangeAspect="1"/>
+          </p:cNvPicPr>
+          <p:nvPr/>
+        </p:nvPicPr>
+        <p:blipFill>
+          <a:blip r:embed="rId2">
+            <a:extLst>
+              <a:ext uri="{28A0092B-C50C-407E-A947-70E740481C1C}">
+                <a14:useLocalDpi xmlns:a14="http://schemas.microsoft.com/office/drawing/2010/main" val="0"/>
+              </a:ext>
+            </a:extLst>
+          </a:blip>
+          <a:stretch>
+            <a:fillRect/>
+          </a:stretch>
+        </p:blipFill>
+        <p:spPr>
+          <a:xfrm>
+            <a:off x="838200" y="1459683"/>
+            <a:ext cx="9306187" cy="5173936"/>
+          </a:xfrm>
+          <a:prstGeom prst="rect">
+            <a:avLst/>
+          </a:prstGeom>
+        </p:spPr>
+      </p:pic>
     </p:spTree>
     <p:extLst>
       <p:ext uri="{BB962C8B-B14F-4D97-AF65-F5344CB8AC3E}">
-        <p14:creationId xmlns:p14="http://schemas.microsoft.com/office/powerpoint/2010/main" val="179685482"/>
+        <p14:creationId xmlns:p14="http://schemas.microsoft.com/office/powerpoint/2010/main" val="3976356898"/>
       </p:ext>
     </p:extLst>
   </p:cSld>
@@ -4340,7 +8657,7 @@
           <p:cNvPr id="2" name="Title 1">
             <a:extLst>
               <a:ext uri="{FF2B5EF4-FFF2-40B4-BE49-F238E27FC236}">
-                <a16:creationId xmlns:a16="http://schemas.microsoft.com/office/drawing/2014/main" id="{3B1DE7A7-F17A-44FB-9C2F-7808F6C0618B}"/>
+                <a16:creationId xmlns:a16="http://schemas.microsoft.com/office/drawing/2014/main" id="{D2594EB0-941D-43D2-81F1-2CAF85E13F80}"/>
               </a:ext>
             </a:extLst>
           </p:cNvPr>
@@ -4358,17 +8675,17 @@
           <a:p>
             <a:r>
               <a:rPr lang="en-US" dirty="0"/>
-              <a:t>Getting Started With .NET Core </a:t>
+              <a:t>Scopes, and Claims, and Bears Oh My!</a:t>
             </a:r>
           </a:p>
         </p:txBody>
       </p:sp>
       <p:sp>
         <p:nvSpPr>
-          <p:cNvPr id="3" name="Content Placeholder 2">
-            <a:extLst>
-              <a:ext uri="{FF2B5EF4-FFF2-40B4-BE49-F238E27FC236}">
-                <a16:creationId xmlns:a16="http://schemas.microsoft.com/office/drawing/2014/main" id="{DF45835D-E186-4C14-A7BD-F015267D9B04}"/>
+          <p:cNvPr id="5" name="Content Placeholder 4">
+            <a:extLst>
+              <a:ext uri="{FF2B5EF4-FFF2-40B4-BE49-F238E27FC236}">
+                <a16:creationId xmlns:a16="http://schemas.microsoft.com/office/drawing/2014/main" id="{60245977-FB64-4062-94BC-1544CDB4CD0E}"/>
               </a:ext>
             </a:extLst>
           </p:cNvPr>
@@ -4376,28 +8693,787 @@
             <a:spLocks noGrp="1"/>
           </p:cNvSpPr>
           <p:nvPr>
-            <p:ph idx="1"/>
+            <p:ph sz="half" idx="1"/>
           </p:nvPr>
         </p:nvSpPr>
         <p:spPr/>
         <p:txBody>
-          <a:bodyPr/>
+          <a:bodyPr>
+            <a:normAutofit fontScale="92500" lnSpcReduction="10000"/>
+          </a:bodyPr>
           <a:lstStyle/>
           <a:p>
-            <a:endParaRPr lang="en-US" dirty="0"/>
+            <a:pPr marL="0" indent="0">
+              <a:buNone/>
+            </a:pPr>
+            <a:r>
+              <a:rPr lang="en-US" dirty="0"/>
+              <a:t>What are scopes?</a:t>
+            </a:r>
+          </a:p>
+          <a:p>
+            <a:r>
+              <a:rPr lang="en-US" dirty="0"/>
+              <a:t>The first thing you typically define in your system are the resources that you want to protect. That could be identity information of your users like profile data or email addresses or access to APIs.</a:t>
+            </a:r>
+          </a:p>
+          <a:p>
+            <a:pPr marL="0" indent="0">
+              <a:buNone/>
+            </a:pPr>
+            <a:r>
+              <a:rPr lang="en-US" dirty="0"/>
+              <a:t>Identity </a:t>
+            </a:r>
+          </a:p>
+          <a:p>
+            <a:r>
+              <a:rPr lang="en-US" dirty="0"/>
+              <a:t>Identity Scopes define your user data and are provided in the Identity Token</a:t>
+            </a:r>
           </a:p>
         </p:txBody>
       </p:sp>
+      <p:pic>
+        <p:nvPicPr>
+          <p:cNvPr id="6" name="Content Placeholder 5">
+            <a:extLst>
+              <a:ext uri="{FF2B5EF4-FFF2-40B4-BE49-F238E27FC236}">
+                <a16:creationId xmlns:a16="http://schemas.microsoft.com/office/drawing/2014/main" id="{62C056EC-799C-4241-989D-5E058AED6ED3}"/>
+              </a:ext>
+            </a:extLst>
+          </p:cNvPr>
+          <p:cNvPicPr>
+            <a:picLocks noGrp="1" noChangeAspect="1"/>
+          </p:cNvPicPr>
+          <p:nvPr>
+            <p:ph sz="half" idx="2"/>
+          </p:nvPr>
+        </p:nvPicPr>
+        <p:blipFill>
+          <a:blip r:embed="rId2">
+            <a:extLst>
+              <a:ext uri="{28A0092B-C50C-407E-A947-70E740481C1C}">
+                <a14:useLocalDpi xmlns:a14="http://schemas.microsoft.com/office/drawing/2010/main" val="0"/>
+              </a:ext>
+              <a:ext uri="{837473B0-CC2E-450A-ABE3-18F120FF3D39}">
+                <a1611:picAttrSrcUrl xmlns:a1611="http://schemas.microsoft.com/office/drawing/2016/11/main" r:id="rId3"/>
+              </a:ext>
+            </a:extLst>
+          </a:blip>
+          <a:stretch>
+            <a:fillRect/>
+          </a:stretch>
+        </p:blipFill>
+        <p:spPr>
+          <a:xfrm>
+            <a:off x="7819789" y="1375046"/>
+            <a:ext cx="4935157" cy="5252496"/>
+          </a:xfrm>
+        </p:spPr>
+      </p:pic>
+      <p:grpSp>
+        <p:nvGrpSpPr>
+          <p:cNvPr id="14" name="Group 13">
+            <a:extLst>
+              <a:ext uri="{FF2B5EF4-FFF2-40B4-BE49-F238E27FC236}">
+                <a16:creationId xmlns:a16="http://schemas.microsoft.com/office/drawing/2014/main" id="{2ADEB887-9CF0-49E5-83A6-1659FD171F17}"/>
+              </a:ext>
+            </a:extLst>
+          </p:cNvPr>
+          <p:cNvGrpSpPr/>
+          <p:nvPr/>
+        </p:nvGrpSpPr>
+        <p:grpSpPr>
+          <a:xfrm>
+            <a:off x="6174295" y="1619075"/>
+            <a:ext cx="5251511" cy="4764947"/>
+            <a:chOff x="6174295" y="1619075"/>
+            <a:chExt cx="5251511" cy="4764947"/>
+          </a:xfrm>
+        </p:grpSpPr>
+        <p:sp>
+          <p:nvSpPr>
+            <p:cNvPr id="10" name="Rectangle 9">
+              <a:extLst>
+                <a:ext uri="{FF2B5EF4-FFF2-40B4-BE49-F238E27FC236}">
+                  <a16:creationId xmlns:a16="http://schemas.microsoft.com/office/drawing/2014/main" id="{0D615AD8-A150-4CD3-9E49-41349C1E01BA}"/>
+                </a:ext>
+              </a:extLst>
+            </p:cNvPr>
+            <p:cNvSpPr/>
+            <p:nvPr/>
+          </p:nvSpPr>
+          <p:spPr>
+            <a:xfrm>
+              <a:off x="6174297" y="1619075"/>
+              <a:ext cx="5251509" cy="1283517"/>
+            </a:xfrm>
+            <a:prstGeom prst="rect">
+              <a:avLst/>
+            </a:prstGeom>
+            <a:noFill/>
+          </p:spPr>
+          <p:style>
+            <a:lnRef idx="2">
+              <a:schemeClr val="accent1">
+                <a:shade val="50000"/>
+              </a:schemeClr>
+            </a:lnRef>
+            <a:fillRef idx="1">
+              <a:schemeClr val="accent1"/>
+            </a:fillRef>
+            <a:effectRef idx="0">
+              <a:schemeClr val="accent1"/>
+            </a:effectRef>
+            <a:fontRef idx="minor">
+              <a:schemeClr val="lt1"/>
+            </a:fontRef>
+          </p:style>
+          <p:txBody>
+            <a:bodyPr rtlCol="0" anchor="ctr"/>
+            <a:lstStyle/>
+            <a:p>
+              <a:r>
+                <a:rPr lang="en-US" dirty="0">
+                  <a:solidFill>
+                    <a:schemeClr val="tx1"/>
+                  </a:solidFill>
+                </a:rPr>
+                <a:t>Scope: Profile</a:t>
+              </a:r>
+            </a:p>
+            <a:p>
+              <a:pPr marL="285750" indent="-285750">
+                <a:buFont typeface="Arial" panose="020B0604020202020204" pitchFamily="34" charset="0"/>
+                <a:buChar char="•"/>
+              </a:pPr>
+              <a:r>
+                <a:rPr lang="en-US" dirty="0">
+                  <a:solidFill>
+                    <a:schemeClr val="tx1"/>
+                  </a:solidFill>
+                </a:rPr>
+                <a:t>Username</a:t>
+              </a:r>
+            </a:p>
+            <a:p>
+              <a:pPr marL="285750" indent="-285750">
+                <a:buFont typeface="Arial" panose="020B0604020202020204" pitchFamily="34" charset="0"/>
+                <a:buChar char="•"/>
+              </a:pPr>
+              <a:r>
+                <a:rPr lang="en-US" dirty="0">
+                  <a:solidFill>
+                    <a:schemeClr val="tx1"/>
+                  </a:solidFill>
+                </a:rPr>
+                <a:t>First Name</a:t>
+              </a:r>
+            </a:p>
+            <a:p>
+              <a:pPr marL="285750" indent="-285750">
+                <a:buFont typeface="Arial" panose="020B0604020202020204" pitchFamily="34" charset="0"/>
+                <a:buChar char="•"/>
+              </a:pPr>
+              <a:r>
+                <a:rPr lang="en-US" dirty="0">
+                  <a:solidFill>
+                    <a:schemeClr val="tx1"/>
+                  </a:solidFill>
+                </a:rPr>
+                <a:t>Last Name</a:t>
+              </a:r>
+            </a:p>
+          </p:txBody>
+        </p:sp>
+        <p:sp>
+          <p:nvSpPr>
+            <p:cNvPr id="11" name="Rectangle 10">
+              <a:extLst>
+                <a:ext uri="{FF2B5EF4-FFF2-40B4-BE49-F238E27FC236}">
+                  <a16:creationId xmlns:a16="http://schemas.microsoft.com/office/drawing/2014/main" id="{F69CFE2E-9EA4-4860-BA75-1135072EA9EE}"/>
+                </a:ext>
+              </a:extLst>
+            </p:cNvPr>
+            <p:cNvSpPr/>
+            <p:nvPr/>
+          </p:nvSpPr>
+          <p:spPr>
+            <a:xfrm>
+              <a:off x="6174297" y="2902592"/>
+              <a:ext cx="5251509" cy="1009920"/>
+            </a:xfrm>
+            <a:prstGeom prst="rect">
+              <a:avLst/>
+            </a:prstGeom>
+            <a:noFill/>
+          </p:spPr>
+          <p:style>
+            <a:lnRef idx="2">
+              <a:schemeClr val="accent1">
+                <a:shade val="50000"/>
+              </a:schemeClr>
+            </a:lnRef>
+            <a:fillRef idx="1">
+              <a:schemeClr val="accent1"/>
+            </a:fillRef>
+            <a:effectRef idx="0">
+              <a:schemeClr val="accent1"/>
+            </a:effectRef>
+            <a:fontRef idx="minor">
+              <a:schemeClr val="lt1"/>
+            </a:fontRef>
+          </p:style>
+          <p:txBody>
+            <a:bodyPr rtlCol="0" anchor="ctr"/>
+            <a:lstStyle/>
+            <a:p>
+              <a:r>
+                <a:rPr lang="en-US" dirty="0">
+                  <a:solidFill>
+                    <a:schemeClr val="tx1"/>
+                  </a:solidFill>
+                </a:rPr>
+                <a:t>Scope: Email</a:t>
+              </a:r>
+            </a:p>
+            <a:p>
+              <a:pPr marL="285750" indent="-285750">
+                <a:buFont typeface="Arial" panose="020B0604020202020204" pitchFamily="34" charset="0"/>
+                <a:buChar char="•"/>
+              </a:pPr>
+              <a:r>
+                <a:rPr lang="en-US" dirty="0">
+                  <a:solidFill>
+                    <a:schemeClr val="tx1"/>
+                  </a:solidFill>
+                </a:rPr>
+                <a:t>Email Address</a:t>
+              </a:r>
+            </a:p>
+            <a:p>
+              <a:pPr marL="285750" indent="-285750">
+                <a:buFont typeface="Arial" panose="020B0604020202020204" pitchFamily="34" charset="0"/>
+                <a:buChar char="•"/>
+              </a:pPr>
+              <a:r>
+                <a:rPr lang="en-US" dirty="0">
+                  <a:solidFill>
+                    <a:schemeClr val="tx1"/>
+                  </a:solidFill>
+                </a:rPr>
+                <a:t>Is Email Confirmed?</a:t>
+              </a:r>
+            </a:p>
+          </p:txBody>
+        </p:sp>
+        <p:sp>
+          <p:nvSpPr>
+            <p:cNvPr id="12" name="Rectangle 11">
+              <a:extLst>
+                <a:ext uri="{FF2B5EF4-FFF2-40B4-BE49-F238E27FC236}">
+                  <a16:creationId xmlns:a16="http://schemas.microsoft.com/office/drawing/2014/main" id="{CF1A80EE-9D64-4F1B-92EA-DDF742E85810}"/>
+                </a:ext>
+              </a:extLst>
+            </p:cNvPr>
+            <p:cNvSpPr/>
+            <p:nvPr/>
+          </p:nvSpPr>
+          <p:spPr>
+            <a:xfrm>
+              <a:off x="6174296" y="3909272"/>
+              <a:ext cx="5251509" cy="1102846"/>
+            </a:xfrm>
+            <a:prstGeom prst="rect">
+              <a:avLst/>
+            </a:prstGeom>
+            <a:noFill/>
+          </p:spPr>
+          <p:style>
+            <a:lnRef idx="2">
+              <a:schemeClr val="accent1">
+                <a:shade val="50000"/>
+              </a:schemeClr>
+            </a:lnRef>
+            <a:fillRef idx="1">
+              <a:schemeClr val="accent1"/>
+            </a:fillRef>
+            <a:effectRef idx="0">
+              <a:schemeClr val="accent1"/>
+            </a:effectRef>
+            <a:fontRef idx="minor">
+              <a:schemeClr val="lt1"/>
+            </a:fontRef>
+          </p:style>
+          <p:txBody>
+            <a:bodyPr rtlCol="0" anchor="ctr"/>
+            <a:lstStyle/>
+            <a:p>
+              <a:r>
+                <a:rPr lang="en-US" dirty="0">
+                  <a:solidFill>
+                    <a:schemeClr val="tx1"/>
+                  </a:solidFill>
+                </a:rPr>
+                <a:t>Scope: Phone</a:t>
+              </a:r>
+            </a:p>
+            <a:p>
+              <a:pPr marL="285750" indent="-285750">
+                <a:buFont typeface="Arial" panose="020B0604020202020204" pitchFamily="34" charset="0"/>
+                <a:buChar char="•"/>
+              </a:pPr>
+              <a:r>
+                <a:rPr lang="en-US" dirty="0">
+                  <a:solidFill>
+                    <a:schemeClr val="tx1"/>
+                  </a:solidFill>
+                </a:rPr>
+                <a:t>Phone Number</a:t>
+              </a:r>
+            </a:p>
+            <a:p>
+              <a:pPr marL="285750" indent="-285750">
+                <a:buFont typeface="Arial" panose="020B0604020202020204" pitchFamily="34" charset="0"/>
+                <a:buChar char="•"/>
+              </a:pPr>
+              <a:r>
+                <a:rPr lang="en-US" dirty="0">
+                  <a:solidFill>
+                    <a:schemeClr val="tx1"/>
+                  </a:solidFill>
+                </a:rPr>
+                <a:t>Is Text Message Confirmed?</a:t>
+              </a:r>
+            </a:p>
+          </p:txBody>
+        </p:sp>
+        <p:sp>
+          <p:nvSpPr>
+            <p:cNvPr id="13" name="Rectangle 12">
+              <a:extLst>
+                <a:ext uri="{FF2B5EF4-FFF2-40B4-BE49-F238E27FC236}">
+                  <a16:creationId xmlns:a16="http://schemas.microsoft.com/office/drawing/2014/main" id="{30BD5251-A275-4133-8ADD-A333B39446A0}"/>
+                </a:ext>
+              </a:extLst>
+            </p:cNvPr>
+            <p:cNvSpPr/>
+            <p:nvPr/>
+          </p:nvSpPr>
+          <p:spPr>
+            <a:xfrm>
+              <a:off x="6174295" y="5008228"/>
+              <a:ext cx="5251509" cy="1375794"/>
+            </a:xfrm>
+            <a:prstGeom prst="rect">
+              <a:avLst/>
+            </a:prstGeom>
+            <a:noFill/>
+          </p:spPr>
+          <p:style>
+            <a:lnRef idx="2">
+              <a:schemeClr val="accent1">
+                <a:shade val="50000"/>
+              </a:schemeClr>
+            </a:lnRef>
+            <a:fillRef idx="1">
+              <a:schemeClr val="accent1"/>
+            </a:fillRef>
+            <a:effectRef idx="0">
+              <a:schemeClr val="accent1"/>
+            </a:effectRef>
+            <a:fontRef idx="minor">
+              <a:schemeClr val="lt1"/>
+            </a:fontRef>
+          </p:style>
+          <p:txBody>
+            <a:bodyPr rtlCol="0" anchor="ctr"/>
+            <a:lstStyle/>
+            <a:p>
+              <a:r>
+                <a:rPr lang="en-US" dirty="0">
+                  <a:solidFill>
+                    <a:schemeClr val="tx1"/>
+                  </a:solidFill>
+                </a:rPr>
+                <a:t>Scope: Customer</a:t>
+              </a:r>
+            </a:p>
+            <a:p>
+              <a:pPr marL="285750" indent="-285750">
+                <a:buFont typeface="Arial" panose="020B0604020202020204" pitchFamily="34" charset="0"/>
+                <a:buChar char="•"/>
+              </a:pPr>
+              <a:r>
+                <a:rPr lang="en-US" dirty="0">
+                  <a:solidFill>
+                    <a:schemeClr val="tx1"/>
+                  </a:solidFill>
+                </a:rPr>
+                <a:t>Customer ID</a:t>
+              </a:r>
+            </a:p>
+            <a:p>
+              <a:pPr marL="285750" indent="-285750">
+                <a:buFont typeface="Arial" panose="020B0604020202020204" pitchFamily="34" charset="0"/>
+                <a:buChar char="•"/>
+              </a:pPr>
+              <a:r>
+                <a:rPr lang="en-US" dirty="0">
+                  <a:solidFill>
+                    <a:schemeClr val="tx1"/>
+                  </a:solidFill>
+                </a:rPr>
+                <a:t>Shipping Address</a:t>
+              </a:r>
+            </a:p>
+            <a:p>
+              <a:pPr marL="285750" indent="-285750">
+                <a:buFont typeface="Arial" panose="020B0604020202020204" pitchFamily="34" charset="0"/>
+                <a:buChar char="•"/>
+              </a:pPr>
+              <a:r>
+                <a:rPr lang="en-US" dirty="0">
+                  <a:solidFill>
+                    <a:schemeClr val="tx1"/>
+                  </a:solidFill>
+                </a:rPr>
+                <a:t>…</a:t>
+              </a:r>
+            </a:p>
+          </p:txBody>
+        </p:sp>
+      </p:grpSp>
     </p:spTree>
     <p:extLst>
       <p:ext uri="{BB962C8B-B14F-4D97-AF65-F5344CB8AC3E}">
-        <p14:creationId xmlns:p14="http://schemas.microsoft.com/office/powerpoint/2010/main" val="628306040"/>
+        <p14:creationId xmlns:p14="http://schemas.microsoft.com/office/powerpoint/2010/main" val="3880435839"/>
       </p:ext>
     </p:extLst>
   </p:cSld>
   <p:clrMapOvr>
     <a:masterClrMapping/>
   </p:clrMapOvr>
+  <p:timing>
+    <p:tnLst>
+      <p:par>
+        <p:cTn id="1" dur="indefinite" restart="never" nodeType="tmRoot">
+          <p:childTnLst>
+            <p:seq concurrent="1" nextAc="seek">
+              <p:cTn id="2" dur="indefinite" nodeType="mainSeq">
+                <p:childTnLst>
+                  <p:par>
+                    <p:cTn id="3" fill="hold">
+                      <p:stCondLst>
+                        <p:cond delay="indefinite"/>
+                      </p:stCondLst>
+                      <p:childTnLst>
+                        <p:par>
+                          <p:cTn id="4" fill="hold">
+                            <p:stCondLst>
+                              <p:cond delay="0"/>
+                            </p:stCondLst>
+                            <p:childTnLst>
+                              <p:par>
+                                <p:cTn id="5" presetID="1" presetClass="entr" presetSubtype="0" fill="hold" grpId="0" nodeType="clickEffect">
+                                  <p:stCondLst>
+                                    <p:cond delay="0"/>
+                                  </p:stCondLst>
+                                  <p:childTnLst>
+                                    <p:set>
+                                      <p:cBhvr>
+                                        <p:cTn id="6" dur="1" fill="hold">
+                                          <p:stCondLst>
+                                            <p:cond delay="0"/>
+                                          </p:stCondLst>
+                                        </p:cTn>
+                                        <p:tgtEl>
+                                          <p:spTgt spid="5">
+                                            <p:txEl>
+                                              <p:pRg st="0" end="0"/>
+                                            </p:txEl>
+                                          </p:spTgt>
+                                        </p:tgtEl>
+                                        <p:attrNameLst>
+                                          <p:attrName>style.visibility</p:attrName>
+                                        </p:attrNameLst>
+                                      </p:cBhvr>
+                                      <p:to>
+                                        <p:strVal val="visible"/>
+                                      </p:to>
+                                    </p:set>
+                                  </p:childTnLst>
+                                </p:cTn>
+                              </p:par>
+                            </p:childTnLst>
+                          </p:cTn>
+                        </p:par>
+                      </p:childTnLst>
+                    </p:cTn>
+                  </p:par>
+                  <p:par>
+                    <p:cTn id="7" fill="hold">
+                      <p:stCondLst>
+                        <p:cond delay="indefinite"/>
+                      </p:stCondLst>
+                      <p:childTnLst>
+                        <p:par>
+                          <p:cTn id="8" fill="hold">
+                            <p:stCondLst>
+                              <p:cond delay="0"/>
+                            </p:stCondLst>
+                            <p:childTnLst>
+                              <p:par>
+                                <p:cTn id="9" presetID="1" presetClass="entr" presetSubtype="0" fill="hold" grpId="0" nodeType="clickEffect">
+                                  <p:stCondLst>
+                                    <p:cond delay="0"/>
+                                  </p:stCondLst>
+                                  <p:childTnLst>
+                                    <p:set>
+                                      <p:cBhvr>
+                                        <p:cTn id="10" dur="1" fill="hold">
+                                          <p:stCondLst>
+                                            <p:cond delay="0"/>
+                                          </p:stCondLst>
+                                        </p:cTn>
+                                        <p:tgtEl>
+                                          <p:spTgt spid="5">
+                                            <p:txEl>
+                                              <p:pRg st="1" end="1"/>
+                                            </p:txEl>
+                                          </p:spTgt>
+                                        </p:tgtEl>
+                                        <p:attrNameLst>
+                                          <p:attrName>style.visibility</p:attrName>
+                                        </p:attrNameLst>
+                                      </p:cBhvr>
+                                      <p:to>
+                                        <p:strVal val="visible"/>
+                                      </p:to>
+                                    </p:set>
+                                  </p:childTnLst>
+                                </p:cTn>
+                              </p:par>
+                            </p:childTnLst>
+                          </p:cTn>
+                        </p:par>
+                      </p:childTnLst>
+                    </p:cTn>
+                  </p:par>
+                  <p:par>
+                    <p:cTn id="11" fill="hold">
+                      <p:stCondLst>
+                        <p:cond delay="indefinite"/>
+                      </p:stCondLst>
+                      <p:childTnLst>
+                        <p:par>
+                          <p:cTn id="12" fill="hold">
+                            <p:stCondLst>
+                              <p:cond delay="0"/>
+                            </p:stCondLst>
+                            <p:childTnLst>
+                              <p:par>
+                                <p:cTn id="13" presetID="1" presetClass="entr" presetSubtype="0" fill="hold" grpId="0" nodeType="clickEffect">
+                                  <p:stCondLst>
+                                    <p:cond delay="0"/>
+                                  </p:stCondLst>
+                                  <p:childTnLst>
+                                    <p:set>
+                                      <p:cBhvr>
+                                        <p:cTn id="14" dur="1" fill="hold">
+                                          <p:stCondLst>
+                                            <p:cond delay="0"/>
+                                          </p:stCondLst>
+                                        </p:cTn>
+                                        <p:tgtEl>
+                                          <p:spTgt spid="5">
+                                            <p:txEl>
+                                              <p:pRg st="2" end="2"/>
+                                            </p:txEl>
+                                          </p:spTgt>
+                                        </p:tgtEl>
+                                        <p:attrNameLst>
+                                          <p:attrName>style.visibility</p:attrName>
+                                        </p:attrNameLst>
+                                      </p:cBhvr>
+                                      <p:to>
+                                        <p:strVal val="visible"/>
+                                      </p:to>
+                                    </p:set>
+                                  </p:childTnLst>
+                                </p:cTn>
+                              </p:par>
+                            </p:childTnLst>
+                          </p:cTn>
+                        </p:par>
+                      </p:childTnLst>
+                    </p:cTn>
+                  </p:par>
+                  <p:par>
+                    <p:cTn id="15" fill="hold">
+                      <p:stCondLst>
+                        <p:cond delay="indefinite"/>
+                      </p:stCondLst>
+                      <p:childTnLst>
+                        <p:par>
+                          <p:cTn id="16" fill="hold">
+                            <p:stCondLst>
+                              <p:cond delay="0"/>
+                            </p:stCondLst>
+                            <p:childTnLst>
+                              <p:par>
+                                <p:cTn id="17" presetID="1" presetClass="entr" presetSubtype="0" fill="hold" grpId="0" nodeType="clickEffect">
+                                  <p:stCondLst>
+                                    <p:cond delay="0"/>
+                                  </p:stCondLst>
+                                  <p:childTnLst>
+                                    <p:set>
+                                      <p:cBhvr>
+                                        <p:cTn id="18" dur="1" fill="hold">
+                                          <p:stCondLst>
+                                            <p:cond delay="0"/>
+                                          </p:stCondLst>
+                                        </p:cTn>
+                                        <p:tgtEl>
+                                          <p:spTgt spid="5">
+                                            <p:txEl>
+                                              <p:pRg st="3" end="3"/>
+                                            </p:txEl>
+                                          </p:spTgt>
+                                        </p:tgtEl>
+                                        <p:attrNameLst>
+                                          <p:attrName>style.visibility</p:attrName>
+                                        </p:attrNameLst>
+                                      </p:cBhvr>
+                                      <p:to>
+                                        <p:strVal val="visible"/>
+                                      </p:to>
+                                    </p:set>
+                                  </p:childTnLst>
+                                </p:cTn>
+                              </p:par>
+                            </p:childTnLst>
+                          </p:cTn>
+                        </p:par>
+                      </p:childTnLst>
+                    </p:cTn>
+                  </p:par>
+                  <p:par>
+                    <p:cTn id="19" fill="hold">
+                      <p:stCondLst>
+                        <p:cond delay="indefinite"/>
+                      </p:stCondLst>
+                      <p:childTnLst>
+                        <p:par>
+                          <p:cTn id="20" fill="hold">
+                            <p:stCondLst>
+                              <p:cond delay="0"/>
+                            </p:stCondLst>
+                            <p:childTnLst>
+                              <p:par>
+                                <p:cTn id="21" presetID="1" presetClass="entr" presetSubtype="0" fill="hold" nodeType="clickEffect">
+                                  <p:stCondLst>
+                                    <p:cond delay="0"/>
+                                  </p:stCondLst>
+                                  <p:childTnLst>
+                                    <p:set>
+                                      <p:cBhvr>
+                                        <p:cTn id="22" dur="1" fill="hold">
+                                          <p:stCondLst>
+                                            <p:cond delay="0"/>
+                                          </p:stCondLst>
+                                        </p:cTn>
+                                        <p:tgtEl>
+                                          <p:spTgt spid="6"/>
+                                        </p:tgtEl>
+                                        <p:attrNameLst>
+                                          <p:attrName>style.visibility</p:attrName>
+                                        </p:attrNameLst>
+                                      </p:cBhvr>
+                                      <p:to>
+                                        <p:strVal val="visible"/>
+                                      </p:to>
+                                    </p:set>
+                                  </p:childTnLst>
+                                </p:cTn>
+                              </p:par>
+                            </p:childTnLst>
+                          </p:cTn>
+                        </p:par>
+                      </p:childTnLst>
+                    </p:cTn>
+                  </p:par>
+                  <p:par>
+                    <p:cTn id="23" fill="hold">
+                      <p:stCondLst>
+                        <p:cond delay="indefinite"/>
+                      </p:stCondLst>
+                      <p:childTnLst>
+                        <p:par>
+                          <p:cTn id="24" fill="hold">
+                            <p:stCondLst>
+                              <p:cond delay="0"/>
+                            </p:stCondLst>
+                            <p:childTnLst>
+                              <p:par>
+                                <p:cTn id="25" presetID="1" presetClass="entr" presetSubtype="0" fill="hold" nodeType="clickEffect">
+                                  <p:stCondLst>
+                                    <p:cond delay="0"/>
+                                  </p:stCondLst>
+                                  <p:childTnLst>
+                                    <p:set>
+                                      <p:cBhvr>
+                                        <p:cTn id="26" dur="1" fill="hold">
+                                          <p:stCondLst>
+                                            <p:cond delay="0"/>
+                                          </p:stCondLst>
+                                        </p:cTn>
+                                        <p:tgtEl>
+                                          <p:spTgt spid="14"/>
+                                        </p:tgtEl>
+                                        <p:attrNameLst>
+                                          <p:attrName>style.visibility</p:attrName>
+                                        </p:attrNameLst>
+                                      </p:cBhvr>
+                                      <p:to>
+                                        <p:strVal val="visible"/>
+                                      </p:to>
+                                    </p:set>
+                                  </p:childTnLst>
+                                </p:cTn>
+                              </p:par>
+                            </p:childTnLst>
+                          </p:cTn>
+                        </p:par>
+                      </p:childTnLst>
+                    </p:cTn>
+                  </p:par>
+                </p:childTnLst>
+              </p:cTn>
+              <p:prevCondLst>
+                <p:cond evt="onPrev" delay="0">
+                  <p:tgtEl>
+                    <p:sldTgt/>
+                  </p:tgtEl>
+                </p:cond>
+              </p:prevCondLst>
+              <p:nextCondLst>
+                <p:cond evt="onNext" delay="0">
+                  <p:tgtEl>
+                    <p:sldTgt/>
+                  </p:tgtEl>
+                </p:cond>
+              </p:nextCondLst>
+            </p:seq>
+          </p:childTnLst>
+        </p:cTn>
+      </p:par>
+    </p:tnLst>
+    <p:bldLst>
+      <p:bldP spid="5" grpId="0" uiExpand="1" build="p"/>
+    </p:bldLst>
+  </p:timing>
 </p:sld>
 </file>
 
@@ -4423,7 +9499,7 @@
           <p:cNvPr id="2" name="Title 1">
             <a:extLst>
               <a:ext uri="{FF2B5EF4-FFF2-40B4-BE49-F238E27FC236}">
-                <a16:creationId xmlns:a16="http://schemas.microsoft.com/office/drawing/2014/main" id="{B25EA668-1955-49D8-966F-EB1110468443}"/>
+                <a16:creationId xmlns:a16="http://schemas.microsoft.com/office/drawing/2014/main" id="{9A78E392-F943-4E88-9964-120CD411789A}"/>
               </a:ext>
             </a:extLst>
           </p:cNvPr>
@@ -4441,17 +9517,17 @@
           <a:p>
             <a:r>
               <a:rPr lang="en-US" dirty="0"/>
-              <a:t>Adding IdentityServer4</a:t>
+              <a:t>Resource Scopes, and API Scopes - Facebook</a:t>
             </a:r>
           </a:p>
         </p:txBody>
       </p:sp>
       <p:sp>
         <p:nvSpPr>
-          <p:cNvPr id="3" name="Content Placeholder 2">
-            <a:extLst>
-              <a:ext uri="{FF2B5EF4-FFF2-40B4-BE49-F238E27FC236}">
-                <a16:creationId xmlns:a16="http://schemas.microsoft.com/office/drawing/2014/main" id="{863BDB18-0834-4EC5-8163-BCEC90B2D8D1}"/>
+          <p:cNvPr id="10" name="Content Placeholder 9">
+            <a:extLst>
+              <a:ext uri="{FF2B5EF4-FFF2-40B4-BE49-F238E27FC236}">
+                <a16:creationId xmlns:a16="http://schemas.microsoft.com/office/drawing/2014/main" id="{5AC1B31A-41A4-406F-81E2-ABD3F9F79FAA}"/>
               </a:ext>
             </a:extLst>
           </p:cNvPr>
@@ -4459,22 +9535,200 @@
             <a:spLocks noGrp="1"/>
           </p:cNvSpPr>
           <p:nvPr>
-            <p:ph idx="1"/>
+            <p:ph sz="half" idx="1"/>
           </p:nvPr>
         </p:nvSpPr>
         <p:spPr/>
         <p:txBody>
-          <a:bodyPr/>
+          <a:bodyPr>
+            <a:normAutofit lnSpcReduction="10000"/>
+          </a:bodyPr>
           <a:lstStyle/>
           <a:p>
-            <a:endParaRPr lang="en-US"/>
+            <a:r>
+              <a:rPr lang="en-US" dirty="0"/>
+              <a:t>Read Permissions - User Attributes</a:t>
+            </a:r>
+          </a:p>
+          <a:p>
+            <a:pPr lvl="1"/>
+            <a:r>
+              <a:rPr lang="en-US" dirty="0"/>
+              <a:t>email</a:t>
+            </a:r>
+          </a:p>
+          <a:p>
+            <a:pPr lvl="1"/>
+            <a:r>
+              <a:rPr lang="en-US" dirty="0" err="1"/>
+              <a:t>public_profile</a:t>
+            </a:r>
+            <a:endParaRPr lang="en-US" dirty="0"/>
+          </a:p>
+          <a:p>
+            <a:pPr lvl="1"/>
+            <a:r>
+              <a:rPr lang="en-US" dirty="0" err="1"/>
+              <a:t>read_custom_friendlists</a:t>
+            </a:r>
+            <a:endParaRPr lang="en-US" dirty="0"/>
+          </a:p>
+          <a:p>
+            <a:pPr lvl="1"/>
+            <a:r>
+              <a:rPr lang="en-US" dirty="0" err="1"/>
+              <a:t>user_about_me</a:t>
+            </a:r>
+            <a:endParaRPr lang="en-US" dirty="0"/>
+          </a:p>
+          <a:p>
+            <a:pPr lvl="1"/>
+            <a:r>
+              <a:rPr lang="en-US" dirty="0" err="1"/>
+              <a:t>user_birthday</a:t>
+            </a:r>
+            <a:endParaRPr lang="en-US" dirty="0"/>
+          </a:p>
+          <a:p>
+            <a:pPr lvl="1"/>
+            <a:r>
+              <a:rPr lang="en-US" dirty="0" err="1"/>
+              <a:t>user_education_history</a:t>
+            </a:r>
+            <a:endParaRPr lang="en-US" dirty="0"/>
+          </a:p>
+          <a:p>
+            <a:pPr lvl="1"/>
+            <a:r>
+              <a:rPr lang="en-US" dirty="0" err="1"/>
+              <a:t>user_friends</a:t>
+            </a:r>
+            <a:endParaRPr lang="en-US" dirty="0"/>
+          </a:p>
+          <a:p>
+            <a:pPr lvl="1"/>
+            <a:r>
+              <a:rPr lang="en-US" dirty="0" err="1"/>
+              <a:t>user_hometown</a:t>
+            </a:r>
+            <a:endParaRPr lang="en-US" dirty="0"/>
+          </a:p>
+          <a:p>
+            <a:pPr lvl="1"/>
+            <a:r>
+              <a:rPr lang="en-US" dirty="0" err="1"/>
+              <a:t>user_location</a:t>
+            </a:r>
+            <a:endParaRPr lang="en-US" dirty="0"/>
+          </a:p>
+          <a:p>
+            <a:pPr lvl="1"/>
+            <a:r>
+              <a:rPr lang="en-US" dirty="0"/>
+              <a:t>…</a:t>
+            </a:r>
+          </a:p>
+        </p:txBody>
+      </p:sp>
+      <p:sp>
+        <p:nvSpPr>
+          <p:cNvPr id="11" name="Content Placeholder 10">
+            <a:extLst>
+              <a:ext uri="{FF2B5EF4-FFF2-40B4-BE49-F238E27FC236}">
+                <a16:creationId xmlns:a16="http://schemas.microsoft.com/office/drawing/2014/main" id="{D3B497AB-E515-43EE-91F2-E1D72489D966}"/>
+              </a:ext>
+            </a:extLst>
+          </p:cNvPr>
+          <p:cNvSpPr>
+            <a:spLocks noGrp="1"/>
+          </p:cNvSpPr>
+          <p:nvPr>
+            <p:ph sz="half" idx="2"/>
+          </p:nvPr>
+        </p:nvSpPr>
+        <p:spPr/>
+        <p:txBody>
+          <a:bodyPr>
+            <a:normAutofit lnSpcReduction="10000"/>
+          </a:bodyPr>
+          <a:lstStyle/>
+          <a:p>
+            <a:r>
+              <a:rPr lang="en-US" dirty="0"/>
+              <a:t>Messenger Platform Permissions</a:t>
+            </a:r>
+          </a:p>
+          <a:p>
+            <a:pPr lvl="1"/>
+            <a:r>
+              <a:rPr lang="en-US" dirty="0" err="1"/>
+              <a:t>pages_messaging</a:t>
+            </a:r>
+            <a:endParaRPr lang="en-US" dirty="0"/>
+          </a:p>
+          <a:p>
+            <a:pPr lvl="1"/>
+            <a:r>
+              <a:rPr lang="en-US" dirty="0" err="1"/>
+              <a:t>pages_messaging_payments</a:t>
+            </a:r>
+            <a:endParaRPr lang="en-US" dirty="0"/>
+          </a:p>
+          <a:p>
+            <a:pPr lvl="1"/>
+            <a:r>
+              <a:rPr lang="en-US" dirty="0" err="1"/>
+              <a:t>pages_messaging_phone_number</a:t>
+            </a:r>
+            <a:endParaRPr lang="en-US" dirty="0"/>
+          </a:p>
+          <a:p>
+            <a:pPr lvl="1"/>
+            <a:r>
+              <a:rPr lang="en-US" dirty="0" err="1"/>
+              <a:t>pages_messaging_subscriptions</a:t>
+            </a:r>
+            <a:endParaRPr lang="en-US" dirty="0"/>
+          </a:p>
+          <a:p>
+            <a:r>
+              <a:rPr lang="en-US" dirty="0"/>
+              <a:t>Instagram Platform Permissions</a:t>
+            </a:r>
+          </a:p>
+          <a:p>
+            <a:pPr lvl="1"/>
+            <a:r>
+              <a:rPr lang="en-US" dirty="0" err="1"/>
+              <a:t>instagram_basic</a:t>
+            </a:r>
+            <a:endParaRPr lang="en-US" dirty="0"/>
+          </a:p>
+          <a:p>
+            <a:pPr lvl="1"/>
+            <a:r>
+              <a:rPr lang="en-US" dirty="0" err="1"/>
+              <a:t>instagram_manage_comments</a:t>
+            </a:r>
+            <a:endParaRPr lang="en-US" dirty="0"/>
+          </a:p>
+          <a:p>
+            <a:pPr lvl="1"/>
+            <a:r>
+              <a:rPr lang="en-US" dirty="0" err="1"/>
+              <a:t>instagram_manage_insights</a:t>
+            </a:r>
+            <a:endParaRPr lang="en-US" dirty="0"/>
+          </a:p>
+          <a:p>
+            <a:endParaRPr lang="en-US" dirty="0"/>
           </a:p>
         </p:txBody>
       </p:sp>
     </p:spTree>
     <p:extLst>
       <p:ext uri="{BB962C8B-B14F-4D97-AF65-F5344CB8AC3E}">
-        <p14:creationId xmlns:p14="http://schemas.microsoft.com/office/powerpoint/2010/main" val="983058578"/>
+        <p14:creationId xmlns:p14="http://schemas.microsoft.com/office/powerpoint/2010/main" val="1677853554"/>
       </p:ext>
     </p:extLst>
   </p:cSld>
